--- a/powerpoint files/Session3.pptx
+++ b/powerpoint files/Session3.pptx
@@ -9,19 +9,20 @@
     <p:sldMasterId id="2147483700" r:id="rId5"/>
   </p:sldMasterIdLst>
   <p:sldIdLst>
-    <p:sldId id="256" r:id="rId6"/>
-    <p:sldId id="257" r:id="rId7"/>
-    <p:sldId id="258" r:id="rId8"/>
-    <p:sldId id="259" r:id="rId9"/>
-    <p:sldId id="260" r:id="rId10"/>
-    <p:sldId id="261" r:id="rId11"/>
-    <p:sldId id="262" r:id="rId12"/>
-    <p:sldId id="263" r:id="rId13"/>
-    <p:sldId id="264" r:id="rId14"/>
-    <p:sldId id="265" r:id="rId15"/>
-    <p:sldId id="266" r:id="rId16"/>
-    <p:sldId id="269" r:id="rId17"/>
-    <p:sldId id="270" r:id="rId18"/>
+    <p:sldId id="279" r:id="rId6"/>
+    <p:sldId id="256" r:id="rId7"/>
+    <p:sldId id="257" r:id="rId8"/>
+    <p:sldId id="258" r:id="rId9"/>
+    <p:sldId id="259" r:id="rId10"/>
+    <p:sldId id="260" r:id="rId11"/>
+    <p:sldId id="261" r:id="rId12"/>
+    <p:sldId id="262" r:id="rId13"/>
+    <p:sldId id="263" r:id="rId14"/>
+    <p:sldId id="264" r:id="rId15"/>
+    <p:sldId id="265" r:id="rId16"/>
+    <p:sldId id="266" r:id="rId17"/>
+    <p:sldId id="269" r:id="rId18"/>
+    <p:sldId id="270" r:id="rId19"/>
   </p:sldIdLst>
   <p:sldSz cx="9144000" cy="6858000" type="screen4x3"/>
   <p:notesSz cx="7559675" cy="10691813"/>
@@ -128,6 +129,14 @@
 </p:presentation>
 </file>
 
+<file path=ppt/revisionInfo.xml><?xml version="1.0" encoding="utf-8"?>
+<p1510:revInfo xmlns:a="http://schemas.openxmlformats.org/drawingml/2006/main" xmlns:r="http://schemas.openxmlformats.org/officeDocument/2006/relationships" xmlns:p1510="http://schemas.microsoft.com/office/powerpoint/2015/10/main">
+  <p1510:revLst>
+    <p1510:client id="{0A5E6F97-4F2E-5B41-91AD-9C21C5C6BEA7}" v="1" dt="2024-04-22T19:32:07.274"/>
+  </p1510:revLst>
+</p1510:revInfo>
+</file>
+
 <file path=ppt/changesInfos/changesInfo1.xml><?xml version="1.0" encoding="utf-8"?>
 <pc:chgInfo xmlns:a="http://schemas.openxmlformats.org/drawingml/2006/main" xmlns:r="http://schemas.openxmlformats.org/officeDocument/2006/relationships" xmlns:ac="http://schemas.microsoft.com/office/drawing/2013/main/command" xmlns:pc="http://schemas.microsoft.com/office/powerpoint/2013/main/command">
   <pc:docChgLst>
@@ -190,6 +199,37 @@
             <ac:spMk id="191" creationId="{00000000-0000-0000-0000-000000000000}"/>
           </ac:spMkLst>
         </pc:spChg>
+      </pc:sldChg>
+    </pc:docChg>
+  </pc:docChgLst>
+  <pc:docChgLst>
+    <pc:chgData name="Srinivasa Rao" userId="a6b54366-f13d-4292-8bb4-f06c50909b1e" providerId="ADAL" clId="{0A5E6F97-4F2E-5B41-91AD-9C21C5C6BEA7}"/>
+    <pc:docChg chg="addSld modSld">
+      <pc:chgData name="Srinivasa Rao" userId="a6b54366-f13d-4292-8bb4-f06c50909b1e" providerId="ADAL" clId="{0A5E6F97-4F2E-5B41-91AD-9C21C5C6BEA7}" dt="2024-04-22T19:32:13.854" v="7" actId="20577"/>
+      <pc:docMkLst>
+        <pc:docMk/>
+      </pc:docMkLst>
+      <pc:sldChg chg="modSp mod">
+        <pc:chgData name="Srinivasa Rao" userId="a6b54366-f13d-4292-8bb4-f06c50909b1e" providerId="ADAL" clId="{0A5E6F97-4F2E-5B41-91AD-9C21C5C6BEA7}" dt="2024-04-22T19:32:13.854" v="7" actId="20577"/>
+        <pc:sldMkLst>
+          <pc:docMk/>
+          <pc:sldMk cId="0" sldId="256"/>
+        </pc:sldMkLst>
+        <pc:spChg chg="mod">
+          <ac:chgData name="Srinivasa Rao" userId="a6b54366-f13d-4292-8bb4-f06c50909b1e" providerId="ADAL" clId="{0A5E6F97-4F2E-5B41-91AD-9C21C5C6BEA7}" dt="2024-04-22T19:32:13.854" v="7" actId="20577"/>
+          <ac:spMkLst>
+            <pc:docMk/>
+            <pc:sldMk cId="0" sldId="256"/>
+            <ac:spMk id="191" creationId="{00000000-0000-0000-0000-000000000000}"/>
+          </ac:spMkLst>
+        </pc:spChg>
+      </pc:sldChg>
+      <pc:sldChg chg="add">
+        <pc:chgData name="Srinivasa Rao" userId="a6b54366-f13d-4292-8bb4-f06c50909b1e" providerId="ADAL" clId="{0A5E6F97-4F2E-5B41-91AD-9C21C5C6BEA7}" dt="2024-04-22T19:32:07.270" v="0"/>
+        <pc:sldMkLst>
+          <pc:docMk/>
+          <pc:sldMk cId="0" sldId="279"/>
+        </pc:sldMkLst>
       </pc:sldChg>
     </pc:docChg>
   </pc:docChgLst>
@@ -9948,14 +9988,14 @@
       </p:grpSpPr>
       <p:sp>
         <p:nvSpPr>
-          <p:cNvPr id="190" name="CustomShape 1"/>
+          <p:cNvPr id="228" name="CustomShape 1"/>
           <p:cNvSpPr/>
           <p:nvPr/>
         </p:nvSpPr>
         <p:spPr>
           <a:xfrm>
             <a:off x="685800" y="2130480"/>
-            <a:ext cx="7770960" cy="1468440"/>
+            <a:ext cx="7771320" cy="1468800"/>
           </a:xfrm>
           <a:prstGeom prst="rect">
             <a:avLst/>
@@ -9979,7 +10019,7 @@
         </p:style>
         <p:txBody>
           <a:bodyPr lIns="90000" tIns="45000" rIns="90000" bIns="45000" anchor="ctr">
-            <a:normAutofit fontScale="62000" lnSpcReduction="20000"/>
+            <a:normAutofit fontScale="73000" lnSpcReduction="20000"/>
           </a:bodyPr>
           <a:lstStyle/>
           <a:p>
@@ -9989,64 +10029,88 @@
               </a:lnSpc>
             </a:pPr>
             <a:r>
-              <a:rPr lang="en-US" sz="4400" b="0" strike="noStrike" spc="-1">
+              <a:rPr lang="en-US" sz="4400" b="0" strike="noStrike" spc="-1" dirty="0">
                 <a:solidFill>
                   <a:srgbClr val="000000"/>
                 </a:solidFill>
                 <a:latin typeface="Calibri"/>
                 <a:ea typeface="Calibri"/>
               </a:rPr>
-              <a:t>Data analysis and visualisation in</a:t>
-            </a:r>
-            <a:br/>
-            <a:r>
-              <a:rPr lang="en-US" sz="4400" b="0" strike="noStrike" spc="-1">
+              <a:t>Welcome to </a:t>
+            </a:r>
+          </a:p>
+          <a:p>
+            <a:pPr algn="ctr">
+              <a:lnSpc>
+                <a:spcPct val="100000"/>
+              </a:lnSpc>
+            </a:pPr>
+            <a:r>
+              <a:rPr lang="en-US" sz="4400" b="0" strike="noStrike" spc="-1" dirty="0">
                 <a:solidFill>
                   <a:srgbClr val="000000"/>
                 </a:solidFill>
                 <a:latin typeface="Calibri"/>
                 <a:ea typeface="Calibri"/>
               </a:rPr>
-              <a:t> R for Biologists</a:t>
-            </a:r>
-            <a:br/>
-            <a:r>
-              <a:rPr lang="en-US" sz="4400" b="0" strike="noStrike" spc="-1">
+              <a:t>Data analysis and </a:t>
+            </a:r>
+            <a:r>
+              <a:rPr lang="en-US" sz="4400" b="0" strike="noStrike" spc="-1" dirty="0" err="1">
                 <a:solidFill>
                   <a:srgbClr val="000000"/>
                 </a:solidFill>
                 <a:latin typeface="Calibri"/>
                 <a:ea typeface="Calibri"/>
               </a:rPr>
-              <a:t>Session 3 </a:t>
-            </a:r>
-            <a:br/>
-            <a:r>
-              <a:rPr lang="en-US" sz="4400" b="1" strike="noStrike" spc="-1">
+              <a:t>visualisation</a:t>
+            </a:r>
+            <a:r>
+              <a:rPr lang="en-US" sz="4400" b="0" strike="noStrike" spc="-1" dirty="0">
                 <a:solidFill>
                   <a:srgbClr val="000000"/>
                 </a:solidFill>
                 <a:latin typeface="Calibri"/>
                 <a:ea typeface="Calibri"/>
               </a:rPr>
-              <a:t>Data exploration in depth</a:t>
-            </a:r>
-            <a:endParaRPr lang="en-GB" sz="4400" b="0" strike="noStrike" spc="-1">
-              <a:latin typeface="Arial"/>
-            </a:endParaRPr>
-          </a:p>
-        </p:txBody>
-      </p:sp>
-      <p:sp>
-        <p:nvSpPr>
-          <p:cNvPr id="191" name="CustomShape 2"/>
+              <a:t> in</a:t>
+            </a:r>
+            <a:br>
+              <a:rPr lang="en-US" sz="4400" dirty="0"/>
+            </a:br>
+            <a:r>
+              <a:rPr lang="en-US" sz="4400" b="0" strike="noStrike" spc="-1" dirty="0">
+                <a:solidFill>
+                  <a:srgbClr val="000000"/>
+                </a:solidFill>
+                <a:latin typeface="Calibri"/>
+                <a:ea typeface="Calibri"/>
+              </a:rPr>
+              <a:t> R for Biologists</a:t>
+            </a:r>
+            <a:br>
+              <a:rPr dirty="0"/>
+            </a:br>
+            <a:r>
+              <a:rPr lang="en-GB" dirty="0"/>
+              <a:t>We’ll start at 10:00am, please ask if you have any issues with installation of R and RStudio</a:t>
+            </a:r>
+            <a:endParaRPr lang="en-GB" sz="4400" b="0" strike="noStrike" spc="-1" dirty="0">
+              <a:latin typeface="Arial"/>
+            </a:endParaRPr>
+          </a:p>
+        </p:txBody>
+      </p:sp>
+      <p:sp>
+        <p:nvSpPr>
+          <p:cNvPr id="229" name="CustomShape 2"/>
           <p:cNvSpPr/>
           <p:nvPr/>
         </p:nvSpPr>
         <p:spPr>
           <a:xfrm>
             <a:off x="1378080" y="4766400"/>
-            <a:ext cx="6399360" cy="1751040"/>
+            <a:ext cx="6399720" cy="1751400"/>
           </a:xfrm>
           <a:prstGeom prst="rect">
             <a:avLst/>
@@ -10112,24 +10176,14 @@
               </a:tabLst>
             </a:pPr>
             <a:r>
-              <a:rPr lang="en-US" sz="3200" spc="-1">
+              <a:rPr lang="en-US" sz="3200" b="0" strike="noStrike" spc="-1" dirty="0">
                 <a:solidFill>
                   <a:srgbClr val="8B8B8B"/>
                 </a:solidFill>
                 <a:latin typeface="Calibri"/>
                 <a:ea typeface="DejaVu Sans"/>
               </a:rPr>
-              <a:t>Hilary</a:t>
-            </a:r>
-            <a:r>
-              <a:rPr lang="en-US" sz="3200" b="0" strike="noStrike" spc="-1">
-                <a:solidFill>
-                  <a:srgbClr val="8B8B8B"/>
-                </a:solidFill>
-                <a:latin typeface="Calibri"/>
-                <a:ea typeface="DejaVu Sans"/>
-              </a:rPr>
-              <a:t> 2024</a:t>
+              <a:t>Trinity 2024</a:t>
             </a:r>
             <a:endParaRPr lang="en-GB" sz="3200" b="0" strike="noStrike" spc="-1" dirty="0">
               <a:latin typeface="Arial"/>
@@ -10164,7 +10218,7 @@
       </p:grpSpPr>
       <p:sp>
         <p:nvSpPr>
-          <p:cNvPr id="230" name="CustomShape 1"/>
+          <p:cNvPr id="210" name="CustomShape 1"/>
           <p:cNvSpPr/>
           <p:nvPr/>
         </p:nvSpPr>
@@ -10212,7 +10266,7 @@
                 <a:latin typeface="Calibri"/>
                 <a:ea typeface="DejaVu Sans"/>
               </a:rPr>
-              <a:t>A lot of information can be conveyed!</a:t>
+              <a:t>Heatmaps</a:t>
             </a:r>
             <a:endParaRPr lang="en-GB" sz="4400" b="0" strike="noStrike" spc="-1">
               <a:latin typeface="Arial"/>
@@ -10220,39 +10274,16 @@
           </a:p>
         </p:txBody>
       </p:sp>
-      <p:pic>
-        <p:nvPicPr>
-          <p:cNvPr id="231" name="Picture 2"/>
-          <p:cNvPicPr/>
-          <p:nvPr/>
-        </p:nvPicPr>
-        <p:blipFill>
-          <a:blip r:embed="rId2"/>
-          <a:stretch/>
-        </p:blipFill>
-        <p:spPr>
-          <a:xfrm>
-            <a:off x="0" y="1275840"/>
-            <a:ext cx="6697080" cy="5580720"/>
-          </a:xfrm>
-          <a:prstGeom prst="rect">
-            <a:avLst/>
-          </a:prstGeom>
-          <a:ln>
-            <a:noFill/>
-          </a:ln>
-        </p:spPr>
-      </p:pic>
-      <p:sp>
-        <p:nvSpPr>
-          <p:cNvPr id="232" name="CustomShape 2"/>
+      <p:sp>
+        <p:nvSpPr>
+          <p:cNvPr id="211" name="CustomShape 2"/>
           <p:cNvSpPr/>
           <p:nvPr/>
         </p:nvSpPr>
         <p:spPr>
           <a:xfrm>
-            <a:off x="6214320" y="6488280"/>
-            <a:ext cx="2928600" cy="257040"/>
+            <a:off x="457200" y="1091880"/>
+            <a:ext cx="8161920" cy="1002960"/>
           </a:xfrm>
           <a:prstGeom prst="rect">
             <a:avLst/>
@@ -10276,77 +10307,7 @@
         </p:style>
         <p:txBody>
           <a:bodyPr lIns="90000" tIns="45000" rIns="90000" bIns="45000">
-            <a:spAutoFit/>
-          </a:bodyPr>
-          <a:lstStyle/>
-          <a:p>
-            <a:pPr>
-              <a:lnSpc>
-                <a:spcPct val="100000"/>
-              </a:lnSpc>
-            </a:pPr>
-            <a:r>
-              <a:rPr lang="en-GB" sz="1100" b="0" u="sng" strike="noStrike" spc="-1">
-                <a:solidFill>
-                  <a:srgbClr val="0000FF"/>
-                </a:solidFill>
-                <a:uFillTx/>
-                <a:latin typeface="Calibri"/>
-                <a:ea typeface="DejaVu Sans"/>
-                <a:hlinkClick r:id="rId3"/>
-              </a:rPr>
-              <a:t>https://github.com/jokergoo/ComplexHeatmap</a:t>
-            </a:r>
-            <a:r>
-              <a:rPr lang="en-GB" sz="1100" b="0" strike="noStrike" spc="-1">
-                <a:solidFill>
-                  <a:srgbClr val="000000"/>
-                </a:solidFill>
-                <a:latin typeface="Calibri"/>
-                <a:ea typeface="DejaVu Sans"/>
-              </a:rPr>
-              <a:t> </a:t>
-            </a:r>
-            <a:endParaRPr lang="en-GB" sz="1100" b="0" strike="noStrike" spc="-1">
-              <a:latin typeface="Arial"/>
-            </a:endParaRPr>
-          </a:p>
-        </p:txBody>
-      </p:sp>
-      <p:sp>
-        <p:nvSpPr>
-          <p:cNvPr id="233" name="CustomShape 3"/>
-          <p:cNvSpPr/>
-          <p:nvPr/>
-        </p:nvSpPr>
-        <p:spPr>
-          <a:xfrm>
-            <a:off x="6698160" y="1091880"/>
-            <a:ext cx="1920960" cy="3905280"/>
-          </a:xfrm>
-          <a:prstGeom prst="rect">
-            <a:avLst/>
-          </a:prstGeom>
-          <a:noFill/>
-          <a:ln>
-            <a:noFill/>
-          </a:ln>
-        </p:spPr>
-        <p:style>
-          <a:lnRef idx="0">
-            <a:scrgbClr r="0" g="0" b="0"/>
-          </a:lnRef>
-          <a:fillRef idx="0">
-            <a:scrgbClr r="0" g="0" b="0"/>
-          </a:fillRef>
-          <a:effectRef idx="0">
-            <a:scrgbClr r="0" g="0" b="0"/>
-          </a:effectRef>
-          <a:fontRef idx="minor"/>
-        </p:style>
-        <p:txBody>
-          <a:bodyPr lIns="90000" tIns="45000" rIns="90000" bIns="45000">
-            <a:normAutofit/>
+            <a:normAutofit lnSpcReduction="10000"/>
           </a:bodyPr>
           <a:lstStyle/>
           <a:p>
@@ -10371,6 +10332,1281 @@
                 <a:latin typeface="Calibri"/>
                 <a:ea typeface="DejaVu Sans"/>
               </a:rPr>
+              <a:t>Useful for displaying multidimensional data</a:t>
+            </a:r>
+            <a:endParaRPr lang="en-GB" sz="2150" b="0" strike="noStrike" spc="-1">
+              <a:latin typeface="Arial"/>
+            </a:endParaRPr>
+          </a:p>
+          <a:p>
+            <a:pPr marL="743040" lvl="1" indent="-284760">
+              <a:lnSpc>
+                <a:spcPct val="100000"/>
+              </a:lnSpc>
+              <a:spcBef>
+                <a:spcPts val="340"/>
+              </a:spcBef>
+              <a:buClr>
+                <a:srgbClr val="000000"/>
+              </a:buClr>
+              <a:buFont typeface="Arial"/>
+              <a:buChar char="–"/>
+            </a:pPr>
+            <a:r>
+              <a:rPr lang="en-GB" sz="1700" b="0" strike="noStrike" spc="-1">
+                <a:solidFill>
+                  <a:srgbClr val="000000"/>
+                </a:solidFill>
+                <a:latin typeface="Calibri"/>
+                <a:ea typeface="DejaVu Sans"/>
+              </a:rPr>
+              <a:t>A number of parameters</a:t>
+            </a:r>
+            <a:endParaRPr lang="en-GB" sz="1700" b="0" strike="noStrike" spc="-1">
+              <a:latin typeface="Arial"/>
+            </a:endParaRPr>
+          </a:p>
+          <a:p>
+            <a:pPr marL="743040" lvl="1" indent="-284760">
+              <a:lnSpc>
+                <a:spcPct val="100000"/>
+              </a:lnSpc>
+              <a:spcBef>
+                <a:spcPts val="340"/>
+              </a:spcBef>
+              <a:buClr>
+                <a:srgbClr val="000000"/>
+              </a:buClr>
+              <a:buFont typeface="Arial"/>
+              <a:buChar char="–"/>
+            </a:pPr>
+            <a:r>
+              <a:rPr lang="en-GB" sz="1700" b="0" strike="noStrike" spc="-1">
+                <a:solidFill>
+                  <a:srgbClr val="000000"/>
+                </a:solidFill>
+                <a:latin typeface="Courier New"/>
+                <a:ea typeface="DejaVu Sans"/>
+              </a:rPr>
+              <a:t>heatmap.2()</a:t>
+            </a:r>
+            <a:r>
+              <a:rPr lang="en-GB" sz="1700" b="0" strike="noStrike" spc="-1">
+                <a:solidFill>
+                  <a:srgbClr val="000000"/>
+                </a:solidFill>
+                <a:latin typeface="Calibri"/>
+                <a:ea typeface="DejaVu Sans"/>
+              </a:rPr>
+              <a:t> function from the gplots package</a:t>
+            </a:r>
+            <a:endParaRPr lang="en-GB" sz="1700" b="0" strike="noStrike" spc="-1">
+              <a:latin typeface="Arial"/>
+            </a:endParaRPr>
+          </a:p>
+          <a:p>
+            <a:pPr>
+              <a:lnSpc>
+                <a:spcPct val="100000"/>
+              </a:lnSpc>
+              <a:spcBef>
+                <a:spcPts val="269"/>
+              </a:spcBef>
+            </a:pPr>
+            <a:endParaRPr lang="en-GB" sz="1700" b="0" strike="noStrike" spc="-1">
+              <a:latin typeface="Arial"/>
+            </a:endParaRPr>
+          </a:p>
+          <a:p>
+            <a:pPr>
+              <a:lnSpc>
+                <a:spcPct val="100000"/>
+              </a:lnSpc>
+              <a:spcBef>
+                <a:spcPts val="349"/>
+              </a:spcBef>
+            </a:pPr>
+            <a:endParaRPr lang="en-GB" sz="1700" b="0" strike="noStrike" spc="-1">
+              <a:latin typeface="Arial"/>
+            </a:endParaRPr>
+          </a:p>
+        </p:txBody>
+      </p:sp>
+      <p:pic>
+        <p:nvPicPr>
+          <p:cNvPr id="212" name="Picture 7"/>
+          <p:cNvPicPr/>
+          <p:nvPr/>
+        </p:nvPicPr>
+        <p:blipFill>
+          <a:blip r:embed="rId2"/>
+          <a:stretch/>
+        </p:blipFill>
+        <p:spPr>
+          <a:xfrm>
+            <a:off x="4283280" y="2148480"/>
+            <a:ext cx="4007160" cy="4362120"/>
+          </a:xfrm>
+          <a:prstGeom prst="rect">
+            <a:avLst/>
+          </a:prstGeom>
+          <a:ln>
+            <a:noFill/>
+          </a:ln>
+        </p:spPr>
+      </p:pic>
+      <p:sp>
+        <p:nvSpPr>
+          <p:cNvPr id="213" name="CustomShape 3"/>
+          <p:cNvSpPr/>
+          <p:nvPr/>
+        </p:nvSpPr>
+        <p:spPr>
+          <a:xfrm>
+            <a:off x="4314600" y="3302640"/>
+            <a:ext cx="3416760" cy="212040"/>
+          </a:xfrm>
+          <a:prstGeom prst="rect">
+            <a:avLst/>
+          </a:prstGeom>
+          <a:noFill/>
+          <a:ln>
+            <a:round/>
+          </a:ln>
+        </p:spPr>
+        <p:style>
+          <a:lnRef idx="2">
+            <a:schemeClr val="accent2"/>
+          </a:lnRef>
+          <a:fillRef idx="1">
+            <a:schemeClr val="lt1"/>
+          </a:fillRef>
+          <a:effectRef idx="0">
+            <a:schemeClr val="accent2"/>
+          </a:effectRef>
+          <a:fontRef idx="minor"/>
+        </p:style>
+        <p:txBody>
+          <a:bodyPr/>
+          <a:lstStyle/>
+          <a:p>
+            <a:endParaRPr lang="en-US"/>
+          </a:p>
+        </p:txBody>
+      </p:sp>
+      <p:sp>
+        <p:nvSpPr>
+          <p:cNvPr id="214" name="CustomShape 4"/>
+          <p:cNvSpPr/>
+          <p:nvPr/>
+        </p:nvSpPr>
+        <p:spPr>
+          <a:xfrm>
+            <a:off x="4314600" y="2148480"/>
+            <a:ext cx="3416760" cy="1153080"/>
+          </a:xfrm>
+          <a:prstGeom prst="rect">
+            <a:avLst/>
+          </a:prstGeom>
+          <a:noFill/>
+          <a:ln>
+            <a:round/>
+          </a:ln>
+        </p:spPr>
+        <p:style>
+          <a:lnRef idx="2">
+            <a:schemeClr val="accent4"/>
+          </a:lnRef>
+          <a:fillRef idx="1">
+            <a:schemeClr val="lt1"/>
+          </a:fillRef>
+          <a:effectRef idx="0">
+            <a:schemeClr val="accent4"/>
+          </a:effectRef>
+          <a:fontRef idx="minor"/>
+        </p:style>
+        <p:txBody>
+          <a:bodyPr/>
+          <a:lstStyle/>
+          <a:p>
+            <a:endParaRPr lang="en-US"/>
+          </a:p>
+        </p:txBody>
+      </p:sp>
+      <p:sp>
+        <p:nvSpPr>
+          <p:cNvPr id="215" name="CustomShape 5"/>
+          <p:cNvSpPr/>
+          <p:nvPr/>
+        </p:nvSpPr>
+        <p:spPr>
+          <a:xfrm>
+            <a:off x="4314600" y="6298560"/>
+            <a:ext cx="3416760" cy="212040"/>
+          </a:xfrm>
+          <a:prstGeom prst="rect">
+            <a:avLst/>
+          </a:prstGeom>
+          <a:noFill/>
+          <a:ln>
+            <a:solidFill>
+              <a:srgbClr val="00B0F0"/>
+            </a:solidFill>
+            <a:round/>
+          </a:ln>
+        </p:spPr>
+        <p:style>
+          <a:lnRef idx="2">
+            <a:schemeClr val="accent2"/>
+          </a:lnRef>
+          <a:fillRef idx="1">
+            <a:schemeClr val="lt1"/>
+          </a:fillRef>
+          <a:effectRef idx="0">
+            <a:schemeClr val="accent2"/>
+          </a:effectRef>
+          <a:fontRef idx="minor"/>
+        </p:style>
+        <p:txBody>
+          <a:bodyPr/>
+          <a:lstStyle/>
+          <a:p>
+            <a:endParaRPr lang="en-US"/>
+          </a:p>
+        </p:txBody>
+      </p:sp>
+      <p:sp>
+        <p:nvSpPr>
+          <p:cNvPr id="216" name="CustomShape 6"/>
+          <p:cNvSpPr/>
+          <p:nvPr/>
+        </p:nvSpPr>
+        <p:spPr>
+          <a:xfrm>
+            <a:off x="7732440" y="3515400"/>
+            <a:ext cx="589320" cy="2782080"/>
+          </a:xfrm>
+          <a:prstGeom prst="rect">
+            <a:avLst/>
+          </a:prstGeom>
+          <a:noFill/>
+          <a:ln>
+            <a:solidFill>
+              <a:srgbClr val="C00000"/>
+            </a:solidFill>
+            <a:round/>
+          </a:ln>
+        </p:spPr>
+        <p:style>
+          <a:lnRef idx="2">
+            <a:schemeClr val="accent2"/>
+          </a:lnRef>
+          <a:fillRef idx="1">
+            <a:schemeClr val="lt1"/>
+          </a:fillRef>
+          <a:effectRef idx="0">
+            <a:schemeClr val="accent2"/>
+          </a:effectRef>
+          <a:fontRef idx="minor"/>
+        </p:style>
+        <p:txBody>
+          <a:bodyPr/>
+          <a:lstStyle/>
+          <a:p>
+            <a:endParaRPr lang="en-US"/>
+          </a:p>
+        </p:txBody>
+      </p:sp>
+      <p:sp>
+        <p:nvSpPr>
+          <p:cNvPr id="217" name="CustomShape 7"/>
+          <p:cNvSpPr/>
+          <p:nvPr/>
+        </p:nvSpPr>
+        <p:spPr>
+          <a:xfrm>
+            <a:off x="7290720" y="2148480"/>
+            <a:ext cx="1031040" cy="886680"/>
+          </a:xfrm>
+          <a:prstGeom prst="rect">
+            <a:avLst/>
+          </a:prstGeom>
+          <a:noFill/>
+          <a:ln>
+            <a:solidFill>
+              <a:srgbClr val="FFC000"/>
+            </a:solidFill>
+            <a:round/>
+          </a:ln>
+        </p:spPr>
+        <p:style>
+          <a:lnRef idx="2">
+            <a:schemeClr val="accent2"/>
+          </a:lnRef>
+          <a:fillRef idx="1">
+            <a:schemeClr val="lt1"/>
+          </a:fillRef>
+          <a:effectRef idx="0">
+            <a:schemeClr val="accent2"/>
+          </a:effectRef>
+          <a:fontRef idx="minor"/>
+        </p:style>
+        <p:txBody>
+          <a:bodyPr/>
+          <a:lstStyle/>
+          <a:p>
+            <a:endParaRPr lang="en-US"/>
+          </a:p>
+        </p:txBody>
+      </p:sp>
+      <p:sp>
+        <p:nvSpPr>
+          <p:cNvPr id="218" name="CustomShape 8"/>
+          <p:cNvSpPr/>
+          <p:nvPr/>
+        </p:nvSpPr>
+        <p:spPr>
+          <a:xfrm>
+            <a:off x="457200" y="3026160"/>
+            <a:ext cx="2337120" cy="363960"/>
+          </a:xfrm>
+          <a:prstGeom prst="rect">
+            <a:avLst/>
+          </a:prstGeom>
+          <a:noFill/>
+          <a:ln>
+            <a:noFill/>
+          </a:ln>
+        </p:spPr>
+        <p:style>
+          <a:lnRef idx="0">
+            <a:scrgbClr r="0" g="0" b="0"/>
+          </a:lnRef>
+          <a:fillRef idx="0">
+            <a:scrgbClr r="0" g="0" b="0"/>
+          </a:fillRef>
+          <a:effectRef idx="0">
+            <a:scrgbClr r="0" g="0" b="0"/>
+          </a:effectRef>
+          <a:fontRef idx="minor"/>
+        </p:style>
+        <p:txBody>
+          <a:bodyPr lIns="90000" tIns="45000" rIns="90000" bIns="45000">
+            <a:spAutoFit/>
+          </a:bodyPr>
+          <a:lstStyle/>
+          <a:p>
+            <a:pPr algn="ctr">
+              <a:lnSpc>
+                <a:spcPct val="100000"/>
+              </a:lnSpc>
+            </a:pPr>
+            <a:r>
+              <a:rPr lang="en-GB" sz="1800" b="0" strike="noStrike" spc="-1">
+                <a:solidFill>
+                  <a:srgbClr val="000000"/>
+                </a:solidFill>
+                <a:latin typeface="Calibri"/>
+                <a:ea typeface="DejaVu Sans"/>
+              </a:rPr>
+              <a:t>Additional annotation</a:t>
+            </a:r>
+            <a:endParaRPr lang="en-GB" sz="1800" b="0" strike="noStrike" spc="-1">
+              <a:latin typeface="Arial"/>
+            </a:endParaRPr>
+          </a:p>
+        </p:txBody>
+      </p:sp>
+      <p:sp>
+        <p:nvSpPr>
+          <p:cNvPr id="219" name="CustomShape 9"/>
+          <p:cNvSpPr/>
+          <p:nvPr/>
+        </p:nvSpPr>
+        <p:spPr>
+          <a:xfrm>
+            <a:off x="1402560" y="6142320"/>
+            <a:ext cx="1982880" cy="363960"/>
+          </a:xfrm>
+          <a:prstGeom prst="rect">
+            <a:avLst/>
+          </a:prstGeom>
+          <a:noFill/>
+          <a:ln>
+            <a:noFill/>
+          </a:ln>
+        </p:spPr>
+        <p:style>
+          <a:lnRef idx="0">
+            <a:scrgbClr r="0" g="0" b="0"/>
+          </a:lnRef>
+          <a:fillRef idx="0">
+            <a:scrgbClr r="0" g="0" b="0"/>
+          </a:fillRef>
+          <a:effectRef idx="0">
+            <a:scrgbClr r="0" g="0" b="0"/>
+          </a:effectRef>
+          <a:fontRef idx="minor"/>
+        </p:style>
+        <p:txBody>
+          <a:bodyPr lIns="90000" tIns="45000" rIns="90000" bIns="45000">
+            <a:spAutoFit/>
+          </a:bodyPr>
+          <a:lstStyle/>
+          <a:p>
+            <a:pPr algn="ctr">
+              <a:lnSpc>
+                <a:spcPct val="100000"/>
+              </a:lnSpc>
+            </a:pPr>
+            <a:r>
+              <a:rPr lang="en-GB" sz="1800" b="0" strike="noStrike" spc="-1">
+                <a:solidFill>
+                  <a:srgbClr val="000000"/>
+                </a:solidFill>
+                <a:latin typeface="Calibri"/>
+                <a:ea typeface="DejaVu Sans"/>
+              </a:rPr>
+              <a:t>Column annotation</a:t>
+            </a:r>
+            <a:endParaRPr lang="en-GB" sz="1800" b="0" strike="noStrike" spc="-1">
+              <a:latin typeface="Arial"/>
+            </a:endParaRPr>
+          </a:p>
+        </p:txBody>
+      </p:sp>
+      <p:sp>
+        <p:nvSpPr>
+          <p:cNvPr id="220" name="CustomShape 10"/>
+          <p:cNvSpPr/>
+          <p:nvPr/>
+        </p:nvSpPr>
+        <p:spPr>
+          <a:xfrm>
+            <a:off x="3288600" y="4537800"/>
+            <a:ext cx="918360" cy="363960"/>
+          </a:xfrm>
+          <a:prstGeom prst="rect">
+            <a:avLst/>
+          </a:prstGeom>
+          <a:noFill/>
+          <a:ln>
+            <a:noFill/>
+          </a:ln>
+        </p:spPr>
+        <p:style>
+          <a:lnRef idx="0">
+            <a:scrgbClr r="0" g="0" b="0"/>
+          </a:lnRef>
+          <a:fillRef idx="0">
+            <a:scrgbClr r="0" g="0" b="0"/>
+          </a:fillRef>
+          <a:effectRef idx="0">
+            <a:scrgbClr r="0" g="0" b="0"/>
+          </a:effectRef>
+          <a:fontRef idx="minor"/>
+        </p:style>
+        <p:txBody>
+          <a:bodyPr lIns="90000" tIns="45000" rIns="90000" bIns="45000">
+            <a:spAutoFit/>
+          </a:bodyPr>
+          <a:lstStyle/>
+          <a:p>
+            <a:pPr algn="ctr">
+              <a:lnSpc>
+                <a:spcPct val="100000"/>
+              </a:lnSpc>
+            </a:pPr>
+            <a:r>
+              <a:rPr lang="en-GB" sz="1800" b="0" strike="noStrike" spc="-1">
+                <a:solidFill>
+                  <a:srgbClr val="000000"/>
+                </a:solidFill>
+                <a:latin typeface="Calibri"/>
+                <a:ea typeface="DejaVu Sans"/>
+              </a:rPr>
+              <a:t>Colours</a:t>
+            </a:r>
+            <a:endParaRPr lang="en-GB" sz="1800" b="0" strike="noStrike" spc="-1">
+              <a:latin typeface="Arial"/>
+            </a:endParaRPr>
+          </a:p>
+        </p:txBody>
+      </p:sp>
+      <p:sp>
+        <p:nvSpPr>
+          <p:cNvPr id="221" name="CustomShape 11"/>
+          <p:cNvSpPr/>
+          <p:nvPr/>
+        </p:nvSpPr>
+        <p:spPr>
+          <a:xfrm>
+            <a:off x="555840" y="2310480"/>
+            <a:ext cx="2337120" cy="363960"/>
+          </a:xfrm>
+          <a:prstGeom prst="rect">
+            <a:avLst/>
+          </a:prstGeom>
+          <a:noFill/>
+          <a:ln>
+            <a:noFill/>
+          </a:ln>
+        </p:spPr>
+        <p:style>
+          <a:lnRef idx="0">
+            <a:scrgbClr r="0" g="0" b="0"/>
+          </a:lnRef>
+          <a:fillRef idx="0">
+            <a:scrgbClr r="0" g="0" b="0"/>
+          </a:fillRef>
+          <a:effectRef idx="0">
+            <a:scrgbClr r="0" g="0" b="0"/>
+          </a:effectRef>
+          <a:fontRef idx="minor"/>
+        </p:style>
+        <p:txBody>
+          <a:bodyPr lIns="90000" tIns="45000" rIns="90000" bIns="45000">
+            <a:spAutoFit/>
+          </a:bodyPr>
+          <a:lstStyle/>
+          <a:p>
+            <a:pPr algn="ctr">
+              <a:lnSpc>
+                <a:spcPct val="100000"/>
+              </a:lnSpc>
+            </a:pPr>
+            <a:r>
+              <a:rPr lang="en-GB" sz="1800" b="0" strike="noStrike" spc="-1">
+                <a:solidFill>
+                  <a:srgbClr val="000000"/>
+                </a:solidFill>
+                <a:latin typeface="Calibri"/>
+                <a:ea typeface="DejaVu Sans"/>
+              </a:rPr>
+              <a:t>Hierarchical clustering</a:t>
+            </a:r>
+            <a:endParaRPr lang="en-GB" sz="1800" b="0" strike="noStrike" spc="-1">
+              <a:latin typeface="Arial"/>
+            </a:endParaRPr>
+          </a:p>
+        </p:txBody>
+      </p:sp>
+      <p:sp>
+        <p:nvSpPr>
+          <p:cNvPr id="222" name="CustomShape 12"/>
+          <p:cNvSpPr/>
+          <p:nvPr/>
+        </p:nvSpPr>
+        <p:spPr>
+          <a:xfrm>
+            <a:off x="7466040" y="1484280"/>
+            <a:ext cx="1153080" cy="363960"/>
+          </a:xfrm>
+          <a:prstGeom prst="rect">
+            <a:avLst/>
+          </a:prstGeom>
+          <a:noFill/>
+          <a:ln>
+            <a:noFill/>
+          </a:ln>
+        </p:spPr>
+        <p:style>
+          <a:lnRef idx="0">
+            <a:scrgbClr r="0" g="0" b="0"/>
+          </a:lnRef>
+          <a:fillRef idx="0">
+            <a:scrgbClr r="0" g="0" b="0"/>
+          </a:fillRef>
+          <a:effectRef idx="0">
+            <a:scrgbClr r="0" g="0" b="0"/>
+          </a:effectRef>
+          <a:fontRef idx="minor"/>
+        </p:style>
+        <p:txBody>
+          <a:bodyPr lIns="90000" tIns="45000" rIns="90000" bIns="45000">
+            <a:spAutoFit/>
+          </a:bodyPr>
+          <a:lstStyle/>
+          <a:p>
+            <a:pPr algn="ctr">
+              <a:lnSpc>
+                <a:spcPct val="100000"/>
+              </a:lnSpc>
+            </a:pPr>
+            <a:r>
+              <a:rPr lang="en-GB" sz="1800" b="0" strike="noStrike" spc="-1">
+                <a:solidFill>
+                  <a:srgbClr val="000000"/>
+                </a:solidFill>
+                <a:latin typeface="Calibri"/>
+                <a:ea typeface="DejaVu Sans"/>
+              </a:rPr>
+              <a:t>Legend</a:t>
+            </a:r>
+            <a:endParaRPr lang="en-GB" sz="1800" b="0" strike="noStrike" spc="-1">
+              <a:latin typeface="Arial"/>
+            </a:endParaRPr>
+          </a:p>
+        </p:txBody>
+      </p:sp>
+      <p:sp>
+        <p:nvSpPr>
+          <p:cNvPr id="223" name="CustomShape 13"/>
+          <p:cNvSpPr/>
+          <p:nvPr/>
+        </p:nvSpPr>
+        <p:spPr>
+          <a:xfrm>
+            <a:off x="1402560" y="5412600"/>
+            <a:ext cx="1884960" cy="363960"/>
+          </a:xfrm>
+          <a:prstGeom prst="rect">
+            <a:avLst/>
+          </a:prstGeom>
+          <a:noFill/>
+          <a:ln>
+            <a:noFill/>
+          </a:ln>
+        </p:spPr>
+        <p:style>
+          <a:lnRef idx="0">
+            <a:scrgbClr r="0" g="0" b="0"/>
+          </a:lnRef>
+          <a:fillRef idx="0">
+            <a:scrgbClr r="0" g="0" b="0"/>
+          </a:fillRef>
+          <a:effectRef idx="0">
+            <a:scrgbClr r="0" g="0" b="0"/>
+          </a:effectRef>
+          <a:fontRef idx="minor"/>
+        </p:style>
+        <p:txBody>
+          <a:bodyPr lIns="90000" tIns="45000" rIns="90000" bIns="45000">
+            <a:spAutoFit/>
+          </a:bodyPr>
+          <a:lstStyle/>
+          <a:p>
+            <a:pPr algn="ctr">
+              <a:lnSpc>
+                <a:spcPct val="100000"/>
+              </a:lnSpc>
+            </a:pPr>
+            <a:r>
+              <a:rPr lang="en-GB" sz="1800" b="0" strike="noStrike" spc="-1">
+                <a:solidFill>
+                  <a:srgbClr val="000000"/>
+                </a:solidFill>
+                <a:latin typeface="Calibri"/>
+                <a:ea typeface="DejaVu Sans"/>
+              </a:rPr>
+              <a:t>Row annotation</a:t>
+            </a:r>
+            <a:endParaRPr lang="en-GB" sz="1800" b="0" strike="noStrike" spc="-1">
+              <a:latin typeface="Arial"/>
+            </a:endParaRPr>
+          </a:p>
+        </p:txBody>
+      </p:sp>
+      <p:sp>
+        <p:nvSpPr>
+          <p:cNvPr id="224" name="CustomShape 14"/>
+          <p:cNvSpPr/>
+          <p:nvPr/>
+        </p:nvSpPr>
+        <p:spPr>
+          <a:xfrm flipH="1" flipV="1">
+            <a:off x="2793960" y="3209400"/>
+            <a:ext cx="1518120" cy="196920"/>
+          </a:xfrm>
+          <a:custGeom>
+            <a:avLst/>
+            <a:gdLst/>
+            <a:ahLst/>
+            <a:cxnLst/>
+            <a:rect l="l" t="t" r="r" b="b"/>
+            <a:pathLst>
+              <a:path w="21600" h="21600">
+                <a:moveTo>
+                  <a:pt x="0" y="0"/>
+                </a:moveTo>
+                <a:lnTo>
+                  <a:pt x="21600" y="21600"/>
+                </a:lnTo>
+              </a:path>
+            </a:pathLst>
+          </a:custGeom>
+          <a:noFill/>
+          <a:ln>
+            <a:round/>
+            <a:tailEnd type="triangle" w="med" len="med"/>
+          </a:ln>
+          <a:effectLst>
+            <a:outerShdw blurRad="40000" dist="20160" dir="5400000" rotWithShape="0">
+              <a:srgbClr val="000000">
+                <a:alpha val="38000"/>
+              </a:srgbClr>
+            </a:outerShdw>
+          </a:effectLst>
+        </p:spPr>
+        <p:style>
+          <a:lnRef idx="2">
+            <a:schemeClr val="accent2"/>
+          </a:lnRef>
+          <a:fillRef idx="0">
+            <a:schemeClr val="accent2"/>
+          </a:fillRef>
+          <a:effectRef idx="1">
+            <a:schemeClr val="accent2"/>
+          </a:effectRef>
+          <a:fontRef idx="minor"/>
+        </p:style>
+        <p:txBody>
+          <a:bodyPr/>
+          <a:lstStyle/>
+          <a:p>
+            <a:endParaRPr lang="en-US"/>
+          </a:p>
+        </p:txBody>
+      </p:sp>
+      <p:sp>
+        <p:nvSpPr>
+          <p:cNvPr id="225" name="CustomShape 15"/>
+          <p:cNvSpPr/>
+          <p:nvPr/>
+        </p:nvSpPr>
+        <p:spPr>
+          <a:xfrm flipH="1" flipV="1">
+            <a:off x="4206600" y="4721040"/>
+            <a:ext cx="1233000" cy="137880"/>
+          </a:xfrm>
+          <a:custGeom>
+            <a:avLst/>
+            <a:gdLst/>
+            <a:ahLst/>
+            <a:cxnLst/>
+            <a:rect l="l" t="t" r="r" b="b"/>
+            <a:pathLst>
+              <a:path w="21600" h="21600">
+                <a:moveTo>
+                  <a:pt x="0" y="0"/>
+                </a:moveTo>
+                <a:lnTo>
+                  <a:pt x="21600" y="21600"/>
+                </a:lnTo>
+              </a:path>
+            </a:pathLst>
+          </a:custGeom>
+          <a:noFill/>
+          <a:ln>
+            <a:round/>
+            <a:tailEnd type="triangle" w="med" len="med"/>
+          </a:ln>
+          <a:effectLst>
+            <a:outerShdw blurRad="40000" dist="20160" dir="5400000" rotWithShape="0">
+              <a:srgbClr val="000000">
+                <a:alpha val="38000"/>
+              </a:srgbClr>
+            </a:outerShdw>
+          </a:effectLst>
+        </p:spPr>
+        <p:style>
+          <a:lnRef idx="2">
+            <a:schemeClr val="accent1"/>
+          </a:lnRef>
+          <a:fillRef idx="0">
+            <a:schemeClr val="accent1"/>
+          </a:fillRef>
+          <a:effectRef idx="1">
+            <a:schemeClr val="accent1"/>
+          </a:effectRef>
+          <a:fontRef idx="minor"/>
+        </p:style>
+        <p:txBody>
+          <a:bodyPr/>
+          <a:lstStyle/>
+          <a:p>
+            <a:endParaRPr lang="en-US"/>
+          </a:p>
+        </p:txBody>
+      </p:sp>
+      <p:sp>
+        <p:nvSpPr>
+          <p:cNvPr id="226" name="CustomShape 16"/>
+          <p:cNvSpPr/>
+          <p:nvPr/>
+        </p:nvSpPr>
+        <p:spPr>
+          <a:xfrm flipH="1" flipV="1">
+            <a:off x="2892600" y="2493720"/>
+            <a:ext cx="1419480" cy="229320"/>
+          </a:xfrm>
+          <a:custGeom>
+            <a:avLst/>
+            <a:gdLst/>
+            <a:ahLst/>
+            <a:cxnLst/>
+            <a:rect l="l" t="t" r="r" b="b"/>
+            <a:pathLst>
+              <a:path w="21600" h="21600">
+                <a:moveTo>
+                  <a:pt x="0" y="0"/>
+                </a:moveTo>
+                <a:lnTo>
+                  <a:pt x="21600" y="21600"/>
+                </a:lnTo>
+              </a:path>
+            </a:pathLst>
+          </a:custGeom>
+          <a:noFill/>
+          <a:ln>
+            <a:round/>
+            <a:tailEnd type="triangle" w="med" len="med"/>
+          </a:ln>
+          <a:effectLst>
+            <a:outerShdw blurRad="40000" dist="20160" dir="5400000" rotWithShape="0">
+              <a:srgbClr val="000000">
+                <a:alpha val="38000"/>
+              </a:srgbClr>
+            </a:outerShdw>
+          </a:effectLst>
+        </p:spPr>
+        <p:style>
+          <a:lnRef idx="2">
+            <a:schemeClr val="accent4"/>
+          </a:lnRef>
+          <a:fillRef idx="0">
+            <a:schemeClr val="accent4"/>
+          </a:fillRef>
+          <a:effectRef idx="1">
+            <a:schemeClr val="accent4"/>
+          </a:effectRef>
+          <a:fontRef idx="minor"/>
+        </p:style>
+        <p:txBody>
+          <a:bodyPr/>
+          <a:lstStyle/>
+          <a:p>
+            <a:endParaRPr lang="en-US"/>
+          </a:p>
+        </p:txBody>
+      </p:sp>
+      <p:sp>
+        <p:nvSpPr>
+          <p:cNvPr id="227" name="CustomShape 17"/>
+          <p:cNvSpPr/>
+          <p:nvPr/>
+        </p:nvSpPr>
+        <p:spPr>
+          <a:xfrm flipV="1">
+            <a:off x="7806960" y="1852920"/>
+            <a:ext cx="235440" cy="293760"/>
+          </a:xfrm>
+          <a:custGeom>
+            <a:avLst/>
+            <a:gdLst/>
+            <a:ahLst/>
+            <a:cxnLst/>
+            <a:rect l="l" t="t" r="r" b="b"/>
+            <a:pathLst>
+              <a:path w="21600" h="21600">
+                <a:moveTo>
+                  <a:pt x="0" y="0"/>
+                </a:moveTo>
+                <a:lnTo>
+                  <a:pt x="21600" y="21600"/>
+                </a:lnTo>
+              </a:path>
+            </a:pathLst>
+          </a:custGeom>
+          <a:noFill/>
+          <a:ln>
+            <a:round/>
+            <a:tailEnd type="triangle" w="med" len="med"/>
+          </a:ln>
+          <a:effectLst>
+            <a:outerShdw blurRad="40000" dist="20160" dir="5400000" rotWithShape="0">
+              <a:srgbClr val="000000">
+                <a:alpha val="38000"/>
+              </a:srgbClr>
+            </a:outerShdw>
+          </a:effectLst>
+        </p:spPr>
+        <p:style>
+          <a:lnRef idx="2">
+            <a:schemeClr val="accent6"/>
+          </a:lnRef>
+          <a:fillRef idx="0">
+            <a:schemeClr val="accent6"/>
+          </a:fillRef>
+          <a:effectRef idx="1">
+            <a:schemeClr val="accent6"/>
+          </a:effectRef>
+          <a:fontRef idx="minor"/>
+        </p:style>
+        <p:txBody>
+          <a:bodyPr/>
+          <a:lstStyle/>
+          <a:p>
+            <a:endParaRPr lang="en-US"/>
+          </a:p>
+        </p:txBody>
+      </p:sp>
+      <p:sp>
+        <p:nvSpPr>
+          <p:cNvPr id="228" name="CustomShape 18"/>
+          <p:cNvSpPr/>
+          <p:nvPr/>
+        </p:nvSpPr>
+        <p:spPr>
+          <a:xfrm flipH="1">
+            <a:off x="3287160" y="4907160"/>
+            <a:ext cx="4442760" cy="689040"/>
+          </a:xfrm>
+          <a:custGeom>
+            <a:avLst/>
+            <a:gdLst/>
+            <a:ahLst/>
+            <a:cxnLst/>
+            <a:rect l="l" t="t" r="r" b="b"/>
+            <a:pathLst>
+              <a:path w="21600" h="21600">
+                <a:moveTo>
+                  <a:pt x="0" y="0"/>
+                </a:moveTo>
+                <a:lnTo>
+                  <a:pt x="21600" y="21600"/>
+                </a:lnTo>
+              </a:path>
+            </a:pathLst>
+          </a:custGeom>
+          <a:noFill/>
+          <a:ln>
+            <a:round/>
+            <a:tailEnd type="triangle" w="med" len="med"/>
+          </a:ln>
+          <a:effectLst>
+            <a:outerShdw blurRad="40000" dist="20160" dir="5400000" rotWithShape="0">
+              <a:srgbClr val="000000">
+                <a:alpha val="38000"/>
+              </a:srgbClr>
+            </a:outerShdw>
+          </a:effectLst>
+        </p:spPr>
+        <p:style>
+          <a:lnRef idx="2">
+            <a:schemeClr val="accent2"/>
+          </a:lnRef>
+          <a:fillRef idx="0">
+            <a:schemeClr val="accent2"/>
+          </a:fillRef>
+          <a:effectRef idx="1">
+            <a:schemeClr val="accent2"/>
+          </a:effectRef>
+          <a:fontRef idx="minor"/>
+        </p:style>
+        <p:txBody>
+          <a:bodyPr/>
+          <a:lstStyle/>
+          <a:p>
+            <a:endParaRPr lang="en-US"/>
+          </a:p>
+        </p:txBody>
+      </p:sp>
+      <p:sp>
+        <p:nvSpPr>
+          <p:cNvPr id="229" name="CustomShape 19"/>
+          <p:cNvSpPr/>
+          <p:nvPr/>
+        </p:nvSpPr>
+        <p:spPr>
+          <a:xfrm flipH="1" flipV="1">
+            <a:off x="3386160" y="6326280"/>
+            <a:ext cx="926640" cy="77040"/>
+          </a:xfrm>
+          <a:custGeom>
+            <a:avLst/>
+            <a:gdLst/>
+            <a:ahLst/>
+            <a:cxnLst/>
+            <a:rect l="l" t="t" r="r" b="b"/>
+            <a:pathLst>
+              <a:path w="21600" h="21600">
+                <a:moveTo>
+                  <a:pt x="0" y="0"/>
+                </a:moveTo>
+                <a:lnTo>
+                  <a:pt x="21600" y="21600"/>
+                </a:lnTo>
+              </a:path>
+            </a:pathLst>
+          </a:custGeom>
+          <a:noFill/>
+          <a:ln>
+            <a:round/>
+            <a:tailEnd type="triangle" w="med" len="med"/>
+          </a:ln>
+          <a:effectLst>
+            <a:outerShdw blurRad="40000" dist="20160" dir="5400000" rotWithShape="0">
+              <a:srgbClr val="000000">
+                <a:alpha val="38000"/>
+              </a:srgbClr>
+            </a:outerShdw>
+          </a:effectLst>
+        </p:spPr>
+        <p:style>
+          <a:lnRef idx="2">
+            <a:schemeClr val="accent5"/>
+          </a:lnRef>
+          <a:fillRef idx="0">
+            <a:schemeClr val="accent5"/>
+          </a:fillRef>
+          <a:effectRef idx="1">
+            <a:schemeClr val="accent5"/>
+          </a:effectRef>
+          <a:fontRef idx="minor"/>
+        </p:style>
+        <p:txBody>
+          <a:bodyPr/>
+          <a:lstStyle/>
+          <a:p>
+            <a:endParaRPr lang="en-US"/>
+          </a:p>
+        </p:txBody>
+      </p:sp>
+    </p:spTree>
+  </p:cSld>
+  <p:clrMapOvr>
+    <a:masterClrMapping/>
+  </p:clrMapOvr>
+</p:sld>
+</file>
+
+<file path=ppt/slides/slide11.xml><?xml version="1.0" encoding="utf-8"?>
+<p:sld xmlns:a="http://schemas.openxmlformats.org/drawingml/2006/main" xmlns:r="http://schemas.openxmlformats.org/officeDocument/2006/relationships" xmlns:p="http://schemas.openxmlformats.org/presentationml/2006/main">
+  <p:cSld>
+    <p:spTree>
+      <p:nvGrpSpPr>
+        <p:cNvPr id="1" name=""/>
+        <p:cNvGrpSpPr/>
+        <p:nvPr/>
+      </p:nvGrpSpPr>
+      <p:grpSpPr>
+        <a:xfrm>
+          <a:off x="0" y="0"/>
+          <a:ext cx="0" cy="0"/>
+          <a:chOff x="0" y="0"/>
+          <a:chExt cx="0" cy="0"/>
+        </a:xfrm>
+      </p:grpSpPr>
+      <p:sp>
+        <p:nvSpPr>
+          <p:cNvPr id="230" name="CustomShape 1"/>
+          <p:cNvSpPr/>
+          <p:nvPr/>
+        </p:nvSpPr>
+        <p:spPr>
+          <a:xfrm>
+            <a:off x="457200" y="360"/>
+            <a:ext cx="8227800" cy="1143720"/>
+          </a:xfrm>
+          <a:prstGeom prst="rect">
+            <a:avLst/>
+          </a:prstGeom>
+          <a:noFill/>
+          <a:ln>
+            <a:noFill/>
+          </a:ln>
+        </p:spPr>
+        <p:style>
+          <a:lnRef idx="0">
+            <a:scrgbClr r="0" g="0" b="0"/>
+          </a:lnRef>
+          <a:fillRef idx="0">
+            <a:scrgbClr r="0" g="0" b="0"/>
+          </a:fillRef>
+          <a:effectRef idx="0">
+            <a:scrgbClr r="0" g="0" b="0"/>
+          </a:effectRef>
+          <a:fontRef idx="minor"/>
+        </p:style>
+        <p:txBody>
+          <a:bodyPr lIns="0" tIns="0" rIns="0" bIns="0" anchor="ctr">
+            <a:noAutofit/>
+          </a:bodyPr>
+          <a:lstStyle/>
+          <a:p>
+            <a:pPr algn="ctr">
+              <a:lnSpc>
+                <a:spcPct val="100000"/>
+              </a:lnSpc>
+            </a:pPr>
+            <a:r>
+              <a:rPr lang="en-GB" sz="4400" b="1" strike="noStrike" spc="-1">
+                <a:solidFill>
+                  <a:srgbClr val="000000"/>
+                </a:solidFill>
+                <a:latin typeface="Calibri"/>
+                <a:ea typeface="DejaVu Sans"/>
+              </a:rPr>
+              <a:t>A lot of information can be conveyed!</a:t>
+            </a:r>
+            <a:endParaRPr lang="en-GB" sz="4400" b="0" strike="noStrike" spc="-1">
+              <a:latin typeface="Arial"/>
+            </a:endParaRPr>
+          </a:p>
+        </p:txBody>
+      </p:sp>
+      <p:pic>
+        <p:nvPicPr>
+          <p:cNvPr id="231" name="Picture 2"/>
+          <p:cNvPicPr/>
+          <p:nvPr/>
+        </p:nvPicPr>
+        <p:blipFill>
+          <a:blip r:embed="rId2"/>
+          <a:stretch/>
+        </p:blipFill>
+        <p:spPr>
+          <a:xfrm>
+            <a:off x="0" y="1275840"/>
+            <a:ext cx="6697080" cy="5580720"/>
+          </a:xfrm>
+          <a:prstGeom prst="rect">
+            <a:avLst/>
+          </a:prstGeom>
+          <a:ln>
+            <a:noFill/>
+          </a:ln>
+        </p:spPr>
+      </p:pic>
+      <p:sp>
+        <p:nvSpPr>
+          <p:cNvPr id="232" name="CustomShape 2"/>
+          <p:cNvSpPr/>
+          <p:nvPr/>
+        </p:nvSpPr>
+        <p:spPr>
+          <a:xfrm>
+            <a:off x="6214320" y="6488280"/>
+            <a:ext cx="2928600" cy="257040"/>
+          </a:xfrm>
+          <a:prstGeom prst="rect">
+            <a:avLst/>
+          </a:prstGeom>
+          <a:noFill/>
+          <a:ln>
+            <a:noFill/>
+          </a:ln>
+        </p:spPr>
+        <p:style>
+          <a:lnRef idx="0">
+            <a:scrgbClr r="0" g="0" b="0"/>
+          </a:lnRef>
+          <a:fillRef idx="0">
+            <a:scrgbClr r="0" g="0" b="0"/>
+          </a:fillRef>
+          <a:effectRef idx="0">
+            <a:scrgbClr r="0" g="0" b="0"/>
+          </a:effectRef>
+          <a:fontRef idx="minor"/>
+        </p:style>
+        <p:txBody>
+          <a:bodyPr lIns="90000" tIns="45000" rIns="90000" bIns="45000">
+            <a:spAutoFit/>
+          </a:bodyPr>
+          <a:lstStyle/>
+          <a:p>
+            <a:pPr>
+              <a:lnSpc>
+                <a:spcPct val="100000"/>
+              </a:lnSpc>
+            </a:pPr>
+            <a:r>
+              <a:rPr lang="en-GB" sz="1100" b="0" u="sng" strike="noStrike" spc="-1">
+                <a:solidFill>
+                  <a:srgbClr val="0000FF"/>
+                </a:solidFill>
+                <a:uFillTx/>
+                <a:latin typeface="Calibri"/>
+                <a:ea typeface="DejaVu Sans"/>
+                <a:hlinkClick r:id="rId3"/>
+              </a:rPr>
+              <a:t>https://github.com/jokergoo/ComplexHeatmap</a:t>
+            </a:r>
+            <a:r>
+              <a:rPr lang="en-GB" sz="1100" b="0" strike="noStrike" spc="-1">
+                <a:solidFill>
+                  <a:srgbClr val="000000"/>
+                </a:solidFill>
+                <a:latin typeface="Calibri"/>
+                <a:ea typeface="DejaVu Sans"/>
+              </a:rPr>
+              <a:t> </a:t>
+            </a:r>
+            <a:endParaRPr lang="en-GB" sz="1100" b="0" strike="noStrike" spc="-1">
+              <a:latin typeface="Arial"/>
+            </a:endParaRPr>
+          </a:p>
+        </p:txBody>
+      </p:sp>
+      <p:sp>
+        <p:nvSpPr>
+          <p:cNvPr id="233" name="CustomShape 3"/>
+          <p:cNvSpPr/>
+          <p:nvPr/>
+        </p:nvSpPr>
+        <p:spPr>
+          <a:xfrm>
+            <a:off x="6698160" y="1091880"/>
+            <a:ext cx="1920960" cy="3905280"/>
+          </a:xfrm>
+          <a:prstGeom prst="rect">
+            <a:avLst/>
+          </a:prstGeom>
+          <a:noFill/>
+          <a:ln>
+            <a:noFill/>
+          </a:ln>
+        </p:spPr>
+        <p:style>
+          <a:lnRef idx="0">
+            <a:scrgbClr r="0" g="0" b="0"/>
+          </a:lnRef>
+          <a:fillRef idx="0">
+            <a:scrgbClr r="0" g="0" b="0"/>
+          </a:fillRef>
+          <a:effectRef idx="0">
+            <a:scrgbClr r="0" g="0" b="0"/>
+          </a:effectRef>
+          <a:fontRef idx="minor"/>
+        </p:style>
+        <p:txBody>
+          <a:bodyPr lIns="90000" tIns="45000" rIns="90000" bIns="45000">
+            <a:normAutofit/>
+          </a:bodyPr>
+          <a:lstStyle/>
+          <a:p>
+            <a:pPr marL="343080" indent="-342000">
+              <a:lnSpc>
+                <a:spcPct val="100000"/>
+              </a:lnSpc>
+              <a:spcBef>
+                <a:spcPts val="431"/>
+              </a:spcBef>
+              <a:buClr>
+                <a:srgbClr val="000000"/>
+              </a:buClr>
+              <a:buFont typeface="Arial"/>
+              <a:buChar char="•"/>
+            </a:pPr>
+            <a:r>
+              <a:rPr lang="en-GB" sz="2150" b="0" strike="noStrike" spc="-1">
+                <a:solidFill>
+                  <a:srgbClr val="000000"/>
+                </a:solidFill>
+                <a:latin typeface="Calibri"/>
+                <a:ea typeface="DejaVu Sans"/>
+              </a:rPr>
               <a:t>A more complicated example with the Complex Heatmap package</a:t>
             </a:r>
             <a:endParaRPr lang="en-GB" sz="2150" b="0" strike="noStrike" spc="-1">
@@ -10413,7 +11649,7 @@
 </p:sld>
 </file>
 
-<file path=ppt/slides/slide11.xml><?xml version="1.0" encoding="utf-8"?>
+<file path=ppt/slides/slide12.xml><?xml version="1.0" encoding="utf-8"?>
 <p:sld xmlns:a="http://schemas.openxmlformats.org/drawingml/2006/main" xmlns:r="http://schemas.openxmlformats.org/officeDocument/2006/relationships" xmlns:p="http://schemas.openxmlformats.org/presentationml/2006/main">
   <p:cSld>
     <p:spTree>
@@ -10733,7 +11969,7 @@
 </p:sld>
 </file>
 
-<file path=ppt/slides/slide12.xml><?xml version="1.0" encoding="utf-8"?>
+<file path=ppt/slides/slide13.xml><?xml version="1.0" encoding="utf-8"?>
 <p:sld xmlns:a="http://schemas.openxmlformats.org/drawingml/2006/main" xmlns:r="http://schemas.openxmlformats.org/officeDocument/2006/relationships" xmlns:p="http://schemas.openxmlformats.org/presentationml/2006/main">
   <p:cSld>
     <p:bg>
@@ -11297,7 +12533,7 @@
 </p:sld>
 </file>
 
-<file path=ppt/slides/slide13.xml><?xml version="1.0" encoding="utf-8"?>
+<file path=ppt/slides/slide14.xml><?xml version="1.0" encoding="utf-8"?>
 <p:sld xmlns:a="http://schemas.openxmlformats.org/drawingml/2006/main" xmlns:r="http://schemas.openxmlformats.org/officeDocument/2006/relationships" xmlns:p="http://schemas.openxmlformats.org/presentationml/2006/main">
   <p:cSld>
     <p:spTree>
@@ -11648,14 +12884,14 @@
       </p:grpSpPr>
       <p:sp>
         <p:nvSpPr>
-          <p:cNvPr id="192" name="CustomShape 1"/>
+          <p:cNvPr id="190" name="CustomShape 1"/>
           <p:cNvSpPr/>
           <p:nvPr/>
         </p:nvSpPr>
         <p:spPr>
           <a:xfrm>
-            <a:off x="480240" y="1371600"/>
-            <a:ext cx="3612960" cy="3451680"/>
+            <a:off x="685800" y="2130480"/>
+            <a:ext cx="7770960" cy="1468440"/>
           </a:xfrm>
           <a:prstGeom prst="rect">
             <a:avLst/>
@@ -11678,48 +12914,75 @@
           <a:fontRef idx="minor"/>
         </p:style>
         <p:txBody>
-          <a:bodyPr lIns="82800" tIns="41400" rIns="82800" bIns="41400" anchor="ctr">
-            <a:normAutofit/>
-          </a:bodyPr>
-          <a:lstStyle/>
-          <a:p>
-            <a:pPr algn="r">
+          <a:bodyPr lIns="90000" tIns="45000" rIns="90000" bIns="45000" anchor="ctr">
+            <a:normAutofit fontScale="62000" lnSpcReduction="20000"/>
+          </a:bodyPr>
+          <a:lstStyle/>
+          <a:p>
+            <a:pPr algn="ctr">
               <a:lnSpc>
                 <a:spcPct val="100000"/>
               </a:lnSpc>
-              <a:spcAft>
-                <a:spcPts val="544"/>
-              </a:spcAft>
-              <a:tabLst>
-                <a:tab pos="0" algn="l"/>
-              </a:tabLst>
             </a:pPr>
             <a:r>
-              <a:rPr lang="en-US" sz="3900" b="0" strike="noStrike" cap="all" spc="-1">
+              <a:rPr lang="en-US" sz="4400" b="0" strike="noStrike" spc="-1">
                 <a:solidFill>
                   <a:srgbClr val="000000"/>
                 </a:solidFill>
                 <a:latin typeface="Calibri"/>
-                <a:ea typeface="DejaVu Sans"/>
-              </a:rPr>
-              <a:t>R for biologists</a:t>
-            </a:r>
-            <a:endParaRPr lang="en-GB" sz="3900" b="0" strike="noStrike" spc="-1">
-              <a:latin typeface="Arial"/>
-            </a:endParaRPr>
-          </a:p>
-        </p:txBody>
-      </p:sp>
-      <p:sp>
-        <p:nvSpPr>
-          <p:cNvPr id="193" name="CustomShape 2"/>
+                <a:ea typeface="Calibri"/>
+              </a:rPr>
+              <a:t>Data analysis and visualisation in</a:t>
+            </a:r>
+            <a:br/>
+            <a:r>
+              <a:rPr lang="en-US" sz="4400" b="0" strike="noStrike" spc="-1">
+                <a:solidFill>
+                  <a:srgbClr val="000000"/>
+                </a:solidFill>
+                <a:latin typeface="Calibri"/>
+                <a:ea typeface="Calibri"/>
+              </a:rPr>
+              <a:t> R for Biologists</a:t>
+            </a:r>
+            <a:br/>
+            <a:r>
+              <a:rPr lang="en-US" sz="4400" b="0" strike="noStrike" spc="-1">
+                <a:solidFill>
+                  <a:srgbClr val="000000"/>
+                </a:solidFill>
+                <a:latin typeface="Calibri"/>
+                <a:ea typeface="Calibri"/>
+              </a:rPr>
+              <a:t>Session 3 </a:t>
+            </a:r>
+            <a:br/>
+            <a:r>
+              <a:rPr lang="en-US" sz="4400" b="1" strike="noStrike" spc="-1">
+                <a:solidFill>
+                  <a:srgbClr val="000000"/>
+                </a:solidFill>
+                <a:latin typeface="Calibri"/>
+                <a:ea typeface="Calibri"/>
+              </a:rPr>
+              <a:t>Data exploration in depth</a:t>
+            </a:r>
+            <a:endParaRPr lang="en-GB" sz="4400" b="0" strike="noStrike" spc="-1">
+              <a:latin typeface="Arial"/>
+            </a:endParaRPr>
+          </a:p>
+        </p:txBody>
+      </p:sp>
+      <p:sp>
+        <p:nvSpPr>
+          <p:cNvPr id="191" name="CustomShape 2"/>
           <p:cNvSpPr/>
           <p:nvPr/>
         </p:nvSpPr>
         <p:spPr>
           <a:xfrm>
-            <a:off x="4969080" y="1371600"/>
-            <a:ext cx="3657960" cy="4894920"/>
+            <a:off x="1378080" y="4766400"/>
+            <a:ext cx="6399360" cy="1751040"/>
           </a:xfrm>
           <a:prstGeom prst="rect">
             <a:avLst/>
@@ -11742,225 +13005,79 @@
           <a:fontRef idx="minor"/>
         </p:style>
         <p:txBody>
-          <a:bodyPr lIns="82800" tIns="41400" rIns="82800" bIns="41400" anchor="ctr">
+          <a:bodyPr lIns="90000" tIns="45000" rIns="90000" bIns="45000">
             <a:normAutofit/>
           </a:bodyPr>
           <a:lstStyle/>
           <a:p>
-            <a:pPr marL="216000" indent="-215640">
+            <a:pPr algn="ctr">
               <a:lnSpc>
                 <a:spcPct val="100000"/>
               </a:lnSpc>
               <a:spcBef>
-                <a:spcPts val="320"/>
+                <a:spcPts val="641"/>
               </a:spcBef>
-              <a:spcAft>
-                <a:spcPts val="544"/>
-              </a:spcAft>
-              <a:buClr>
-                <a:srgbClr val="000000"/>
-              </a:buClr>
-              <a:buSzPct val="80000"/>
-              <a:buFont typeface="Wingdings 3" charset="2"/>
-              <a:buChar char=""/>
+              <a:tabLst>
+                <a:tab pos="0" algn="l"/>
+              </a:tabLst>
             </a:pPr>
             <a:r>
-              <a:rPr lang="en-US" sz="1600" b="1" strike="noStrike" spc="-1">
+              <a:rPr lang="en-US" sz="3200" b="0" strike="noStrike" spc="-1" dirty="0">
                 <a:solidFill>
-                  <a:srgbClr val="000000"/>
+                  <a:srgbClr val="8B8B8B"/>
                 </a:solidFill>
                 <a:latin typeface="Calibri"/>
                 <a:ea typeface="DejaVu Sans"/>
               </a:rPr>
-              <a:t>Data Visualisation</a:t>
-            </a:r>
-            <a:endParaRPr lang="en-GB" sz="1600" b="0" strike="noStrike" spc="-1">
-              <a:latin typeface="Arial"/>
-            </a:endParaRPr>
-          </a:p>
-          <a:p>
-            <a:pPr>
+              <a:t>Irina &amp; Rao</a:t>
+            </a:r>
+            <a:endParaRPr lang="en-GB" sz="3200" b="0" strike="noStrike" spc="-1" dirty="0">
+              <a:latin typeface="Arial"/>
+            </a:endParaRPr>
+          </a:p>
+          <a:p>
+            <a:pPr algn="ctr">
               <a:lnSpc>
                 <a:spcPct val="100000"/>
               </a:lnSpc>
               <a:spcBef>
-                <a:spcPts val="320"/>
+                <a:spcPts val="641"/>
               </a:spcBef>
-              <a:spcAft>
-                <a:spcPts val="544"/>
-              </a:spcAft>
+              <a:tabLst>
+                <a:tab pos="0" algn="l"/>
+              </a:tabLst>
             </a:pPr>
             <a:r>
-              <a:rPr lang="en-US" sz="1600" b="0" strike="noStrike" spc="-1">
+              <a:rPr lang="en-US" sz="3200" spc="-1">
                 <a:solidFill>
-                  <a:srgbClr val="000000"/>
+                  <a:srgbClr val="8B8B8B"/>
                 </a:solidFill>
                 <a:latin typeface="Calibri"/>
                 <a:ea typeface="DejaVu Sans"/>
               </a:rPr>
-              <a:t>Adding statistics to plots</a:t>
-            </a:r>
-            <a:endParaRPr lang="en-GB" sz="1600" b="0" strike="noStrike" spc="-1">
-              <a:latin typeface="Arial"/>
-            </a:endParaRPr>
-          </a:p>
-          <a:p>
-            <a:pPr marL="457200" lvl="1" indent="-215640">
-              <a:lnSpc>
-                <a:spcPct val="100000"/>
-              </a:lnSpc>
-              <a:spcBef>
-                <a:spcPts val="320"/>
-              </a:spcBef>
-              <a:spcAft>
-                <a:spcPts val="544"/>
-              </a:spcAft>
-              <a:buClr>
-                <a:srgbClr val="000000"/>
-              </a:buClr>
-              <a:buSzPct val="80000"/>
-              <a:buFont typeface="Wingdings 3" charset="2"/>
-              <a:buChar char=""/>
-            </a:pPr>
-            <a:r>
-              <a:rPr lang="en-US" sz="1600" b="0" strike="noStrike" spc="-1">
+              <a:t>Trinity</a:t>
+            </a:r>
+            <a:r>
+              <a:rPr lang="en-US" sz="3200" b="0" strike="noStrike" spc="-1">
                 <a:solidFill>
-                  <a:srgbClr val="000000"/>
+                  <a:srgbClr val="8B8B8B"/>
                 </a:solidFill>
                 <a:latin typeface="Calibri"/>
                 <a:ea typeface="DejaVu Sans"/>
               </a:rPr>
-              <a:t>Colours</a:t>
-            </a:r>
-            <a:endParaRPr lang="en-GB" sz="1600" b="0" strike="noStrike" spc="-1">
-              <a:latin typeface="Arial"/>
-            </a:endParaRPr>
-          </a:p>
-          <a:p>
-            <a:pPr marL="457200" lvl="1" indent="-215640">
-              <a:lnSpc>
-                <a:spcPct val="100000"/>
-              </a:lnSpc>
-              <a:spcBef>
-                <a:spcPts val="320"/>
-              </a:spcBef>
-              <a:spcAft>
-                <a:spcPts val="544"/>
-              </a:spcAft>
-              <a:buClr>
-                <a:srgbClr val="000000"/>
-              </a:buClr>
-              <a:buSzPct val="80000"/>
-              <a:buFont typeface="Wingdings 3" charset="2"/>
-              <a:buChar char=""/>
-            </a:pPr>
-            <a:r>
-              <a:rPr lang="en-US" sz="1600" b="0" strike="noStrike" spc="-1">
+              <a:t> </a:t>
+            </a:r>
+            <a:r>
+              <a:rPr lang="en-US" sz="3200" b="0" strike="noStrike" spc="-1" dirty="0">
                 <a:solidFill>
-                  <a:srgbClr val="000000"/>
+                  <a:srgbClr val="8B8B8B"/>
                 </a:solidFill>
                 <a:latin typeface="Calibri"/>
                 <a:ea typeface="DejaVu Sans"/>
               </a:rPr>
-              <a:t>Heatmaps</a:t>
-            </a:r>
-            <a:endParaRPr lang="en-GB" sz="1600" b="0" strike="noStrike" spc="-1">
-              <a:latin typeface="Arial"/>
-            </a:endParaRPr>
-          </a:p>
-          <a:p>
-            <a:pPr marL="457200" lvl="1" indent="-215640">
-              <a:lnSpc>
-                <a:spcPct val="100000"/>
-              </a:lnSpc>
-              <a:spcBef>
-                <a:spcPts val="320"/>
-              </a:spcBef>
-              <a:spcAft>
-                <a:spcPts val="544"/>
-              </a:spcAft>
-              <a:buClr>
-                <a:srgbClr val="000000"/>
-              </a:buClr>
-              <a:buSzPct val="80000"/>
-              <a:buFont typeface="Wingdings 3" charset="2"/>
-              <a:buChar char=""/>
-            </a:pPr>
-            <a:r>
-              <a:rPr lang="en-US" sz="1600" b="0" strike="noStrike" spc="-1">
-                <a:solidFill>
-                  <a:srgbClr val="000000"/>
-                </a:solidFill>
-                <a:latin typeface="Calibri"/>
-                <a:ea typeface="DejaVu Sans"/>
-              </a:rPr>
-              <a:t>PCA</a:t>
-            </a:r>
-            <a:endParaRPr lang="en-GB" sz="1600" b="0" strike="noStrike" spc="-1">
-              <a:latin typeface="Arial"/>
-            </a:endParaRPr>
-          </a:p>
-          <a:p>
-            <a:pPr marL="457200" lvl="1" indent="-215640">
-              <a:lnSpc>
-                <a:spcPct val="100000"/>
-              </a:lnSpc>
-              <a:spcBef>
-                <a:spcPts val="320"/>
-              </a:spcBef>
-              <a:spcAft>
-                <a:spcPts val="544"/>
-              </a:spcAft>
-              <a:buClr>
-                <a:srgbClr val="000000"/>
-              </a:buClr>
-              <a:buSzPct val="80000"/>
-              <a:buFont typeface="Wingdings 3" charset="2"/>
-              <a:buChar char=""/>
-            </a:pPr>
-            <a:r>
-              <a:rPr lang="en-US" sz="1600" b="0" strike="noStrike" spc="-1">
-                <a:solidFill>
-                  <a:srgbClr val="000000"/>
-                </a:solidFill>
-                <a:latin typeface="Calibri"/>
-                <a:ea typeface="DejaVu Sans"/>
-              </a:rPr>
-              <a:t>Plotly, PCA-explorer</a:t>
-            </a:r>
-            <a:endParaRPr lang="en-GB" sz="1600" b="0" strike="noStrike" spc="-1">
-              <a:latin typeface="Arial"/>
-            </a:endParaRPr>
-          </a:p>
-          <a:p>
-            <a:pPr marL="457200" lvl="1" indent="-215640">
-              <a:lnSpc>
-                <a:spcPct val="100000"/>
-              </a:lnSpc>
-              <a:spcBef>
-                <a:spcPts val="320"/>
-              </a:spcBef>
-              <a:spcAft>
-                <a:spcPts val="544"/>
-              </a:spcAft>
-              <a:buClr>
-                <a:srgbClr val="000000"/>
-              </a:buClr>
-              <a:buSzPct val="80000"/>
-              <a:buFont typeface="Wingdings 3" charset="2"/>
-              <a:buChar char=""/>
-            </a:pPr>
-            <a:r>
-              <a:rPr lang="en-US" sz="1600" b="0" strike="noStrike" spc="-1">
-                <a:solidFill>
-                  <a:srgbClr val="000000"/>
-                </a:solidFill>
-                <a:latin typeface="Calibri"/>
-                <a:ea typeface="DejaVu Sans"/>
-              </a:rPr>
-              <a:t>Q &amp; A</a:t>
-            </a:r>
-            <a:endParaRPr lang="en-GB" sz="1600" b="0" strike="noStrike" spc="-1">
+              <a:t>2024</a:t>
+            </a:r>
+            <a:endParaRPr lang="en-GB" sz="3200" b="0" strike="noStrike" spc="-1" dirty="0">
               <a:latin typeface="Arial"/>
             </a:endParaRPr>
           </a:p>
@@ -11993,14 +13110,14 @@
       </p:grpSpPr>
       <p:sp>
         <p:nvSpPr>
-          <p:cNvPr id="194" name="CustomShape 1"/>
+          <p:cNvPr id="192" name="CustomShape 1"/>
           <p:cNvSpPr/>
           <p:nvPr/>
         </p:nvSpPr>
         <p:spPr>
           <a:xfrm>
-            <a:off x="457200" y="684000"/>
-            <a:ext cx="8227800" cy="1143720"/>
+            <a:off x="480240" y="1371600"/>
+            <a:ext cx="3612960" cy="3451680"/>
           </a:xfrm>
           <a:prstGeom prst="rect">
             <a:avLst/>
@@ -12023,42 +13140,48 @@
           <a:fontRef idx="minor"/>
         </p:style>
         <p:txBody>
-          <a:bodyPr lIns="0" tIns="0" rIns="0" bIns="0" anchor="ctr">
-            <a:noAutofit/>
-          </a:bodyPr>
-          <a:lstStyle/>
-          <a:p>
-            <a:pPr algn="ctr">
+          <a:bodyPr lIns="82800" tIns="41400" rIns="82800" bIns="41400" anchor="ctr">
+            <a:normAutofit/>
+          </a:bodyPr>
+          <a:lstStyle/>
+          <a:p>
+            <a:pPr algn="r">
               <a:lnSpc>
                 <a:spcPct val="100000"/>
               </a:lnSpc>
+              <a:spcAft>
+                <a:spcPts val="544"/>
+              </a:spcAft>
+              <a:tabLst>
+                <a:tab pos="0" algn="l"/>
+              </a:tabLst>
             </a:pPr>
             <a:r>
-              <a:rPr lang="en-GB" sz="4400" b="1" strike="noStrike" spc="-1">
+              <a:rPr lang="en-US" sz="3900" b="0" strike="noStrike" cap="all" spc="-1">
                 <a:solidFill>
                   <a:srgbClr val="000000"/>
                 </a:solidFill>
                 <a:latin typeface="Calibri"/>
                 <a:ea typeface="DejaVu Sans"/>
               </a:rPr>
-              <a:t>Basic statistics</a:t>
-            </a:r>
-            <a:endParaRPr lang="en-GB" sz="4400" b="0" strike="noStrike" spc="-1">
-              <a:latin typeface="Arial"/>
-            </a:endParaRPr>
-          </a:p>
-        </p:txBody>
-      </p:sp>
-      <p:sp>
-        <p:nvSpPr>
-          <p:cNvPr id="195" name="CustomShape 2"/>
+              <a:t>R for biologists</a:t>
+            </a:r>
+            <a:endParaRPr lang="en-GB" sz="3900" b="0" strike="noStrike" spc="-1">
+              <a:latin typeface="Arial"/>
+            </a:endParaRPr>
+          </a:p>
+        </p:txBody>
+      </p:sp>
+      <p:sp>
+        <p:nvSpPr>
+          <p:cNvPr id="193" name="CustomShape 2"/>
           <p:cNvSpPr/>
           <p:nvPr/>
         </p:nvSpPr>
         <p:spPr>
           <a:xfrm>
-            <a:off x="457200" y="1700280"/>
-            <a:ext cx="8227800" cy="4863960"/>
+            <a:off x="4969080" y="1371600"/>
+            <a:ext cx="3657960" cy="4894920"/>
           </a:xfrm>
           <a:prstGeom prst="rect">
             <a:avLst/>
@@ -12081,101 +13204,39 @@
           <a:fontRef idx="minor"/>
         </p:style>
         <p:txBody>
-          <a:bodyPr lIns="90000" tIns="45000" rIns="90000" bIns="45000">
-            <a:normAutofit fontScale="91000" lnSpcReduction="10000"/>
-          </a:bodyPr>
-          <a:lstStyle/>
-          <a:p>
-            <a:pPr marL="343080" indent="-342000">
+          <a:bodyPr lIns="82800" tIns="41400" rIns="82800" bIns="41400" anchor="ctr">
+            <a:normAutofit/>
+          </a:bodyPr>
+          <a:lstStyle/>
+          <a:p>
+            <a:pPr marL="216000" indent="-215640">
               <a:lnSpc>
                 <a:spcPct val="100000"/>
               </a:lnSpc>
               <a:spcBef>
-                <a:spcPts val="400"/>
+                <a:spcPts val="320"/>
               </a:spcBef>
+              <a:spcAft>
+                <a:spcPts val="544"/>
+              </a:spcAft>
               <a:buClr>
                 <a:srgbClr val="000000"/>
               </a:buClr>
-              <a:buFont typeface="Arial"/>
-              <a:buChar char="•"/>
+              <a:buSzPct val="80000"/>
+              <a:buFont typeface="Wingdings 3" charset="2"/>
+              <a:buChar char=""/>
             </a:pPr>
             <a:r>
-              <a:rPr lang="en-GB" sz="2000" b="0" strike="noStrike" spc="-1">
+              <a:rPr lang="en-US" sz="1600" b="1" strike="noStrike" spc="-1">
                 <a:solidFill>
                   <a:srgbClr val="000000"/>
                 </a:solidFill>
                 <a:latin typeface="Calibri"/>
-                <a:ea typeface="Calibri"/>
-              </a:rPr>
-              <a:t>Correlations – </a:t>
-            </a:r>
-            <a:r>
-              <a:rPr lang="en-GB" sz="2000" b="0" strike="noStrike" spc="-1">
-                <a:solidFill>
-                  <a:srgbClr val="000000"/>
-                </a:solidFill>
-                <a:latin typeface="Courier New"/>
-                <a:ea typeface="Calibri"/>
-              </a:rPr>
-              <a:t>cor(), cor.test()</a:t>
-            </a:r>
-            <a:endParaRPr lang="en-GB" sz="2000" b="0" strike="noStrike" spc="-1">
-              <a:latin typeface="Arial"/>
-            </a:endParaRPr>
-          </a:p>
-          <a:p>
-            <a:pPr marL="343080" indent="-342000">
-              <a:lnSpc>
-                <a:spcPct val="100000"/>
-              </a:lnSpc>
-              <a:spcBef>
-                <a:spcPts val="400"/>
-              </a:spcBef>
-              <a:buClr>
-                <a:srgbClr val="000000"/>
-              </a:buClr>
-              <a:buFont typeface="Arial"/>
-              <a:buChar char="•"/>
-            </a:pPr>
-            <a:r>
-              <a:rPr lang="en-GB" sz="2000" b="0" strike="noStrike" spc="-1">
-                <a:solidFill>
-                  <a:srgbClr val="000000"/>
-                </a:solidFill>
-                <a:latin typeface="Calibri"/>
-                <a:ea typeface="Calibri"/>
-              </a:rPr>
-              <a:t>T-test (parametric):</a:t>
-            </a:r>
-            <a:endParaRPr lang="en-GB" sz="2000" b="0" strike="noStrike" spc="-1">
-              <a:latin typeface="Arial"/>
-            </a:endParaRPr>
-          </a:p>
-          <a:p>
-            <a:pPr marL="343080" indent="-342000">
-              <a:lnSpc>
-                <a:spcPct val="100000"/>
-              </a:lnSpc>
-              <a:spcBef>
-                <a:spcPts val="400"/>
-              </a:spcBef>
-              <a:buClr>
-                <a:srgbClr val="000000"/>
-              </a:buClr>
-              <a:buFont typeface="Courier New"/>
-              <a:buChar char="o"/>
-            </a:pPr>
-            <a:r>
-              <a:rPr lang="en-GB" sz="2000" b="0" strike="noStrike" spc="-1">
-                <a:solidFill>
-                  <a:srgbClr val="000000"/>
-                </a:solidFill>
-                <a:latin typeface="Calibri"/>
-                <a:ea typeface="Calibri"/>
-              </a:rPr>
-              <a:t> Unpaired 2-group t-test</a:t>
-            </a:r>
-            <a:endParaRPr lang="en-GB" sz="2000" b="0" strike="noStrike" spc="-1">
+                <a:ea typeface="DejaVu Sans"/>
+              </a:rPr>
+              <a:t>Data Visualisation</a:t>
+            </a:r>
+            <a:endParaRPr lang="en-GB" sz="1600" b="0" strike="noStrike" spc="-1">
               <a:latin typeface="Arial"/>
             </a:endParaRPr>
           </a:p>
@@ -12185,394 +13246,183 @@
                 <a:spcPct val="100000"/>
               </a:lnSpc>
               <a:spcBef>
-                <a:spcPts val="400"/>
+                <a:spcPts val="320"/>
               </a:spcBef>
-              <a:tabLst>
-                <a:tab pos="0" algn="l"/>
-              </a:tabLst>
+              <a:spcAft>
+                <a:spcPts val="544"/>
+              </a:spcAft>
             </a:pPr>
             <a:r>
-              <a:rPr lang="en-GB" sz="2000" b="0" strike="noStrike" spc="-1">
-                <a:solidFill>
-                  <a:srgbClr val="000000"/>
-                </a:solidFill>
-                <a:latin typeface="Courier New"/>
-                <a:ea typeface="Calibri"/>
-              </a:rPr>
-              <a:t>t.test(y~x) </a:t>
-            </a:r>
-            <a:r>
-              <a:rPr lang="en-GB" sz="2000" b="0" strike="noStrike" spc="-1">
+              <a:rPr lang="en-US" sz="1600" b="0" strike="noStrike" spc="-1">
                 <a:solidFill>
                   <a:srgbClr val="000000"/>
                 </a:solidFill>
                 <a:latin typeface="Calibri"/>
-                <a:ea typeface="Calibri"/>
-              </a:rPr>
-              <a:t># where y is numeric and x is a binary factor</a:t>
-            </a:r>
-            <a:endParaRPr lang="en-GB" sz="2000" b="0" strike="noStrike" spc="-1">
-              <a:latin typeface="Arial"/>
-            </a:endParaRPr>
-          </a:p>
-          <a:p>
-            <a:pPr>
+                <a:ea typeface="DejaVu Sans"/>
+              </a:rPr>
+              <a:t>Adding statistics to plots</a:t>
+            </a:r>
+            <a:endParaRPr lang="en-GB" sz="1600" b="0" strike="noStrike" spc="-1">
+              <a:latin typeface="Arial"/>
+            </a:endParaRPr>
+          </a:p>
+          <a:p>
+            <a:pPr marL="457200" lvl="1" indent="-215640">
               <a:lnSpc>
                 <a:spcPct val="100000"/>
               </a:lnSpc>
               <a:spcBef>
-                <a:spcPts val="400"/>
+                <a:spcPts val="320"/>
               </a:spcBef>
-              <a:tabLst>
-                <a:tab pos="0" algn="l"/>
-              </a:tabLst>
+              <a:spcAft>
+                <a:spcPts val="544"/>
+              </a:spcAft>
+              <a:buClr>
+                <a:srgbClr val="000000"/>
+              </a:buClr>
+              <a:buSzPct val="80000"/>
+              <a:buFont typeface="Wingdings 3" charset="2"/>
+              <a:buChar char=""/>
             </a:pPr>
             <a:r>
-              <a:rPr lang="en-GB" sz="2000" b="0" strike="noStrike" spc="-1">
-                <a:solidFill>
-                  <a:srgbClr val="000000"/>
-                </a:solidFill>
-                <a:latin typeface="Courier New"/>
-                <a:ea typeface="Calibri"/>
-              </a:rPr>
-              <a:t>t.test(y1,y2)</a:t>
-            </a:r>
-            <a:r>
-              <a:rPr lang="en-GB" sz="2000" b="0" strike="noStrike" spc="-1">
+              <a:rPr lang="en-US" sz="1600" b="0" strike="noStrike" spc="-1">
                 <a:solidFill>
                   <a:srgbClr val="000000"/>
                 </a:solidFill>
                 <a:latin typeface="Calibri"/>
-                <a:ea typeface="Calibri"/>
-              </a:rPr>
-              <a:t> # where y1 and y2 are numeric</a:t>
-            </a:r>
-            <a:endParaRPr lang="en-GB" sz="2000" b="0" strike="noStrike" spc="-1">
-              <a:latin typeface="Arial"/>
-            </a:endParaRPr>
-          </a:p>
-          <a:p>
-            <a:pPr marL="343080" indent="-342000">
+                <a:ea typeface="DejaVu Sans"/>
+              </a:rPr>
+              <a:t>Colours</a:t>
+            </a:r>
+            <a:endParaRPr lang="en-GB" sz="1600" b="0" strike="noStrike" spc="-1">
+              <a:latin typeface="Arial"/>
+            </a:endParaRPr>
+          </a:p>
+          <a:p>
+            <a:pPr marL="457200" lvl="1" indent="-215640">
               <a:lnSpc>
                 <a:spcPct val="100000"/>
               </a:lnSpc>
               <a:spcBef>
-                <a:spcPts val="400"/>
+                <a:spcPts val="320"/>
               </a:spcBef>
+              <a:spcAft>
+                <a:spcPts val="544"/>
+              </a:spcAft>
               <a:buClr>
                 <a:srgbClr val="000000"/>
               </a:buClr>
-              <a:buFont typeface="Courier New"/>
-              <a:buChar char="o"/>
-              <a:tabLst>
-                <a:tab pos="0" algn="l"/>
-              </a:tabLst>
+              <a:buSzPct val="80000"/>
+              <a:buFont typeface="Wingdings 3" charset="2"/>
+              <a:buChar char=""/>
             </a:pPr>
             <a:r>
-              <a:rPr lang="en-GB" sz="2000" b="0" strike="noStrike" spc="-1">
+              <a:rPr lang="en-US" sz="1600" b="0" strike="noStrike" spc="-1">
                 <a:solidFill>
                   <a:srgbClr val="000000"/>
                 </a:solidFill>
                 <a:latin typeface="Calibri"/>
-                <a:ea typeface="Calibri"/>
-              </a:rPr>
-              <a:t>Paired 2-group t-test</a:t>
-            </a:r>
-            <a:endParaRPr lang="en-GB" sz="2000" b="0" strike="noStrike" spc="-1">
-              <a:latin typeface="Arial"/>
-            </a:endParaRPr>
-          </a:p>
-          <a:p>
-            <a:pPr>
+                <a:ea typeface="DejaVu Sans"/>
+              </a:rPr>
+              <a:t>Heatmaps</a:t>
+            </a:r>
+            <a:endParaRPr lang="en-GB" sz="1600" b="0" strike="noStrike" spc="-1">
+              <a:latin typeface="Arial"/>
+            </a:endParaRPr>
+          </a:p>
+          <a:p>
+            <a:pPr marL="457200" lvl="1" indent="-215640">
               <a:lnSpc>
                 <a:spcPct val="100000"/>
               </a:lnSpc>
               <a:spcBef>
-                <a:spcPts val="400"/>
+                <a:spcPts val="320"/>
               </a:spcBef>
-              <a:tabLst>
-                <a:tab pos="0" algn="l"/>
-              </a:tabLst>
+              <a:spcAft>
+                <a:spcPts val="544"/>
+              </a:spcAft>
+              <a:buClr>
+                <a:srgbClr val="000000"/>
+              </a:buClr>
+              <a:buSzPct val="80000"/>
+              <a:buFont typeface="Wingdings 3" charset="2"/>
+              <a:buChar char=""/>
             </a:pPr>
             <a:r>
-              <a:rPr lang="en-GB" sz="2000" b="0" strike="noStrike" spc="-1">
-                <a:solidFill>
-                  <a:srgbClr val="000000"/>
-                </a:solidFill>
-                <a:latin typeface="Courier New"/>
-                <a:ea typeface="Calibri"/>
-              </a:rPr>
-              <a:t>t.test(y1,y2, paired=TRUE)</a:t>
-            </a:r>
-            <a:r>
-              <a:rPr lang="en-GB" sz="2000" b="0" strike="noStrike" spc="-1">
+              <a:rPr lang="en-US" sz="1600" b="0" strike="noStrike" spc="-1">
                 <a:solidFill>
                   <a:srgbClr val="000000"/>
                 </a:solidFill>
                 <a:latin typeface="Calibri"/>
-                <a:ea typeface="Calibri"/>
-              </a:rPr>
-              <a:t> # where y1 &amp; y2 are numeric</a:t>
-            </a:r>
-            <a:endParaRPr lang="en-GB" sz="2000" b="0" strike="noStrike" spc="-1">
-              <a:latin typeface="Arial"/>
-            </a:endParaRPr>
-          </a:p>
-          <a:p>
-            <a:pPr marL="343080" indent="-342000">
+                <a:ea typeface="DejaVu Sans"/>
+              </a:rPr>
+              <a:t>PCA</a:t>
+            </a:r>
+            <a:endParaRPr lang="en-GB" sz="1600" b="0" strike="noStrike" spc="-1">
+              <a:latin typeface="Arial"/>
+            </a:endParaRPr>
+          </a:p>
+          <a:p>
+            <a:pPr marL="457200" lvl="1" indent="-215640">
               <a:lnSpc>
                 <a:spcPct val="100000"/>
               </a:lnSpc>
               <a:spcBef>
-                <a:spcPts val="400"/>
+                <a:spcPts val="320"/>
               </a:spcBef>
+              <a:spcAft>
+                <a:spcPts val="544"/>
+              </a:spcAft>
               <a:buClr>
                 <a:srgbClr val="000000"/>
               </a:buClr>
-              <a:buFont typeface="Arial"/>
-              <a:buChar char="•"/>
-              <a:tabLst>
-                <a:tab pos="0" algn="l"/>
-              </a:tabLst>
+              <a:buSzPct val="80000"/>
+              <a:buFont typeface="Wingdings 3" charset="2"/>
+              <a:buChar char=""/>
             </a:pPr>
             <a:r>
-              <a:rPr lang="en-GB" sz="2000" b="0" strike="noStrike" spc="-1">
+              <a:rPr lang="en-US" sz="1600" b="0" strike="noStrike" spc="-1">
                 <a:solidFill>
                   <a:srgbClr val="000000"/>
                 </a:solidFill>
                 <a:latin typeface="Calibri"/>
-                <a:ea typeface="Calibri"/>
-              </a:rPr>
-              <a:t>Non-parametric tests:</a:t>
-            </a:r>
-            <a:endParaRPr lang="en-GB" sz="2000" b="0" strike="noStrike" spc="-1">
-              <a:latin typeface="Arial"/>
-            </a:endParaRPr>
-          </a:p>
-          <a:p>
-            <a:pPr marL="343080" indent="-342000">
+                <a:ea typeface="DejaVu Sans"/>
+              </a:rPr>
+              <a:t>Plotly, PCA-explorer</a:t>
+            </a:r>
+            <a:endParaRPr lang="en-GB" sz="1600" b="0" strike="noStrike" spc="-1">
+              <a:latin typeface="Arial"/>
+            </a:endParaRPr>
+          </a:p>
+          <a:p>
+            <a:pPr marL="457200" lvl="1" indent="-215640">
               <a:lnSpc>
                 <a:spcPct val="100000"/>
               </a:lnSpc>
               <a:spcBef>
-                <a:spcPts val="400"/>
+                <a:spcPts val="320"/>
               </a:spcBef>
+              <a:spcAft>
+                <a:spcPts val="544"/>
+              </a:spcAft>
               <a:buClr>
                 <a:srgbClr val="000000"/>
               </a:buClr>
-              <a:buFont typeface="Courier New"/>
-              <a:buChar char="o"/>
-              <a:tabLst>
-                <a:tab pos="0" algn="l"/>
-              </a:tabLst>
+              <a:buSzPct val="80000"/>
+              <a:buFont typeface="Wingdings 3" charset="2"/>
+              <a:buChar char=""/>
             </a:pPr>
             <a:r>
-              <a:rPr lang="en-GB" sz="2000" b="0" strike="noStrike" spc="-1">
+              <a:rPr lang="en-US" sz="1600" b="0" strike="noStrike" spc="-1">
                 <a:solidFill>
                   <a:srgbClr val="000000"/>
                 </a:solidFill>
                 <a:latin typeface="Calibri"/>
-                <a:ea typeface="Calibri"/>
-              </a:rPr>
-              <a:t>Unpaired 2-group Mann-Whitney U Test </a:t>
-            </a:r>
-            <a:endParaRPr lang="en-GB" sz="2000" b="0" strike="noStrike" spc="-1">
-              <a:latin typeface="Arial"/>
-            </a:endParaRPr>
-          </a:p>
-          <a:p>
-            <a:pPr>
-              <a:lnSpc>
-                <a:spcPct val="100000"/>
-              </a:lnSpc>
-              <a:spcBef>
-                <a:spcPts val="400"/>
-              </a:spcBef>
-              <a:tabLst>
-                <a:tab pos="0" algn="l"/>
-              </a:tabLst>
-            </a:pPr>
-            <a:r>
-              <a:rPr lang="en-GB" sz="2000" b="0" strike="noStrike" spc="-1">
-                <a:solidFill>
-                  <a:srgbClr val="000000"/>
-                </a:solidFill>
-                <a:latin typeface="Courier New"/>
-                <a:ea typeface="Calibri"/>
-              </a:rPr>
-              <a:t>wilcox.test(y~A) </a:t>
-            </a:r>
-            <a:r>
-              <a:rPr lang="en-GB" sz="2000" b="0" strike="noStrike" spc="-1">
-                <a:solidFill>
-                  <a:srgbClr val="000000"/>
-                </a:solidFill>
-                <a:latin typeface="Calibri"/>
-                <a:ea typeface="Calibri"/>
-              </a:rPr>
-              <a:t># where y is numeric and A is A binary factor</a:t>
-            </a:r>
-            <a:endParaRPr lang="en-GB" sz="2000" b="0" strike="noStrike" spc="-1">
-              <a:latin typeface="Arial"/>
-            </a:endParaRPr>
-          </a:p>
-          <a:p>
-            <a:pPr>
-              <a:lnSpc>
-                <a:spcPct val="100000"/>
-              </a:lnSpc>
-              <a:spcBef>
-                <a:spcPts val="400"/>
-              </a:spcBef>
-              <a:tabLst>
-                <a:tab pos="0" algn="l"/>
-              </a:tabLst>
-            </a:pPr>
-            <a:r>
-              <a:rPr lang="en-GB" sz="2000" b="0" strike="noStrike" spc="-1">
-                <a:solidFill>
-                  <a:srgbClr val="000000"/>
-                </a:solidFill>
-                <a:latin typeface="Courier New"/>
-                <a:ea typeface="Calibri"/>
-              </a:rPr>
-              <a:t>wilcox.test(y,x)</a:t>
-            </a:r>
-            <a:r>
-              <a:rPr lang="en-GB" sz="2000" b="0" strike="noStrike" spc="-1">
-                <a:solidFill>
-                  <a:srgbClr val="000000"/>
-                </a:solidFill>
-                <a:latin typeface="Calibri"/>
-                <a:ea typeface="Calibri"/>
-              </a:rPr>
-              <a:t> # where y and x are numeric</a:t>
-            </a:r>
-            <a:endParaRPr lang="en-GB" sz="2000" b="0" strike="noStrike" spc="-1">
-              <a:latin typeface="Arial"/>
-            </a:endParaRPr>
-          </a:p>
-          <a:p>
-            <a:pPr marL="343080" indent="-342000">
-              <a:lnSpc>
-                <a:spcPct val="100000"/>
-              </a:lnSpc>
-              <a:spcBef>
-                <a:spcPts val="400"/>
-              </a:spcBef>
-              <a:buClr>
-                <a:srgbClr val="000000"/>
-              </a:buClr>
-              <a:buFont typeface="Courier New"/>
-              <a:buChar char="o"/>
-              <a:tabLst>
-                <a:tab pos="0" algn="l"/>
-              </a:tabLst>
-            </a:pPr>
-            <a:r>
-              <a:rPr lang="en-GB" sz="2000" b="0" strike="noStrike" spc="-1">
-                <a:solidFill>
-                  <a:srgbClr val="000000"/>
-                </a:solidFill>
-                <a:latin typeface="Calibri"/>
-                <a:ea typeface="Calibri"/>
-              </a:rPr>
-              <a:t>Paired 2-group Wilcoxon Signed Rank Test</a:t>
-            </a:r>
-            <a:endParaRPr lang="en-GB" sz="2000" b="0" strike="noStrike" spc="-1">
-              <a:latin typeface="Arial"/>
-            </a:endParaRPr>
-          </a:p>
-          <a:p>
-            <a:pPr>
-              <a:lnSpc>
-                <a:spcPct val="100000"/>
-              </a:lnSpc>
-              <a:spcBef>
-                <a:spcPts val="400"/>
-              </a:spcBef>
-              <a:tabLst>
-                <a:tab pos="0" algn="l"/>
-              </a:tabLst>
-            </a:pPr>
-            <a:r>
-              <a:rPr lang="en-GB" sz="2000" b="0" strike="noStrike" spc="-1">
-                <a:solidFill>
-                  <a:srgbClr val="000000"/>
-                </a:solidFill>
-                <a:latin typeface="Courier New"/>
-                <a:ea typeface="Calibri"/>
-              </a:rPr>
-              <a:t>wilcox.test(y1,y2, paired=TRUE) </a:t>
-            </a:r>
-            <a:r>
-              <a:rPr lang="en-GB" sz="2000" b="0" strike="noStrike" spc="-1">
-                <a:solidFill>
-                  <a:srgbClr val="000000"/>
-                </a:solidFill>
-                <a:latin typeface="Calibri"/>
-                <a:ea typeface="Calibri"/>
-              </a:rPr>
-              <a:t># where y1 and y2 are numeric</a:t>
-            </a:r>
-            <a:endParaRPr lang="en-GB" sz="2000" b="0" strike="noStrike" spc="-1">
-              <a:latin typeface="Arial"/>
-            </a:endParaRPr>
-          </a:p>
-          <a:p>
-            <a:pPr marL="343080" indent="-342000">
-              <a:lnSpc>
-                <a:spcPct val="100000"/>
-              </a:lnSpc>
-              <a:spcBef>
-                <a:spcPts val="400"/>
-              </a:spcBef>
-              <a:buClr>
-                <a:srgbClr val="000000"/>
-              </a:buClr>
-              <a:buFont typeface="Arial"/>
-              <a:buChar char="•"/>
-              <a:tabLst>
-                <a:tab pos="0" algn="l"/>
-              </a:tabLst>
-            </a:pPr>
-            <a:r>
-              <a:rPr lang="en-GB" sz="2000" b="0" strike="noStrike" spc="-1">
-                <a:solidFill>
-                  <a:srgbClr val="000000"/>
-                </a:solidFill>
-                <a:latin typeface="Calibri"/>
-                <a:ea typeface="Calibri"/>
-              </a:rPr>
-              <a:t>More than 2 groups - analysis of variance (ANOVA, parametric)</a:t>
-            </a:r>
-            <a:endParaRPr lang="en-GB" sz="2000" b="0" strike="noStrike" spc="-1">
-              <a:latin typeface="Arial"/>
-            </a:endParaRPr>
-          </a:p>
-          <a:p>
-            <a:pPr>
-              <a:lnSpc>
-                <a:spcPct val="100000"/>
-              </a:lnSpc>
-              <a:spcBef>
-                <a:spcPts val="400"/>
-              </a:spcBef>
-              <a:tabLst>
-                <a:tab pos="0" algn="l"/>
-              </a:tabLst>
-            </a:pPr>
-            <a:r>
-              <a:rPr lang="en-GB" sz="2000" b="0" strike="noStrike" spc="-1">
-                <a:solidFill>
-                  <a:srgbClr val="000000"/>
-                </a:solidFill>
-                <a:latin typeface="Courier New"/>
-                <a:ea typeface="Calibri"/>
-              </a:rPr>
-              <a:t>aov(), anova()</a:t>
-            </a:r>
-            <a:endParaRPr lang="en-GB" sz="2000" b="0" strike="noStrike" spc="-1">
+                <a:ea typeface="DejaVu Sans"/>
+              </a:rPr>
+              <a:t>Q &amp; A</a:t>
+            </a:r>
+            <a:endParaRPr lang="en-GB" sz="1600" b="0" strike="noStrike" spc="-1">
               <a:latin typeface="Arial"/>
             </a:endParaRPr>
           </a:p>
@@ -12605,14 +13455,14 @@
       </p:grpSpPr>
       <p:sp>
         <p:nvSpPr>
-          <p:cNvPr id="196" name="CustomShape 1"/>
+          <p:cNvPr id="194" name="CustomShape 1"/>
           <p:cNvSpPr/>
           <p:nvPr/>
         </p:nvSpPr>
         <p:spPr>
           <a:xfrm>
-            <a:off x="457200" y="274680"/>
-            <a:ext cx="8228520" cy="1141920"/>
+            <a:off x="457200" y="684000"/>
+            <a:ext cx="8227800" cy="1143720"/>
           </a:xfrm>
           <a:prstGeom prst="rect">
             <a:avLst/>
@@ -12635,7 +13485,7 @@
           <a:fontRef idx="minor"/>
         </p:style>
         <p:txBody>
-          <a:bodyPr lIns="90000" tIns="45000" rIns="90000" bIns="45000" anchor="ctr">
+          <a:bodyPr lIns="0" tIns="0" rIns="0" bIns="0" anchor="ctr">
             <a:noAutofit/>
           </a:bodyPr>
           <a:lstStyle/>
@@ -12646,14 +13496,14 @@
               </a:lnSpc>
             </a:pPr>
             <a:r>
-              <a:rPr lang="en-GB" sz="4400" b="0" strike="noStrike" spc="-1">
+              <a:rPr lang="en-GB" sz="4400" b="1" strike="noStrike" spc="-1">
                 <a:solidFill>
                   <a:srgbClr val="000000"/>
                 </a:solidFill>
                 <a:latin typeface="Calibri"/>
                 <a:ea typeface="DejaVu Sans"/>
               </a:rPr>
-              <a:t>Adding statistics to the plots</a:t>
+              <a:t>Basic statistics</a:t>
             </a:r>
             <a:endParaRPr lang="en-GB" sz="4400" b="0" strike="noStrike" spc="-1">
               <a:latin typeface="Arial"/>
@@ -12663,14 +13513,14 @@
       </p:sp>
       <p:sp>
         <p:nvSpPr>
-          <p:cNvPr id="197" name="CustomShape 2"/>
+          <p:cNvPr id="195" name="CustomShape 2"/>
           <p:cNvSpPr/>
           <p:nvPr/>
         </p:nvSpPr>
         <p:spPr>
           <a:xfrm>
-            <a:off x="457200" y="1600200"/>
-            <a:ext cx="8228520" cy="4524840"/>
+            <a:off x="457200" y="1700280"/>
+            <a:ext cx="8227800" cy="4863960"/>
           </a:xfrm>
           <a:prstGeom prst="rect">
             <a:avLst/>
@@ -12694,62 +13544,172 @@
         </p:style>
         <p:txBody>
           <a:bodyPr lIns="90000" tIns="45000" rIns="90000" bIns="45000">
-            <a:normAutofit fontScale="92500" lnSpcReduction="10000"/>
-          </a:bodyPr>
-          <a:lstStyle/>
+            <a:normAutofit fontScale="91000" lnSpcReduction="10000"/>
+          </a:bodyPr>
+          <a:lstStyle/>
+          <a:p>
+            <a:pPr marL="343080" indent="-342000">
+              <a:lnSpc>
+                <a:spcPct val="100000"/>
+              </a:lnSpc>
+              <a:spcBef>
+                <a:spcPts val="400"/>
+              </a:spcBef>
+              <a:buClr>
+                <a:srgbClr val="000000"/>
+              </a:buClr>
+              <a:buFont typeface="Arial"/>
+              <a:buChar char="•"/>
+            </a:pPr>
+            <a:r>
+              <a:rPr lang="en-GB" sz="2000" b="0" strike="noStrike" spc="-1">
+                <a:solidFill>
+                  <a:srgbClr val="000000"/>
+                </a:solidFill>
+                <a:latin typeface="Calibri"/>
+                <a:ea typeface="Calibri"/>
+              </a:rPr>
+              <a:t>Correlations – </a:t>
+            </a:r>
+            <a:r>
+              <a:rPr lang="en-GB" sz="2000" b="0" strike="noStrike" spc="-1">
+                <a:solidFill>
+                  <a:srgbClr val="000000"/>
+                </a:solidFill>
+                <a:latin typeface="Courier New"/>
+                <a:ea typeface="Calibri"/>
+              </a:rPr>
+              <a:t>cor(), cor.test()</a:t>
+            </a:r>
+            <a:endParaRPr lang="en-GB" sz="2000" b="0" strike="noStrike" spc="-1">
+              <a:latin typeface="Arial"/>
+            </a:endParaRPr>
+          </a:p>
+          <a:p>
+            <a:pPr marL="343080" indent="-342000">
+              <a:lnSpc>
+                <a:spcPct val="100000"/>
+              </a:lnSpc>
+              <a:spcBef>
+                <a:spcPts val="400"/>
+              </a:spcBef>
+              <a:buClr>
+                <a:srgbClr val="000000"/>
+              </a:buClr>
+              <a:buFont typeface="Arial"/>
+              <a:buChar char="•"/>
+            </a:pPr>
+            <a:r>
+              <a:rPr lang="en-GB" sz="2000" b="0" strike="noStrike" spc="-1">
+                <a:solidFill>
+                  <a:srgbClr val="000000"/>
+                </a:solidFill>
+                <a:latin typeface="Calibri"/>
+                <a:ea typeface="Calibri"/>
+              </a:rPr>
+              <a:t>T-test (parametric):</a:t>
+            </a:r>
+            <a:endParaRPr lang="en-GB" sz="2000" b="0" strike="noStrike" spc="-1">
+              <a:latin typeface="Arial"/>
+            </a:endParaRPr>
+          </a:p>
+          <a:p>
+            <a:pPr marL="343080" indent="-342000">
+              <a:lnSpc>
+                <a:spcPct val="100000"/>
+              </a:lnSpc>
+              <a:spcBef>
+                <a:spcPts val="400"/>
+              </a:spcBef>
+              <a:buClr>
+                <a:srgbClr val="000000"/>
+              </a:buClr>
+              <a:buFont typeface="Courier New"/>
+              <a:buChar char="o"/>
+            </a:pPr>
+            <a:r>
+              <a:rPr lang="en-GB" sz="2000" b="0" strike="noStrike" spc="-1">
+                <a:solidFill>
+                  <a:srgbClr val="000000"/>
+                </a:solidFill>
+                <a:latin typeface="Calibri"/>
+                <a:ea typeface="Calibri"/>
+              </a:rPr>
+              <a:t> Unpaired 2-group t-test</a:t>
+            </a:r>
+            <a:endParaRPr lang="en-GB" sz="2000" b="0" strike="noStrike" spc="-1">
+              <a:latin typeface="Arial"/>
+            </a:endParaRPr>
+          </a:p>
           <a:p>
             <a:pPr>
               <a:lnSpc>
                 <a:spcPct val="100000"/>
               </a:lnSpc>
               <a:spcBef>
-                <a:spcPts val="479"/>
+                <a:spcPts val="400"/>
               </a:spcBef>
               <a:tabLst>
                 <a:tab pos="0" algn="l"/>
               </a:tabLst>
             </a:pPr>
             <a:r>
-              <a:rPr lang="en-GB" sz="2400" b="0" strike="noStrike" spc="-1" dirty="0">
-                <a:solidFill>
-                  <a:srgbClr val="000000"/>
-                </a:solidFill>
-                <a:latin typeface="Courier New"/>
-                <a:ea typeface="DejaVu Sans"/>
-              </a:rPr>
-              <a:t>library</a:t>
-            </a:r>
-            <a:r>
-              <a:rPr lang="en-GB" sz="2400" b="1" strike="noStrike" spc="-1" dirty="0">
-                <a:solidFill>
-                  <a:srgbClr val="000000"/>
-                </a:solidFill>
-                <a:latin typeface="Courier New"/>
-                <a:ea typeface="DejaVu Sans"/>
-              </a:rPr>
-              <a:t>(</a:t>
-            </a:r>
-            <a:r>
-              <a:rPr lang="en-GB" sz="2400" b="1" strike="noStrike" spc="-1" dirty="0" err="1">
+              <a:rPr lang="en-GB" sz="2000" b="0" strike="noStrike" spc="-1">
                 <a:solidFill>
                   <a:srgbClr val="000000"/>
                 </a:solidFill>
                 <a:latin typeface="Courier New"/>
                 <a:ea typeface="Calibri"/>
               </a:rPr>
-              <a:t>ggpubr</a:t>
-            </a:r>
-            <a:r>
-              <a:rPr lang="en-GB" sz="2400" b="1" strike="noStrike" spc="-1" dirty="0">
+              <a:t>t.test(y~x) </a:t>
+            </a:r>
+            <a:r>
+              <a:rPr lang="en-GB" sz="2000" b="0" strike="noStrike" spc="-1">
+                <a:solidFill>
+                  <a:srgbClr val="000000"/>
+                </a:solidFill>
+                <a:latin typeface="Calibri"/>
+                <a:ea typeface="Calibri"/>
+              </a:rPr>
+              <a:t># where y is numeric and x is a binary factor</a:t>
+            </a:r>
+            <a:endParaRPr lang="en-GB" sz="2000" b="0" strike="noStrike" spc="-1">
+              <a:latin typeface="Arial"/>
+            </a:endParaRPr>
+          </a:p>
+          <a:p>
+            <a:pPr>
+              <a:lnSpc>
+                <a:spcPct val="100000"/>
+              </a:lnSpc>
+              <a:spcBef>
+                <a:spcPts val="400"/>
+              </a:spcBef>
+              <a:tabLst>
+                <a:tab pos="0" algn="l"/>
+              </a:tabLst>
+            </a:pPr>
+            <a:r>
+              <a:rPr lang="en-GB" sz="2000" b="0" strike="noStrike" spc="-1">
                 <a:solidFill>
                   <a:srgbClr val="000000"/>
                 </a:solidFill>
                 <a:latin typeface="Courier New"/>
                 <a:ea typeface="Calibri"/>
               </a:rPr>
-              <a:t>)</a:t>
-            </a:r>
-            <a:endParaRPr lang="en-GB" sz="2400" b="0" strike="noStrike" spc="-1" dirty="0">
+              <a:t>t.test(y1,y2)</a:t>
+            </a:r>
+            <a:r>
+              <a:rPr lang="en-GB" sz="2000" b="0" strike="noStrike" spc="-1">
+                <a:solidFill>
+                  <a:srgbClr val="000000"/>
+                </a:solidFill>
+                <a:latin typeface="Calibri"/>
+                <a:ea typeface="Calibri"/>
+              </a:rPr>
+              <a:t> # where y1 and y2 are numeric</a:t>
+            </a:r>
+            <a:endParaRPr lang="en-GB" sz="2000" b="0" strike="noStrike" spc="-1">
               <a:latin typeface="Arial"/>
             </a:endParaRPr>
           </a:p>
@@ -12759,7 +13719,74 @@
                 <a:spcPct val="100000"/>
               </a:lnSpc>
               <a:spcBef>
-                <a:spcPts val="479"/>
+                <a:spcPts val="400"/>
+              </a:spcBef>
+              <a:buClr>
+                <a:srgbClr val="000000"/>
+              </a:buClr>
+              <a:buFont typeface="Courier New"/>
+              <a:buChar char="o"/>
+              <a:tabLst>
+                <a:tab pos="0" algn="l"/>
+              </a:tabLst>
+            </a:pPr>
+            <a:r>
+              <a:rPr lang="en-GB" sz="2000" b="0" strike="noStrike" spc="-1">
+                <a:solidFill>
+                  <a:srgbClr val="000000"/>
+                </a:solidFill>
+                <a:latin typeface="Calibri"/>
+                <a:ea typeface="Calibri"/>
+              </a:rPr>
+              <a:t>Paired 2-group t-test</a:t>
+            </a:r>
+            <a:endParaRPr lang="en-GB" sz="2000" b="0" strike="noStrike" spc="-1">
+              <a:latin typeface="Arial"/>
+            </a:endParaRPr>
+          </a:p>
+          <a:p>
+            <a:pPr>
+              <a:lnSpc>
+                <a:spcPct val="100000"/>
+              </a:lnSpc>
+              <a:spcBef>
+                <a:spcPts val="400"/>
+              </a:spcBef>
+              <a:tabLst>
+                <a:tab pos="0" algn="l"/>
+              </a:tabLst>
+            </a:pPr>
+            <a:r>
+              <a:rPr lang="en-GB" sz="2000" b="0" strike="noStrike" spc="-1">
+                <a:solidFill>
+                  <a:srgbClr val="000000"/>
+                </a:solidFill>
+                <a:latin typeface="Courier New"/>
+                <a:ea typeface="Calibri"/>
+              </a:rPr>
+              <a:t>t.test(y1,y2, paired=TRUE)</a:t>
+            </a:r>
+            <a:r>
+              <a:rPr lang="en-GB" sz="2000" b="0" strike="noStrike" spc="-1">
+                <a:solidFill>
+                  <a:srgbClr val="000000"/>
+                </a:solidFill>
+                <a:latin typeface="Calibri"/>
+                <a:ea typeface="Calibri"/>
+              </a:rPr>
+              <a:t> # where y1 &amp; y2 are numeric</a:t>
+            </a:r>
+            <a:endParaRPr lang="en-GB" sz="2000" b="0" strike="noStrike" spc="-1">
+              <a:latin typeface="Arial"/>
+            </a:endParaRPr>
+          </a:p>
+          <a:p>
+            <a:pPr marL="343080" indent="-342000">
+              <a:lnSpc>
+                <a:spcPct val="100000"/>
+              </a:lnSpc>
+              <a:spcBef>
+                <a:spcPts val="400"/>
               </a:spcBef>
               <a:buClr>
                 <a:srgbClr val="000000"/>
@@ -12771,132 +13798,186 @@
               </a:tabLst>
             </a:pPr>
             <a:r>
-              <a:rPr lang="en-GB" sz="2400" b="0" strike="noStrike" spc="-1" dirty="0">
+              <a:rPr lang="en-GB" sz="2000" b="0" strike="noStrike" spc="-1">
                 <a:solidFill>
                   <a:srgbClr val="000000"/>
                 </a:solidFill>
                 <a:latin typeface="Calibri"/>
                 <a:ea typeface="Calibri"/>
               </a:rPr>
-              <a:t>Perform the test</a:t>
-            </a:r>
-            <a:endParaRPr lang="en-GB" sz="2400" b="0" strike="noStrike" spc="-1" dirty="0">
-              <a:latin typeface="Arial"/>
-            </a:endParaRPr>
-          </a:p>
-          <a:p>
-            <a:pPr marL="343080" indent="-342000" algn="just">
+              <a:t>Non-parametric tests:</a:t>
+            </a:r>
+            <a:endParaRPr lang="en-GB" sz="2000" b="0" strike="noStrike" spc="-1">
+              <a:latin typeface="Arial"/>
+            </a:endParaRPr>
+          </a:p>
+          <a:p>
+            <a:pPr marL="343080" indent="-342000">
               <a:lnSpc>
                 <a:spcPct val="100000"/>
               </a:lnSpc>
               <a:spcBef>
-                <a:spcPts val="479"/>
+                <a:spcPts val="400"/>
+              </a:spcBef>
+              <a:buClr>
+                <a:srgbClr val="000000"/>
+              </a:buClr>
+              <a:buFont typeface="Courier New"/>
+              <a:buChar char="o"/>
+              <a:tabLst>
+                <a:tab pos="0" algn="l"/>
+              </a:tabLst>
+            </a:pPr>
+            <a:r>
+              <a:rPr lang="en-GB" sz="2000" b="0" strike="noStrike" spc="-1">
+                <a:solidFill>
+                  <a:srgbClr val="000000"/>
+                </a:solidFill>
+                <a:latin typeface="Calibri"/>
+                <a:ea typeface="Calibri"/>
+              </a:rPr>
+              <a:t>Unpaired 2-group Mann-Whitney U Test </a:t>
+            </a:r>
+            <a:endParaRPr lang="en-GB" sz="2000" b="0" strike="noStrike" spc="-1">
+              <a:latin typeface="Arial"/>
+            </a:endParaRPr>
+          </a:p>
+          <a:p>
+            <a:pPr>
+              <a:lnSpc>
+                <a:spcPct val="100000"/>
+              </a:lnSpc>
+              <a:spcBef>
+                <a:spcPts val="400"/>
               </a:spcBef>
               <a:tabLst>
                 <a:tab pos="0" algn="l"/>
               </a:tabLst>
             </a:pPr>
             <a:r>
-              <a:rPr lang="en-GB" sz="2400" b="1" strike="noStrike" spc="-1" dirty="0" err="1">
+              <a:rPr lang="en-GB" sz="2000" b="0" strike="noStrike" spc="-1">
                 <a:solidFill>
                   <a:srgbClr val="000000"/>
                 </a:solidFill>
                 <a:latin typeface="Courier New"/>
                 <a:ea typeface="Calibri"/>
               </a:rPr>
-              <a:t>compare_means</a:t>
-            </a:r>
-            <a:r>
-              <a:rPr lang="en-GB" sz="2400" b="0" strike="noStrike" spc="-1" dirty="0">
+              <a:t>wilcox.test(y~A) </a:t>
+            </a:r>
+            <a:r>
+              <a:rPr lang="en-GB" sz="2000" b="0" strike="noStrike" spc="-1">
+                <a:solidFill>
+                  <a:srgbClr val="000000"/>
+                </a:solidFill>
+                <a:latin typeface="Calibri"/>
+                <a:ea typeface="Calibri"/>
+              </a:rPr>
+              <a:t># where y is numeric and A is A binary factor</a:t>
+            </a:r>
+            <a:endParaRPr lang="en-GB" sz="2000" b="0" strike="noStrike" spc="-1">
+              <a:latin typeface="Arial"/>
+            </a:endParaRPr>
+          </a:p>
+          <a:p>
+            <a:pPr>
+              <a:lnSpc>
+                <a:spcPct val="100000"/>
+              </a:lnSpc>
+              <a:spcBef>
+                <a:spcPts val="400"/>
+              </a:spcBef>
+              <a:tabLst>
+                <a:tab pos="0" algn="l"/>
+              </a:tabLst>
+            </a:pPr>
+            <a:r>
+              <a:rPr lang="en-GB" sz="2000" b="0" strike="noStrike" spc="-1">
                 <a:solidFill>
                   <a:srgbClr val="000000"/>
                 </a:solidFill>
                 <a:latin typeface="Courier New"/>
                 <a:ea typeface="Calibri"/>
               </a:rPr>
-              <a:t>(formula, data, method = "</a:t>
-            </a:r>
-            <a:r>
-              <a:rPr lang="en-GB" sz="2400" b="0" strike="noStrike" spc="-1" dirty="0" err="1">
+              <a:t>wilcox.test(y,x)</a:t>
+            </a:r>
+            <a:r>
+              <a:rPr lang="en-GB" sz="2000" b="0" strike="noStrike" spc="-1">
+                <a:solidFill>
+                  <a:srgbClr val="000000"/>
+                </a:solidFill>
+                <a:latin typeface="Calibri"/>
+                <a:ea typeface="Calibri"/>
+              </a:rPr>
+              <a:t> # where y and x are numeric</a:t>
+            </a:r>
+            <a:endParaRPr lang="en-GB" sz="2000" b="0" strike="noStrike" spc="-1">
+              <a:latin typeface="Arial"/>
+            </a:endParaRPr>
+          </a:p>
+          <a:p>
+            <a:pPr marL="343080" indent="-342000">
+              <a:lnSpc>
+                <a:spcPct val="100000"/>
+              </a:lnSpc>
+              <a:spcBef>
+                <a:spcPts val="400"/>
+              </a:spcBef>
+              <a:buClr>
+                <a:srgbClr val="000000"/>
+              </a:buClr>
+              <a:buFont typeface="Courier New"/>
+              <a:buChar char="o"/>
+              <a:tabLst>
+                <a:tab pos="0" algn="l"/>
+              </a:tabLst>
+            </a:pPr>
+            <a:r>
+              <a:rPr lang="en-GB" sz="2000" b="0" strike="noStrike" spc="-1">
+                <a:solidFill>
+                  <a:srgbClr val="000000"/>
+                </a:solidFill>
+                <a:latin typeface="Calibri"/>
+                <a:ea typeface="Calibri"/>
+              </a:rPr>
+              <a:t>Paired 2-group Wilcoxon Signed Rank Test</a:t>
+            </a:r>
+            <a:endParaRPr lang="en-GB" sz="2000" b="0" strike="noStrike" spc="-1">
+              <a:latin typeface="Arial"/>
+            </a:endParaRPr>
+          </a:p>
+          <a:p>
+            <a:pPr>
+              <a:lnSpc>
+                <a:spcPct val="100000"/>
+              </a:lnSpc>
+              <a:spcBef>
+                <a:spcPts val="400"/>
+              </a:spcBef>
+              <a:tabLst>
+                <a:tab pos="0" algn="l"/>
+              </a:tabLst>
+            </a:pPr>
+            <a:r>
+              <a:rPr lang="en-GB" sz="2000" b="0" strike="noStrike" spc="-1">
                 <a:solidFill>
                   <a:srgbClr val="000000"/>
                 </a:solidFill>
                 <a:latin typeface="Courier New"/>
                 <a:ea typeface="Calibri"/>
               </a:rPr>
-              <a:t>wilcox.test</a:t>
-            </a:r>
-            <a:r>
-              <a:rPr lang="en-GB" sz="2400" b="0" strike="noStrike" spc="-1" dirty="0">
+              <a:t>wilcox.test(y1,y2, paired=TRUE) </a:t>
+            </a:r>
+            <a:r>
+              <a:rPr lang="en-GB" sz="2000" b="0" strike="noStrike" spc="-1">
                 <a:solidFill>
                   <a:srgbClr val="000000"/>
                 </a:solidFill>
-                <a:latin typeface="Courier New"/>
+                <a:latin typeface="Calibri"/>
                 <a:ea typeface="Calibri"/>
               </a:rPr>
-              <a:t>", paired = FALSE, </a:t>
-            </a:r>
-            <a:r>
-              <a:rPr lang="en-GB" sz="2400" b="0" strike="noStrike" spc="-1" dirty="0" err="1">
-                <a:solidFill>
-                  <a:srgbClr val="000000"/>
-                </a:solidFill>
-                <a:latin typeface="Courier New"/>
-                <a:ea typeface="Calibri"/>
-              </a:rPr>
-              <a:t>group.by</a:t>
-            </a:r>
-            <a:r>
-              <a:rPr lang="en-GB" sz="2400" b="0" strike="noStrike" spc="-1" dirty="0">
-                <a:solidFill>
-                  <a:srgbClr val="000000"/>
-                </a:solidFill>
-                <a:latin typeface="Courier New"/>
-                <a:ea typeface="Calibri"/>
-              </a:rPr>
-              <a:t> = NULL, </a:t>
-            </a:r>
-            <a:r>
-              <a:rPr lang="en-GB" sz="2400" b="0" strike="noStrike" spc="-1" dirty="0" err="1">
-                <a:solidFill>
-                  <a:srgbClr val="000000"/>
-                </a:solidFill>
-                <a:latin typeface="Courier New"/>
-                <a:ea typeface="Calibri"/>
-              </a:rPr>
-              <a:t>ref.group</a:t>
-            </a:r>
-            <a:r>
-              <a:rPr lang="en-GB" sz="2400" b="0" strike="noStrike" spc="-1" dirty="0">
-                <a:solidFill>
-                  <a:srgbClr val="000000"/>
-                </a:solidFill>
-                <a:latin typeface="Courier New"/>
-                <a:ea typeface="Calibri"/>
-              </a:rPr>
-              <a:t> = NULL, </a:t>
-            </a:r>
-            <a:r>
-              <a:rPr lang="en-GB" sz="2400" b="1" strike="noStrike" spc="-1" dirty="0">
-                <a:solidFill>
-                  <a:srgbClr val="000000"/>
-                </a:solidFill>
-                <a:latin typeface="Courier New"/>
-                <a:ea typeface="Calibri"/>
-              </a:rPr>
-              <a:t>...</a:t>
-            </a:r>
-            <a:r>
-              <a:rPr lang="en-GB" sz="2400" b="0" strike="noStrike" spc="-1" dirty="0">
-                <a:solidFill>
-                  <a:srgbClr val="000000"/>
-                </a:solidFill>
-                <a:latin typeface="Courier New"/>
-                <a:ea typeface="Calibri"/>
-              </a:rPr>
-              <a:t>)</a:t>
-            </a:r>
-            <a:endParaRPr lang="en-GB" sz="2400" b="0" strike="noStrike" spc="-1" dirty="0">
+              <a:t># where y1 and y2 are numeric</a:t>
+            </a:r>
+            <a:endParaRPr lang="en-GB" sz="2000" b="0" strike="noStrike" spc="-1">
               <a:latin typeface="Arial"/>
             </a:endParaRPr>
           </a:p>
@@ -12906,73 +13987,7 @@
                 <a:spcPct val="100000"/>
               </a:lnSpc>
               <a:spcBef>
-                <a:spcPts val="479"/>
-              </a:spcBef>
-              <a:tabLst>
-                <a:tab pos="0" algn="l"/>
-              </a:tabLst>
-            </a:pPr>
-            <a:r>
-              <a:rPr lang="en-GB" sz="2400" b="0" strike="noStrike" spc="-1" dirty="0">
-                <a:solidFill>
-                  <a:srgbClr val="000000"/>
-                </a:solidFill>
-                <a:latin typeface="Calibri"/>
-                <a:ea typeface="Calibri"/>
-              </a:rPr>
-              <a:t>*method = "</a:t>
-            </a:r>
-            <a:r>
-              <a:rPr lang="en-GB" sz="2400" b="0" strike="noStrike" spc="-1" dirty="0" err="1">
-                <a:solidFill>
-                  <a:srgbClr val="000000"/>
-                </a:solidFill>
-                <a:latin typeface="Calibri"/>
-                <a:ea typeface="Calibri"/>
-              </a:rPr>
-              <a:t>t.test</a:t>
-            </a:r>
-            <a:r>
-              <a:rPr lang="en-GB" sz="2400" b="0" strike="noStrike" spc="-1" dirty="0">
-                <a:solidFill>
-                  <a:srgbClr val="000000"/>
-                </a:solidFill>
-                <a:latin typeface="Calibri"/>
-                <a:ea typeface="Calibri"/>
-              </a:rPr>
-              <a:t>", "</a:t>
-            </a:r>
-            <a:r>
-              <a:rPr lang="en-GB" sz="2400" b="0" strike="noStrike" spc="-1" dirty="0" err="1">
-                <a:solidFill>
-                  <a:srgbClr val="000000"/>
-                </a:solidFill>
-                <a:latin typeface="Calibri"/>
-                <a:ea typeface="Calibri"/>
-              </a:rPr>
-              <a:t>anova</a:t>
-            </a:r>
-            <a:r>
-              <a:rPr lang="en-GB" sz="2400" b="0" strike="noStrike" spc="-1" dirty="0">
-                <a:solidFill>
-                  <a:srgbClr val="000000"/>
-                </a:solidFill>
-                <a:latin typeface="Calibri"/>
-                <a:ea typeface="Calibri"/>
-              </a:rPr>
-              <a:t>"</a:t>
-            </a:r>
-            <a:endParaRPr lang="en-GB" sz="2400" b="0" strike="noStrike" spc="-1" dirty="0">
-              <a:latin typeface="Arial"/>
-            </a:endParaRPr>
-          </a:p>
-          <a:p>
-            <a:pPr marL="343080" indent="-342000">
-              <a:lnSpc>
-                <a:spcPct val="100000"/>
-              </a:lnSpc>
-              <a:spcBef>
-                <a:spcPts val="479"/>
+                <a:spcPts val="400"/>
               </a:spcBef>
               <a:buClr>
                 <a:srgbClr val="000000"/>
@@ -12984,16 +13999,16 @@
               </a:tabLst>
             </a:pPr>
             <a:r>
-              <a:rPr lang="en-GB" sz="2400" b="0" strike="noStrike" spc="-1" dirty="0">
+              <a:rPr lang="en-GB" sz="2000" b="0" strike="noStrike" spc="-1">
                 <a:solidFill>
                   <a:srgbClr val="000000"/>
                 </a:solidFill>
                 <a:latin typeface="Calibri"/>
                 <a:ea typeface="Calibri"/>
               </a:rPr>
-              <a:t>Or just add the significance levels to the plot</a:t>
-            </a:r>
-            <a:endParaRPr lang="en-GB" sz="2400" b="0" strike="noStrike" spc="-1" dirty="0">
+              <a:t>More than 2 groups - analysis of variance (ANOVA, parametric)</a:t>
+            </a:r>
+            <a:endParaRPr lang="en-GB" sz="2000" b="0" strike="noStrike" spc="-1">
               <a:latin typeface="Arial"/>
             </a:endParaRPr>
           </a:p>
@@ -13003,205 +14018,25 @@
                 <a:spcPct val="100000"/>
               </a:lnSpc>
               <a:spcBef>
-                <a:spcPts val="479"/>
+                <a:spcPts val="400"/>
               </a:spcBef>
               <a:tabLst>
                 <a:tab pos="0" algn="l"/>
               </a:tabLst>
             </a:pPr>
             <a:r>
-              <a:rPr lang="en-GB" sz="2400" b="1" strike="noStrike" spc="-1" dirty="0" err="1">
+              <a:rPr lang="en-GB" sz="2000" b="0" strike="noStrike" spc="-1">
                 <a:solidFill>
                   <a:srgbClr val="000000"/>
                 </a:solidFill>
                 <a:latin typeface="Courier New"/>
                 <a:ea typeface="Calibri"/>
               </a:rPr>
-              <a:t>stat_compare_means</a:t>
-            </a:r>
-            <a:r>
-              <a:rPr lang="en-GB" sz="2400" b="0" strike="noStrike" spc="-1" dirty="0">
-                <a:solidFill>
-                  <a:srgbClr val="000000"/>
-                </a:solidFill>
-                <a:latin typeface="Courier New"/>
-                <a:ea typeface="Calibri"/>
-              </a:rPr>
-              <a:t>(mapping = NULL, comparisons = NULL, </a:t>
-            </a:r>
-            <a:r>
-              <a:rPr lang="en-GB" sz="2400" b="0" strike="noStrike" spc="-1" dirty="0" err="1">
-                <a:solidFill>
-                  <a:srgbClr val="000000"/>
-                </a:solidFill>
-                <a:latin typeface="Courier New"/>
-                <a:ea typeface="Calibri"/>
-              </a:rPr>
-              <a:t>hide.ns</a:t>
-            </a:r>
-            <a:r>
-              <a:rPr lang="en-GB" sz="2400" b="0" strike="noStrike" spc="-1" dirty="0">
-                <a:solidFill>
-                  <a:srgbClr val="000000"/>
-                </a:solidFill>
-                <a:latin typeface="Courier New"/>
-                <a:ea typeface="Calibri"/>
-              </a:rPr>
-              <a:t> = FALSE, label = NULL, </a:t>
-            </a:r>
-            <a:r>
-              <a:rPr lang="en-GB" sz="2400" b="0" strike="noStrike" spc="-1" dirty="0" err="1">
-                <a:solidFill>
-                  <a:srgbClr val="000000"/>
-                </a:solidFill>
-                <a:latin typeface="Courier New"/>
-                <a:ea typeface="Calibri"/>
-              </a:rPr>
-              <a:t>label.x</a:t>
-            </a:r>
-            <a:r>
-              <a:rPr lang="en-GB" sz="2400" b="0" strike="noStrike" spc="-1" dirty="0">
-                <a:solidFill>
-                  <a:srgbClr val="000000"/>
-                </a:solidFill>
-                <a:latin typeface="Courier New"/>
-                <a:ea typeface="Calibri"/>
-              </a:rPr>
-              <a:t> = NULL, </a:t>
-            </a:r>
-            <a:r>
-              <a:rPr lang="en-GB" sz="2400" b="0" strike="noStrike" spc="-1" dirty="0" err="1">
-                <a:solidFill>
-                  <a:srgbClr val="000000"/>
-                </a:solidFill>
-                <a:latin typeface="Courier New"/>
-                <a:ea typeface="Calibri"/>
-              </a:rPr>
-              <a:t>label.y</a:t>
-            </a:r>
-            <a:r>
-              <a:rPr lang="en-GB" sz="2400" b="0" strike="noStrike" spc="-1" dirty="0">
-                <a:solidFill>
-                  <a:srgbClr val="000000"/>
-                </a:solidFill>
-                <a:latin typeface="Courier New"/>
-                <a:ea typeface="Calibri"/>
-              </a:rPr>
-              <a:t> = NULL, </a:t>
-            </a:r>
-            <a:r>
-              <a:rPr lang="en-GB" sz="2400" b="1" strike="noStrike" spc="-1" dirty="0">
-                <a:solidFill>
-                  <a:srgbClr val="000000"/>
-                </a:solidFill>
-                <a:latin typeface="Courier New"/>
-                <a:ea typeface="Calibri"/>
-              </a:rPr>
-              <a:t>...</a:t>
-            </a:r>
-            <a:r>
-              <a:rPr lang="en-GB" sz="2400" b="0" strike="noStrike" spc="-1" dirty="0">
-                <a:solidFill>
-                  <a:srgbClr val="000000"/>
-                </a:solidFill>
-                <a:latin typeface="Courier New"/>
-                <a:ea typeface="Calibri"/>
-              </a:rPr>
-              <a:t>)</a:t>
-            </a:r>
-            <a:endParaRPr lang="en-GB" sz="2400" b="0" strike="noStrike" spc="-1" dirty="0">
-              <a:latin typeface="Arial"/>
-            </a:endParaRPr>
-          </a:p>
-          <a:p>
-            <a:pPr marL="342900" indent="-342900">
-              <a:lnSpc>
-                <a:spcPct val="100000"/>
-              </a:lnSpc>
-              <a:spcBef>
-                <a:spcPts val="641"/>
-              </a:spcBef>
-              <a:buFont typeface="Arial" panose="020B0604020202020204" pitchFamily="34" charset="0"/>
-              <a:buChar char="•"/>
-              <a:tabLst>
-                <a:tab pos="0" algn="l"/>
-              </a:tabLst>
-            </a:pPr>
-            <a:r>
-              <a:rPr lang="en-GB" sz="2400" b="0" strike="noStrike" spc="-1" dirty="0">
-                <a:latin typeface="Arial"/>
-              </a:rPr>
-              <a:t>If adjusted p-values are required</a:t>
-            </a:r>
-          </a:p>
-          <a:p>
-            <a:pPr>
-              <a:lnSpc>
-                <a:spcPct val="100000"/>
-              </a:lnSpc>
-              <a:spcBef>
-                <a:spcPts val="641"/>
-              </a:spcBef>
-              <a:tabLst>
-                <a:tab pos="0" algn="l"/>
-              </a:tabLst>
-            </a:pPr>
-            <a:r>
-              <a:rPr lang="en-GB" sz="2400" b="1" spc="-1" dirty="0" err="1">
-                <a:latin typeface="Courier New" panose="02070309020205020404" pitchFamily="49" charset="0"/>
-                <a:cs typeface="Courier New" panose="02070309020205020404" pitchFamily="49" charset="0"/>
-              </a:rPr>
-              <a:t>stat_pvalue_manual</a:t>
-            </a:r>
-            <a:r>
-              <a:rPr lang="en-GB" sz="2400" spc="-1" dirty="0">
-                <a:latin typeface="Courier New" panose="02070309020205020404" pitchFamily="49" charset="0"/>
-                <a:cs typeface="Courier New" panose="02070309020205020404" pitchFamily="49" charset="0"/>
-              </a:rPr>
-              <a:t>(</a:t>
-            </a:r>
-            <a:r>
-              <a:rPr lang="en-GB" sz="2400" spc="-1" dirty="0" err="1">
-                <a:latin typeface="Courier New" panose="02070309020205020404" pitchFamily="49" charset="0"/>
-                <a:cs typeface="Courier New" panose="02070309020205020404" pitchFamily="49" charset="0"/>
-              </a:rPr>
-              <a:t>stat.test</a:t>
-            </a:r>
-            <a:r>
-              <a:rPr lang="en-GB" sz="2400" spc="-1" dirty="0">
-                <a:latin typeface="Courier New" panose="02070309020205020404" pitchFamily="49" charset="0"/>
-                <a:cs typeface="Courier New" panose="02070309020205020404" pitchFamily="49" charset="0"/>
-              </a:rPr>
-              <a:t>, label = "</a:t>
-            </a:r>
-            <a:r>
-              <a:rPr lang="en-GB" sz="2400" spc="-1" dirty="0" err="1">
-                <a:latin typeface="Courier New" panose="02070309020205020404" pitchFamily="49" charset="0"/>
-                <a:cs typeface="Courier New" panose="02070309020205020404" pitchFamily="49" charset="0"/>
-              </a:rPr>
-              <a:t>p.adj.signif</a:t>
-            </a:r>
-            <a:r>
-              <a:rPr lang="en-GB" sz="2400" spc="-1" dirty="0">
-                <a:latin typeface="Courier New" panose="02070309020205020404" pitchFamily="49" charset="0"/>
-                <a:cs typeface="Courier New" panose="02070309020205020404" pitchFamily="49" charset="0"/>
-              </a:rPr>
-              <a:t>”, </a:t>
-            </a:r>
-            <a:r>
-              <a:rPr lang="en-GB" sz="2400" spc="-1" dirty="0" err="1">
-                <a:latin typeface="Courier New" panose="02070309020205020404" pitchFamily="49" charset="0"/>
-                <a:cs typeface="Courier New" panose="02070309020205020404" pitchFamily="49" charset="0"/>
-              </a:rPr>
-              <a:t>hide.ns</a:t>
-            </a:r>
-            <a:r>
-              <a:rPr lang="en-GB" sz="2400" spc="-1" dirty="0">
-                <a:latin typeface="Courier New" panose="02070309020205020404" pitchFamily="49" charset="0"/>
-                <a:cs typeface="Courier New" panose="02070309020205020404" pitchFamily="49" charset="0"/>
-              </a:rPr>
-              <a:t> = TRUE, ...)</a:t>
-            </a:r>
+              <a:t>aov(), anova()</a:t>
+            </a:r>
+            <a:endParaRPr lang="en-GB" sz="2000" b="0" strike="noStrike" spc="-1">
+              <a:latin typeface="Arial"/>
+            </a:endParaRPr>
           </a:p>
         </p:txBody>
       </p:sp>
@@ -13232,7 +14067,7 @@
       </p:grpSpPr>
       <p:sp>
         <p:nvSpPr>
-          <p:cNvPr id="198" name="CustomShape 1"/>
+          <p:cNvPr id="196" name="CustomShape 1"/>
           <p:cNvSpPr/>
           <p:nvPr/>
         </p:nvSpPr>
@@ -13263,7 +14098,7 @@
         </p:style>
         <p:txBody>
           <a:bodyPr lIns="90000" tIns="45000" rIns="90000" bIns="45000" anchor="ctr">
-            <a:normAutofit fontScale="90000" lnSpcReduction="20000"/>
+            <a:noAutofit/>
           </a:bodyPr>
           <a:lstStyle/>
           <a:p>
@@ -13280,7 +14115,7 @@
                 <a:latin typeface="Calibri"/>
                 <a:ea typeface="DejaVu Sans"/>
               </a:rPr>
-              <a:t>Adding statistics to the plots - alternatively</a:t>
+              <a:t>Adding statistics to the plots</a:t>
             </a:r>
             <a:endParaRPr lang="en-GB" sz="4400" b="0" strike="noStrike" spc="-1">
               <a:latin typeface="Arial"/>
@@ -13290,7 +14125,7 @@
       </p:sp>
       <p:sp>
         <p:nvSpPr>
-          <p:cNvPr id="199" name="CustomShape 2"/>
+          <p:cNvPr id="197" name="CustomShape 2"/>
           <p:cNvSpPr/>
           <p:nvPr/>
         </p:nvSpPr>
@@ -13321,6 +14156,633 @@
         </p:style>
         <p:txBody>
           <a:bodyPr lIns="90000" tIns="45000" rIns="90000" bIns="45000">
+            <a:normAutofit fontScale="92500" lnSpcReduction="10000"/>
+          </a:bodyPr>
+          <a:lstStyle/>
+          <a:p>
+            <a:pPr>
+              <a:lnSpc>
+                <a:spcPct val="100000"/>
+              </a:lnSpc>
+              <a:spcBef>
+                <a:spcPts val="479"/>
+              </a:spcBef>
+              <a:tabLst>
+                <a:tab pos="0" algn="l"/>
+              </a:tabLst>
+            </a:pPr>
+            <a:r>
+              <a:rPr lang="en-GB" sz="2400" b="0" strike="noStrike" spc="-1" dirty="0">
+                <a:solidFill>
+                  <a:srgbClr val="000000"/>
+                </a:solidFill>
+                <a:latin typeface="Courier New"/>
+                <a:ea typeface="DejaVu Sans"/>
+              </a:rPr>
+              <a:t>library</a:t>
+            </a:r>
+            <a:r>
+              <a:rPr lang="en-GB" sz="2400" b="1" strike="noStrike" spc="-1" dirty="0">
+                <a:solidFill>
+                  <a:srgbClr val="000000"/>
+                </a:solidFill>
+                <a:latin typeface="Courier New"/>
+                <a:ea typeface="DejaVu Sans"/>
+              </a:rPr>
+              <a:t>(</a:t>
+            </a:r>
+            <a:r>
+              <a:rPr lang="en-GB" sz="2400" b="1" strike="noStrike" spc="-1" dirty="0" err="1">
+                <a:solidFill>
+                  <a:srgbClr val="000000"/>
+                </a:solidFill>
+                <a:latin typeface="Courier New"/>
+                <a:ea typeface="Calibri"/>
+              </a:rPr>
+              <a:t>ggpubr</a:t>
+            </a:r>
+            <a:r>
+              <a:rPr lang="en-GB" sz="2400" b="1" strike="noStrike" spc="-1" dirty="0">
+                <a:solidFill>
+                  <a:srgbClr val="000000"/>
+                </a:solidFill>
+                <a:latin typeface="Courier New"/>
+                <a:ea typeface="Calibri"/>
+              </a:rPr>
+              <a:t>)</a:t>
+            </a:r>
+            <a:endParaRPr lang="en-GB" sz="2400" b="0" strike="noStrike" spc="-1" dirty="0">
+              <a:latin typeface="Arial"/>
+            </a:endParaRPr>
+          </a:p>
+          <a:p>
+            <a:pPr marL="343080" indent="-342000">
+              <a:lnSpc>
+                <a:spcPct val="100000"/>
+              </a:lnSpc>
+              <a:spcBef>
+                <a:spcPts val="479"/>
+              </a:spcBef>
+              <a:buClr>
+                <a:srgbClr val="000000"/>
+              </a:buClr>
+              <a:buFont typeface="Arial"/>
+              <a:buChar char="•"/>
+              <a:tabLst>
+                <a:tab pos="0" algn="l"/>
+              </a:tabLst>
+            </a:pPr>
+            <a:r>
+              <a:rPr lang="en-GB" sz="2400" b="0" strike="noStrike" spc="-1" dirty="0">
+                <a:solidFill>
+                  <a:srgbClr val="000000"/>
+                </a:solidFill>
+                <a:latin typeface="Calibri"/>
+                <a:ea typeface="Calibri"/>
+              </a:rPr>
+              <a:t>Perform the test</a:t>
+            </a:r>
+            <a:endParaRPr lang="en-GB" sz="2400" b="0" strike="noStrike" spc="-1" dirty="0">
+              <a:latin typeface="Arial"/>
+            </a:endParaRPr>
+          </a:p>
+          <a:p>
+            <a:pPr marL="343080" indent="-342000" algn="just">
+              <a:lnSpc>
+                <a:spcPct val="100000"/>
+              </a:lnSpc>
+              <a:spcBef>
+                <a:spcPts val="479"/>
+              </a:spcBef>
+              <a:tabLst>
+                <a:tab pos="0" algn="l"/>
+              </a:tabLst>
+            </a:pPr>
+            <a:r>
+              <a:rPr lang="en-GB" sz="2400" b="1" strike="noStrike" spc="-1" dirty="0" err="1">
+                <a:solidFill>
+                  <a:srgbClr val="000000"/>
+                </a:solidFill>
+                <a:latin typeface="Courier New"/>
+                <a:ea typeface="Calibri"/>
+              </a:rPr>
+              <a:t>compare_means</a:t>
+            </a:r>
+            <a:r>
+              <a:rPr lang="en-GB" sz="2400" b="0" strike="noStrike" spc="-1" dirty="0">
+                <a:solidFill>
+                  <a:srgbClr val="000000"/>
+                </a:solidFill>
+                <a:latin typeface="Courier New"/>
+                <a:ea typeface="Calibri"/>
+              </a:rPr>
+              <a:t>(formula, data, method = "</a:t>
+            </a:r>
+            <a:r>
+              <a:rPr lang="en-GB" sz="2400" b="0" strike="noStrike" spc="-1" dirty="0" err="1">
+                <a:solidFill>
+                  <a:srgbClr val="000000"/>
+                </a:solidFill>
+                <a:latin typeface="Courier New"/>
+                <a:ea typeface="Calibri"/>
+              </a:rPr>
+              <a:t>wilcox.test</a:t>
+            </a:r>
+            <a:r>
+              <a:rPr lang="en-GB" sz="2400" b="0" strike="noStrike" spc="-1" dirty="0">
+                <a:solidFill>
+                  <a:srgbClr val="000000"/>
+                </a:solidFill>
+                <a:latin typeface="Courier New"/>
+                <a:ea typeface="Calibri"/>
+              </a:rPr>
+              <a:t>", paired = FALSE, </a:t>
+            </a:r>
+            <a:r>
+              <a:rPr lang="en-GB" sz="2400" b="0" strike="noStrike" spc="-1" dirty="0" err="1">
+                <a:solidFill>
+                  <a:srgbClr val="000000"/>
+                </a:solidFill>
+                <a:latin typeface="Courier New"/>
+                <a:ea typeface="Calibri"/>
+              </a:rPr>
+              <a:t>group.by</a:t>
+            </a:r>
+            <a:r>
+              <a:rPr lang="en-GB" sz="2400" b="0" strike="noStrike" spc="-1" dirty="0">
+                <a:solidFill>
+                  <a:srgbClr val="000000"/>
+                </a:solidFill>
+                <a:latin typeface="Courier New"/>
+                <a:ea typeface="Calibri"/>
+              </a:rPr>
+              <a:t> = NULL, </a:t>
+            </a:r>
+            <a:r>
+              <a:rPr lang="en-GB" sz="2400" b="0" strike="noStrike" spc="-1" dirty="0" err="1">
+                <a:solidFill>
+                  <a:srgbClr val="000000"/>
+                </a:solidFill>
+                <a:latin typeface="Courier New"/>
+                <a:ea typeface="Calibri"/>
+              </a:rPr>
+              <a:t>ref.group</a:t>
+            </a:r>
+            <a:r>
+              <a:rPr lang="en-GB" sz="2400" b="0" strike="noStrike" spc="-1" dirty="0">
+                <a:solidFill>
+                  <a:srgbClr val="000000"/>
+                </a:solidFill>
+                <a:latin typeface="Courier New"/>
+                <a:ea typeface="Calibri"/>
+              </a:rPr>
+              <a:t> = NULL, </a:t>
+            </a:r>
+            <a:r>
+              <a:rPr lang="en-GB" sz="2400" b="1" strike="noStrike" spc="-1" dirty="0">
+                <a:solidFill>
+                  <a:srgbClr val="000000"/>
+                </a:solidFill>
+                <a:latin typeface="Courier New"/>
+                <a:ea typeface="Calibri"/>
+              </a:rPr>
+              <a:t>...</a:t>
+            </a:r>
+            <a:r>
+              <a:rPr lang="en-GB" sz="2400" b="0" strike="noStrike" spc="-1" dirty="0">
+                <a:solidFill>
+                  <a:srgbClr val="000000"/>
+                </a:solidFill>
+                <a:latin typeface="Courier New"/>
+                <a:ea typeface="Calibri"/>
+              </a:rPr>
+              <a:t>)</a:t>
+            </a:r>
+            <a:endParaRPr lang="en-GB" sz="2400" b="0" strike="noStrike" spc="-1" dirty="0">
+              <a:latin typeface="Arial"/>
+            </a:endParaRPr>
+          </a:p>
+          <a:p>
+            <a:pPr marL="343080" indent="-342000">
+              <a:lnSpc>
+                <a:spcPct val="100000"/>
+              </a:lnSpc>
+              <a:spcBef>
+                <a:spcPts val="479"/>
+              </a:spcBef>
+              <a:tabLst>
+                <a:tab pos="0" algn="l"/>
+              </a:tabLst>
+            </a:pPr>
+            <a:r>
+              <a:rPr lang="en-GB" sz="2400" b="0" strike="noStrike" spc="-1" dirty="0">
+                <a:solidFill>
+                  <a:srgbClr val="000000"/>
+                </a:solidFill>
+                <a:latin typeface="Calibri"/>
+                <a:ea typeface="Calibri"/>
+              </a:rPr>
+              <a:t>*method = "</a:t>
+            </a:r>
+            <a:r>
+              <a:rPr lang="en-GB" sz="2400" b="0" strike="noStrike" spc="-1" dirty="0" err="1">
+                <a:solidFill>
+                  <a:srgbClr val="000000"/>
+                </a:solidFill>
+                <a:latin typeface="Calibri"/>
+                <a:ea typeface="Calibri"/>
+              </a:rPr>
+              <a:t>t.test</a:t>
+            </a:r>
+            <a:r>
+              <a:rPr lang="en-GB" sz="2400" b="0" strike="noStrike" spc="-1" dirty="0">
+                <a:solidFill>
+                  <a:srgbClr val="000000"/>
+                </a:solidFill>
+                <a:latin typeface="Calibri"/>
+                <a:ea typeface="Calibri"/>
+              </a:rPr>
+              <a:t>", "</a:t>
+            </a:r>
+            <a:r>
+              <a:rPr lang="en-GB" sz="2400" b="0" strike="noStrike" spc="-1" dirty="0" err="1">
+                <a:solidFill>
+                  <a:srgbClr val="000000"/>
+                </a:solidFill>
+                <a:latin typeface="Calibri"/>
+                <a:ea typeface="Calibri"/>
+              </a:rPr>
+              <a:t>anova</a:t>
+            </a:r>
+            <a:r>
+              <a:rPr lang="en-GB" sz="2400" b="0" strike="noStrike" spc="-1" dirty="0">
+                <a:solidFill>
+                  <a:srgbClr val="000000"/>
+                </a:solidFill>
+                <a:latin typeface="Calibri"/>
+                <a:ea typeface="Calibri"/>
+              </a:rPr>
+              <a:t>"</a:t>
+            </a:r>
+            <a:endParaRPr lang="en-GB" sz="2400" b="0" strike="noStrike" spc="-1" dirty="0">
+              <a:latin typeface="Arial"/>
+            </a:endParaRPr>
+          </a:p>
+          <a:p>
+            <a:pPr marL="343080" indent="-342000">
+              <a:lnSpc>
+                <a:spcPct val="100000"/>
+              </a:lnSpc>
+              <a:spcBef>
+                <a:spcPts val="479"/>
+              </a:spcBef>
+              <a:buClr>
+                <a:srgbClr val="000000"/>
+              </a:buClr>
+              <a:buFont typeface="Arial"/>
+              <a:buChar char="•"/>
+              <a:tabLst>
+                <a:tab pos="0" algn="l"/>
+              </a:tabLst>
+            </a:pPr>
+            <a:r>
+              <a:rPr lang="en-GB" sz="2400" b="0" strike="noStrike" spc="-1" dirty="0">
+                <a:solidFill>
+                  <a:srgbClr val="000000"/>
+                </a:solidFill>
+                <a:latin typeface="Calibri"/>
+                <a:ea typeface="Calibri"/>
+              </a:rPr>
+              <a:t>Or just add the significance levels to the plot</a:t>
+            </a:r>
+            <a:endParaRPr lang="en-GB" sz="2400" b="0" strike="noStrike" spc="-1" dirty="0">
+              <a:latin typeface="Arial"/>
+            </a:endParaRPr>
+          </a:p>
+          <a:p>
+            <a:pPr>
+              <a:lnSpc>
+                <a:spcPct val="100000"/>
+              </a:lnSpc>
+              <a:spcBef>
+                <a:spcPts val="479"/>
+              </a:spcBef>
+              <a:tabLst>
+                <a:tab pos="0" algn="l"/>
+              </a:tabLst>
+            </a:pPr>
+            <a:r>
+              <a:rPr lang="en-GB" sz="2400" b="1" strike="noStrike" spc="-1" dirty="0" err="1">
+                <a:solidFill>
+                  <a:srgbClr val="000000"/>
+                </a:solidFill>
+                <a:latin typeface="Courier New"/>
+                <a:ea typeface="Calibri"/>
+              </a:rPr>
+              <a:t>stat_compare_means</a:t>
+            </a:r>
+            <a:r>
+              <a:rPr lang="en-GB" sz="2400" b="0" strike="noStrike" spc="-1" dirty="0">
+                <a:solidFill>
+                  <a:srgbClr val="000000"/>
+                </a:solidFill>
+                <a:latin typeface="Courier New"/>
+                <a:ea typeface="Calibri"/>
+              </a:rPr>
+              <a:t>(mapping = NULL, comparisons = NULL, </a:t>
+            </a:r>
+            <a:r>
+              <a:rPr lang="en-GB" sz="2400" b="0" strike="noStrike" spc="-1" dirty="0" err="1">
+                <a:solidFill>
+                  <a:srgbClr val="000000"/>
+                </a:solidFill>
+                <a:latin typeface="Courier New"/>
+                <a:ea typeface="Calibri"/>
+              </a:rPr>
+              <a:t>hide.ns</a:t>
+            </a:r>
+            <a:r>
+              <a:rPr lang="en-GB" sz="2400" b="0" strike="noStrike" spc="-1" dirty="0">
+                <a:solidFill>
+                  <a:srgbClr val="000000"/>
+                </a:solidFill>
+                <a:latin typeface="Courier New"/>
+                <a:ea typeface="Calibri"/>
+              </a:rPr>
+              <a:t> = FALSE, label = NULL, </a:t>
+            </a:r>
+            <a:r>
+              <a:rPr lang="en-GB" sz="2400" b="0" strike="noStrike" spc="-1" dirty="0" err="1">
+                <a:solidFill>
+                  <a:srgbClr val="000000"/>
+                </a:solidFill>
+                <a:latin typeface="Courier New"/>
+                <a:ea typeface="Calibri"/>
+              </a:rPr>
+              <a:t>label.x</a:t>
+            </a:r>
+            <a:r>
+              <a:rPr lang="en-GB" sz="2400" b="0" strike="noStrike" spc="-1" dirty="0">
+                <a:solidFill>
+                  <a:srgbClr val="000000"/>
+                </a:solidFill>
+                <a:latin typeface="Courier New"/>
+                <a:ea typeface="Calibri"/>
+              </a:rPr>
+              <a:t> = NULL, </a:t>
+            </a:r>
+            <a:r>
+              <a:rPr lang="en-GB" sz="2400" b="0" strike="noStrike" spc="-1" dirty="0" err="1">
+                <a:solidFill>
+                  <a:srgbClr val="000000"/>
+                </a:solidFill>
+                <a:latin typeface="Courier New"/>
+                <a:ea typeface="Calibri"/>
+              </a:rPr>
+              <a:t>label.y</a:t>
+            </a:r>
+            <a:r>
+              <a:rPr lang="en-GB" sz="2400" b="0" strike="noStrike" spc="-1" dirty="0">
+                <a:solidFill>
+                  <a:srgbClr val="000000"/>
+                </a:solidFill>
+                <a:latin typeface="Courier New"/>
+                <a:ea typeface="Calibri"/>
+              </a:rPr>
+              <a:t> = NULL, </a:t>
+            </a:r>
+            <a:r>
+              <a:rPr lang="en-GB" sz="2400" b="1" strike="noStrike" spc="-1" dirty="0">
+                <a:solidFill>
+                  <a:srgbClr val="000000"/>
+                </a:solidFill>
+                <a:latin typeface="Courier New"/>
+                <a:ea typeface="Calibri"/>
+              </a:rPr>
+              <a:t>...</a:t>
+            </a:r>
+            <a:r>
+              <a:rPr lang="en-GB" sz="2400" b="0" strike="noStrike" spc="-1" dirty="0">
+                <a:solidFill>
+                  <a:srgbClr val="000000"/>
+                </a:solidFill>
+                <a:latin typeface="Courier New"/>
+                <a:ea typeface="Calibri"/>
+              </a:rPr>
+              <a:t>)</a:t>
+            </a:r>
+            <a:endParaRPr lang="en-GB" sz="2400" b="0" strike="noStrike" spc="-1" dirty="0">
+              <a:latin typeface="Arial"/>
+            </a:endParaRPr>
+          </a:p>
+          <a:p>
+            <a:pPr marL="342900" indent="-342900">
+              <a:lnSpc>
+                <a:spcPct val="100000"/>
+              </a:lnSpc>
+              <a:spcBef>
+                <a:spcPts val="641"/>
+              </a:spcBef>
+              <a:buFont typeface="Arial" panose="020B0604020202020204" pitchFamily="34" charset="0"/>
+              <a:buChar char="•"/>
+              <a:tabLst>
+                <a:tab pos="0" algn="l"/>
+              </a:tabLst>
+            </a:pPr>
+            <a:r>
+              <a:rPr lang="en-GB" sz="2400" b="0" strike="noStrike" spc="-1" dirty="0">
+                <a:latin typeface="Arial"/>
+              </a:rPr>
+              <a:t>If adjusted p-values are required</a:t>
+            </a:r>
+          </a:p>
+          <a:p>
+            <a:pPr>
+              <a:lnSpc>
+                <a:spcPct val="100000"/>
+              </a:lnSpc>
+              <a:spcBef>
+                <a:spcPts val="641"/>
+              </a:spcBef>
+              <a:tabLst>
+                <a:tab pos="0" algn="l"/>
+              </a:tabLst>
+            </a:pPr>
+            <a:r>
+              <a:rPr lang="en-GB" sz="2400" b="1" spc="-1" dirty="0" err="1">
+                <a:latin typeface="Courier New" panose="02070309020205020404" pitchFamily="49" charset="0"/>
+                <a:cs typeface="Courier New" panose="02070309020205020404" pitchFamily="49" charset="0"/>
+              </a:rPr>
+              <a:t>stat_pvalue_manual</a:t>
+            </a:r>
+            <a:r>
+              <a:rPr lang="en-GB" sz="2400" spc="-1" dirty="0">
+                <a:latin typeface="Courier New" panose="02070309020205020404" pitchFamily="49" charset="0"/>
+                <a:cs typeface="Courier New" panose="02070309020205020404" pitchFamily="49" charset="0"/>
+              </a:rPr>
+              <a:t>(</a:t>
+            </a:r>
+            <a:r>
+              <a:rPr lang="en-GB" sz="2400" spc="-1" dirty="0" err="1">
+                <a:latin typeface="Courier New" panose="02070309020205020404" pitchFamily="49" charset="0"/>
+                <a:cs typeface="Courier New" panose="02070309020205020404" pitchFamily="49" charset="0"/>
+              </a:rPr>
+              <a:t>stat.test</a:t>
+            </a:r>
+            <a:r>
+              <a:rPr lang="en-GB" sz="2400" spc="-1" dirty="0">
+                <a:latin typeface="Courier New" panose="02070309020205020404" pitchFamily="49" charset="0"/>
+                <a:cs typeface="Courier New" panose="02070309020205020404" pitchFamily="49" charset="0"/>
+              </a:rPr>
+              <a:t>, label = "</a:t>
+            </a:r>
+            <a:r>
+              <a:rPr lang="en-GB" sz="2400" spc="-1" dirty="0" err="1">
+                <a:latin typeface="Courier New" panose="02070309020205020404" pitchFamily="49" charset="0"/>
+                <a:cs typeface="Courier New" panose="02070309020205020404" pitchFamily="49" charset="0"/>
+              </a:rPr>
+              <a:t>p.adj.signif</a:t>
+            </a:r>
+            <a:r>
+              <a:rPr lang="en-GB" sz="2400" spc="-1" dirty="0">
+                <a:latin typeface="Courier New" panose="02070309020205020404" pitchFamily="49" charset="0"/>
+                <a:cs typeface="Courier New" panose="02070309020205020404" pitchFamily="49" charset="0"/>
+              </a:rPr>
+              <a:t>”, </a:t>
+            </a:r>
+            <a:r>
+              <a:rPr lang="en-GB" sz="2400" spc="-1" dirty="0" err="1">
+                <a:latin typeface="Courier New" panose="02070309020205020404" pitchFamily="49" charset="0"/>
+                <a:cs typeface="Courier New" panose="02070309020205020404" pitchFamily="49" charset="0"/>
+              </a:rPr>
+              <a:t>hide.ns</a:t>
+            </a:r>
+            <a:r>
+              <a:rPr lang="en-GB" sz="2400" spc="-1" dirty="0">
+                <a:latin typeface="Courier New" panose="02070309020205020404" pitchFamily="49" charset="0"/>
+                <a:cs typeface="Courier New" panose="02070309020205020404" pitchFamily="49" charset="0"/>
+              </a:rPr>
+              <a:t> = TRUE, ...)</a:t>
+            </a:r>
+          </a:p>
+        </p:txBody>
+      </p:sp>
+    </p:spTree>
+  </p:cSld>
+  <p:clrMapOvr>
+    <a:masterClrMapping/>
+  </p:clrMapOvr>
+</p:sld>
+</file>
+
+<file path=ppt/slides/slide6.xml><?xml version="1.0" encoding="utf-8"?>
+<p:sld xmlns:a="http://schemas.openxmlformats.org/drawingml/2006/main" xmlns:r="http://schemas.openxmlformats.org/officeDocument/2006/relationships" xmlns:p="http://schemas.openxmlformats.org/presentationml/2006/main">
+  <p:cSld>
+    <p:spTree>
+      <p:nvGrpSpPr>
+        <p:cNvPr id="1" name=""/>
+        <p:cNvGrpSpPr/>
+        <p:nvPr/>
+      </p:nvGrpSpPr>
+      <p:grpSpPr>
+        <a:xfrm>
+          <a:off x="0" y="0"/>
+          <a:ext cx="0" cy="0"/>
+          <a:chOff x="0" y="0"/>
+          <a:chExt cx="0" cy="0"/>
+        </a:xfrm>
+      </p:grpSpPr>
+      <p:sp>
+        <p:nvSpPr>
+          <p:cNvPr id="198" name="CustomShape 1"/>
+          <p:cNvSpPr/>
+          <p:nvPr/>
+        </p:nvSpPr>
+        <p:spPr>
+          <a:xfrm>
+            <a:off x="457200" y="274680"/>
+            <a:ext cx="8228520" cy="1141920"/>
+          </a:xfrm>
+          <a:prstGeom prst="rect">
+            <a:avLst/>
+          </a:prstGeom>
+          <a:noFill/>
+          <a:ln>
+            <a:noFill/>
+          </a:ln>
+        </p:spPr>
+        <p:style>
+          <a:lnRef idx="0">
+            <a:scrgbClr r="0" g="0" b="0"/>
+          </a:lnRef>
+          <a:fillRef idx="0">
+            <a:scrgbClr r="0" g="0" b="0"/>
+          </a:fillRef>
+          <a:effectRef idx="0">
+            <a:scrgbClr r="0" g="0" b="0"/>
+          </a:effectRef>
+          <a:fontRef idx="minor"/>
+        </p:style>
+        <p:txBody>
+          <a:bodyPr lIns="90000" tIns="45000" rIns="90000" bIns="45000" anchor="ctr">
+            <a:normAutofit fontScale="90000" lnSpcReduction="20000"/>
+          </a:bodyPr>
+          <a:lstStyle/>
+          <a:p>
+            <a:pPr algn="ctr">
+              <a:lnSpc>
+                <a:spcPct val="100000"/>
+              </a:lnSpc>
+            </a:pPr>
+            <a:r>
+              <a:rPr lang="en-GB" sz="4400" b="0" strike="noStrike" spc="-1">
+                <a:solidFill>
+                  <a:srgbClr val="000000"/>
+                </a:solidFill>
+                <a:latin typeface="Calibri"/>
+                <a:ea typeface="DejaVu Sans"/>
+              </a:rPr>
+              <a:t>Adding statistics to the plots - alternatively</a:t>
+            </a:r>
+            <a:endParaRPr lang="en-GB" sz="4400" b="0" strike="noStrike" spc="-1">
+              <a:latin typeface="Arial"/>
+            </a:endParaRPr>
+          </a:p>
+        </p:txBody>
+      </p:sp>
+      <p:sp>
+        <p:nvSpPr>
+          <p:cNvPr id="199" name="CustomShape 2"/>
+          <p:cNvSpPr/>
+          <p:nvPr/>
+        </p:nvSpPr>
+        <p:spPr>
+          <a:xfrm>
+            <a:off x="457200" y="1600200"/>
+            <a:ext cx="8228520" cy="4524840"/>
+          </a:xfrm>
+          <a:prstGeom prst="rect">
+            <a:avLst/>
+          </a:prstGeom>
+          <a:noFill/>
+          <a:ln>
+            <a:noFill/>
+          </a:ln>
+        </p:spPr>
+        <p:style>
+          <a:lnRef idx="0">
+            <a:scrgbClr r="0" g="0" b="0"/>
+          </a:lnRef>
+          <a:fillRef idx="0">
+            <a:scrgbClr r="0" g="0" b="0"/>
+          </a:fillRef>
+          <a:effectRef idx="0">
+            <a:scrgbClr r="0" g="0" b="0"/>
+          </a:effectRef>
+          <a:fontRef idx="minor"/>
+        </p:style>
+        <p:txBody>
+          <a:bodyPr lIns="90000" tIns="45000" rIns="90000" bIns="45000">
             <a:normAutofit/>
           </a:bodyPr>
           <a:lstStyle/>
@@ -13459,7 +14921,7 @@
 </p:sld>
 </file>
 
-<file path=ppt/slides/slide6.xml><?xml version="1.0" encoding="utf-8"?>
+<file path=ppt/slides/slide7.xml><?xml version="1.0" encoding="utf-8"?>
 <p:sld xmlns:a="http://schemas.openxmlformats.org/drawingml/2006/main" xmlns:r="http://schemas.openxmlformats.org/officeDocument/2006/relationships" xmlns:p="http://schemas.openxmlformats.org/presentationml/2006/main">
   <p:cSld>
     <p:bg>
@@ -14023,7 +15485,7 @@
 </p:sld>
 </file>
 
-<file path=ppt/slides/slide7.xml><?xml version="1.0" encoding="utf-8"?>
+<file path=ppt/slides/slide8.xml><?xml version="1.0" encoding="utf-8"?>
 <p:sld xmlns:a="http://schemas.openxmlformats.org/drawingml/2006/main" xmlns:r="http://schemas.openxmlformats.org/officeDocument/2006/relationships" xmlns:p="http://schemas.openxmlformats.org/presentationml/2006/main">
   <p:cSld>
     <p:spTree>
@@ -14196,7 +15658,7 @@
 </p:sld>
 </file>
 
-<file path=ppt/slides/slide8.xml><?xml version="1.0" encoding="utf-8"?>
+<file path=ppt/slides/slide9.xml><?xml version="1.0" encoding="utf-8"?>
 <p:sld xmlns:a="http://schemas.openxmlformats.org/drawingml/2006/main" xmlns:r="http://schemas.openxmlformats.org/officeDocument/2006/relationships" xmlns:p="http://schemas.openxmlformats.org/presentationml/2006/main">
   <p:cSld>
     <p:spTree>
@@ -14510,1188 +15972,6 @@
             <a:endParaRPr lang="en-GB" sz="2150" b="0" strike="noStrike" spc="-1">
               <a:latin typeface="Arial"/>
             </a:endParaRPr>
-          </a:p>
-        </p:txBody>
-      </p:sp>
-    </p:spTree>
-  </p:cSld>
-  <p:clrMapOvr>
-    <a:masterClrMapping/>
-  </p:clrMapOvr>
-</p:sld>
-</file>
-
-<file path=ppt/slides/slide9.xml><?xml version="1.0" encoding="utf-8"?>
-<p:sld xmlns:a="http://schemas.openxmlformats.org/drawingml/2006/main" xmlns:r="http://schemas.openxmlformats.org/officeDocument/2006/relationships" xmlns:p="http://schemas.openxmlformats.org/presentationml/2006/main">
-  <p:cSld>
-    <p:spTree>
-      <p:nvGrpSpPr>
-        <p:cNvPr id="1" name=""/>
-        <p:cNvGrpSpPr/>
-        <p:nvPr/>
-      </p:nvGrpSpPr>
-      <p:grpSpPr>
-        <a:xfrm>
-          <a:off x="0" y="0"/>
-          <a:ext cx="0" cy="0"/>
-          <a:chOff x="0" y="0"/>
-          <a:chExt cx="0" cy="0"/>
-        </a:xfrm>
-      </p:grpSpPr>
-      <p:sp>
-        <p:nvSpPr>
-          <p:cNvPr id="210" name="CustomShape 1"/>
-          <p:cNvSpPr/>
-          <p:nvPr/>
-        </p:nvSpPr>
-        <p:spPr>
-          <a:xfrm>
-            <a:off x="457200" y="360"/>
-            <a:ext cx="8227800" cy="1143720"/>
-          </a:xfrm>
-          <a:prstGeom prst="rect">
-            <a:avLst/>
-          </a:prstGeom>
-          <a:noFill/>
-          <a:ln>
-            <a:noFill/>
-          </a:ln>
-        </p:spPr>
-        <p:style>
-          <a:lnRef idx="0">
-            <a:scrgbClr r="0" g="0" b="0"/>
-          </a:lnRef>
-          <a:fillRef idx="0">
-            <a:scrgbClr r="0" g="0" b="0"/>
-          </a:fillRef>
-          <a:effectRef idx="0">
-            <a:scrgbClr r="0" g="0" b="0"/>
-          </a:effectRef>
-          <a:fontRef idx="minor"/>
-        </p:style>
-        <p:txBody>
-          <a:bodyPr lIns="0" tIns="0" rIns="0" bIns="0" anchor="ctr">
-            <a:noAutofit/>
-          </a:bodyPr>
-          <a:lstStyle/>
-          <a:p>
-            <a:pPr algn="ctr">
-              <a:lnSpc>
-                <a:spcPct val="100000"/>
-              </a:lnSpc>
-            </a:pPr>
-            <a:r>
-              <a:rPr lang="en-GB" sz="4400" b="1" strike="noStrike" spc="-1">
-                <a:solidFill>
-                  <a:srgbClr val="000000"/>
-                </a:solidFill>
-                <a:latin typeface="Calibri"/>
-                <a:ea typeface="DejaVu Sans"/>
-              </a:rPr>
-              <a:t>Heatmaps</a:t>
-            </a:r>
-            <a:endParaRPr lang="en-GB" sz="4400" b="0" strike="noStrike" spc="-1">
-              <a:latin typeface="Arial"/>
-            </a:endParaRPr>
-          </a:p>
-        </p:txBody>
-      </p:sp>
-      <p:sp>
-        <p:nvSpPr>
-          <p:cNvPr id="211" name="CustomShape 2"/>
-          <p:cNvSpPr/>
-          <p:nvPr/>
-        </p:nvSpPr>
-        <p:spPr>
-          <a:xfrm>
-            <a:off x="457200" y="1091880"/>
-            <a:ext cx="8161920" cy="1002960"/>
-          </a:xfrm>
-          <a:prstGeom prst="rect">
-            <a:avLst/>
-          </a:prstGeom>
-          <a:noFill/>
-          <a:ln>
-            <a:noFill/>
-          </a:ln>
-        </p:spPr>
-        <p:style>
-          <a:lnRef idx="0">
-            <a:scrgbClr r="0" g="0" b="0"/>
-          </a:lnRef>
-          <a:fillRef idx="0">
-            <a:scrgbClr r="0" g="0" b="0"/>
-          </a:fillRef>
-          <a:effectRef idx="0">
-            <a:scrgbClr r="0" g="0" b="0"/>
-          </a:effectRef>
-          <a:fontRef idx="minor"/>
-        </p:style>
-        <p:txBody>
-          <a:bodyPr lIns="90000" tIns="45000" rIns="90000" bIns="45000">
-            <a:normAutofit lnSpcReduction="10000"/>
-          </a:bodyPr>
-          <a:lstStyle/>
-          <a:p>
-            <a:pPr marL="343080" indent="-342000">
-              <a:lnSpc>
-                <a:spcPct val="100000"/>
-              </a:lnSpc>
-              <a:spcBef>
-                <a:spcPts val="431"/>
-              </a:spcBef>
-              <a:buClr>
-                <a:srgbClr val="000000"/>
-              </a:buClr>
-              <a:buFont typeface="Arial"/>
-              <a:buChar char="•"/>
-            </a:pPr>
-            <a:r>
-              <a:rPr lang="en-GB" sz="2150" b="0" strike="noStrike" spc="-1">
-                <a:solidFill>
-                  <a:srgbClr val="000000"/>
-                </a:solidFill>
-                <a:latin typeface="Calibri"/>
-                <a:ea typeface="DejaVu Sans"/>
-              </a:rPr>
-              <a:t>Useful for displaying multidimensional data</a:t>
-            </a:r>
-            <a:endParaRPr lang="en-GB" sz="2150" b="0" strike="noStrike" spc="-1">
-              <a:latin typeface="Arial"/>
-            </a:endParaRPr>
-          </a:p>
-          <a:p>
-            <a:pPr marL="743040" lvl="1" indent="-284760">
-              <a:lnSpc>
-                <a:spcPct val="100000"/>
-              </a:lnSpc>
-              <a:spcBef>
-                <a:spcPts val="340"/>
-              </a:spcBef>
-              <a:buClr>
-                <a:srgbClr val="000000"/>
-              </a:buClr>
-              <a:buFont typeface="Arial"/>
-              <a:buChar char="–"/>
-            </a:pPr>
-            <a:r>
-              <a:rPr lang="en-GB" sz="1700" b="0" strike="noStrike" spc="-1">
-                <a:solidFill>
-                  <a:srgbClr val="000000"/>
-                </a:solidFill>
-                <a:latin typeface="Calibri"/>
-                <a:ea typeface="DejaVu Sans"/>
-              </a:rPr>
-              <a:t>A number of parameters</a:t>
-            </a:r>
-            <a:endParaRPr lang="en-GB" sz="1700" b="0" strike="noStrike" spc="-1">
-              <a:latin typeface="Arial"/>
-            </a:endParaRPr>
-          </a:p>
-          <a:p>
-            <a:pPr marL="743040" lvl="1" indent="-284760">
-              <a:lnSpc>
-                <a:spcPct val="100000"/>
-              </a:lnSpc>
-              <a:spcBef>
-                <a:spcPts val="340"/>
-              </a:spcBef>
-              <a:buClr>
-                <a:srgbClr val="000000"/>
-              </a:buClr>
-              <a:buFont typeface="Arial"/>
-              <a:buChar char="–"/>
-            </a:pPr>
-            <a:r>
-              <a:rPr lang="en-GB" sz="1700" b="0" strike="noStrike" spc="-1">
-                <a:solidFill>
-                  <a:srgbClr val="000000"/>
-                </a:solidFill>
-                <a:latin typeface="Courier New"/>
-                <a:ea typeface="DejaVu Sans"/>
-              </a:rPr>
-              <a:t>heatmap.2()</a:t>
-            </a:r>
-            <a:r>
-              <a:rPr lang="en-GB" sz="1700" b="0" strike="noStrike" spc="-1">
-                <a:solidFill>
-                  <a:srgbClr val="000000"/>
-                </a:solidFill>
-                <a:latin typeface="Calibri"/>
-                <a:ea typeface="DejaVu Sans"/>
-              </a:rPr>
-              <a:t> function from the gplots package</a:t>
-            </a:r>
-            <a:endParaRPr lang="en-GB" sz="1700" b="0" strike="noStrike" spc="-1">
-              <a:latin typeface="Arial"/>
-            </a:endParaRPr>
-          </a:p>
-          <a:p>
-            <a:pPr>
-              <a:lnSpc>
-                <a:spcPct val="100000"/>
-              </a:lnSpc>
-              <a:spcBef>
-                <a:spcPts val="269"/>
-              </a:spcBef>
-            </a:pPr>
-            <a:endParaRPr lang="en-GB" sz="1700" b="0" strike="noStrike" spc="-1">
-              <a:latin typeface="Arial"/>
-            </a:endParaRPr>
-          </a:p>
-          <a:p>
-            <a:pPr>
-              <a:lnSpc>
-                <a:spcPct val="100000"/>
-              </a:lnSpc>
-              <a:spcBef>
-                <a:spcPts val="349"/>
-              </a:spcBef>
-            </a:pPr>
-            <a:endParaRPr lang="en-GB" sz="1700" b="0" strike="noStrike" spc="-1">
-              <a:latin typeface="Arial"/>
-            </a:endParaRPr>
-          </a:p>
-        </p:txBody>
-      </p:sp>
-      <p:pic>
-        <p:nvPicPr>
-          <p:cNvPr id="212" name="Picture 7"/>
-          <p:cNvPicPr/>
-          <p:nvPr/>
-        </p:nvPicPr>
-        <p:blipFill>
-          <a:blip r:embed="rId2"/>
-          <a:stretch/>
-        </p:blipFill>
-        <p:spPr>
-          <a:xfrm>
-            <a:off x="4283280" y="2148480"/>
-            <a:ext cx="4007160" cy="4362120"/>
-          </a:xfrm>
-          <a:prstGeom prst="rect">
-            <a:avLst/>
-          </a:prstGeom>
-          <a:ln>
-            <a:noFill/>
-          </a:ln>
-        </p:spPr>
-      </p:pic>
-      <p:sp>
-        <p:nvSpPr>
-          <p:cNvPr id="213" name="CustomShape 3"/>
-          <p:cNvSpPr/>
-          <p:nvPr/>
-        </p:nvSpPr>
-        <p:spPr>
-          <a:xfrm>
-            <a:off x="4314600" y="3302640"/>
-            <a:ext cx="3416760" cy="212040"/>
-          </a:xfrm>
-          <a:prstGeom prst="rect">
-            <a:avLst/>
-          </a:prstGeom>
-          <a:noFill/>
-          <a:ln>
-            <a:round/>
-          </a:ln>
-        </p:spPr>
-        <p:style>
-          <a:lnRef idx="2">
-            <a:schemeClr val="accent2"/>
-          </a:lnRef>
-          <a:fillRef idx="1">
-            <a:schemeClr val="lt1"/>
-          </a:fillRef>
-          <a:effectRef idx="0">
-            <a:schemeClr val="accent2"/>
-          </a:effectRef>
-          <a:fontRef idx="minor"/>
-        </p:style>
-        <p:txBody>
-          <a:bodyPr/>
-          <a:lstStyle/>
-          <a:p>
-            <a:endParaRPr lang="en-US"/>
-          </a:p>
-        </p:txBody>
-      </p:sp>
-      <p:sp>
-        <p:nvSpPr>
-          <p:cNvPr id="214" name="CustomShape 4"/>
-          <p:cNvSpPr/>
-          <p:nvPr/>
-        </p:nvSpPr>
-        <p:spPr>
-          <a:xfrm>
-            <a:off x="4314600" y="2148480"/>
-            <a:ext cx="3416760" cy="1153080"/>
-          </a:xfrm>
-          <a:prstGeom prst="rect">
-            <a:avLst/>
-          </a:prstGeom>
-          <a:noFill/>
-          <a:ln>
-            <a:round/>
-          </a:ln>
-        </p:spPr>
-        <p:style>
-          <a:lnRef idx="2">
-            <a:schemeClr val="accent4"/>
-          </a:lnRef>
-          <a:fillRef idx="1">
-            <a:schemeClr val="lt1"/>
-          </a:fillRef>
-          <a:effectRef idx="0">
-            <a:schemeClr val="accent4"/>
-          </a:effectRef>
-          <a:fontRef idx="minor"/>
-        </p:style>
-        <p:txBody>
-          <a:bodyPr/>
-          <a:lstStyle/>
-          <a:p>
-            <a:endParaRPr lang="en-US"/>
-          </a:p>
-        </p:txBody>
-      </p:sp>
-      <p:sp>
-        <p:nvSpPr>
-          <p:cNvPr id="215" name="CustomShape 5"/>
-          <p:cNvSpPr/>
-          <p:nvPr/>
-        </p:nvSpPr>
-        <p:spPr>
-          <a:xfrm>
-            <a:off x="4314600" y="6298560"/>
-            <a:ext cx="3416760" cy="212040"/>
-          </a:xfrm>
-          <a:prstGeom prst="rect">
-            <a:avLst/>
-          </a:prstGeom>
-          <a:noFill/>
-          <a:ln>
-            <a:solidFill>
-              <a:srgbClr val="00B0F0"/>
-            </a:solidFill>
-            <a:round/>
-          </a:ln>
-        </p:spPr>
-        <p:style>
-          <a:lnRef idx="2">
-            <a:schemeClr val="accent2"/>
-          </a:lnRef>
-          <a:fillRef idx="1">
-            <a:schemeClr val="lt1"/>
-          </a:fillRef>
-          <a:effectRef idx="0">
-            <a:schemeClr val="accent2"/>
-          </a:effectRef>
-          <a:fontRef idx="minor"/>
-        </p:style>
-        <p:txBody>
-          <a:bodyPr/>
-          <a:lstStyle/>
-          <a:p>
-            <a:endParaRPr lang="en-US"/>
-          </a:p>
-        </p:txBody>
-      </p:sp>
-      <p:sp>
-        <p:nvSpPr>
-          <p:cNvPr id="216" name="CustomShape 6"/>
-          <p:cNvSpPr/>
-          <p:nvPr/>
-        </p:nvSpPr>
-        <p:spPr>
-          <a:xfrm>
-            <a:off x="7732440" y="3515400"/>
-            <a:ext cx="589320" cy="2782080"/>
-          </a:xfrm>
-          <a:prstGeom prst="rect">
-            <a:avLst/>
-          </a:prstGeom>
-          <a:noFill/>
-          <a:ln>
-            <a:solidFill>
-              <a:srgbClr val="C00000"/>
-            </a:solidFill>
-            <a:round/>
-          </a:ln>
-        </p:spPr>
-        <p:style>
-          <a:lnRef idx="2">
-            <a:schemeClr val="accent2"/>
-          </a:lnRef>
-          <a:fillRef idx="1">
-            <a:schemeClr val="lt1"/>
-          </a:fillRef>
-          <a:effectRef idx="0">
-            <a:schemeClr val="accent2"/>
-          </a:effectRef>
-          <a:fontRef idx="minor"/>
-        </p:style>
-        <p:txBody>
-          <a:bodyPr/>
-          <a:lstStyle/>
-          <a:p>
-            <a:endParaRPr lang="en-US"/>
-          </a:p>
-        </p:txBody>
-      </p:sp>
-      <p:sp>
-        <p:nvSpPr>
-          <p:cNvPr id="217" name="CustomShape 7"/>
-          <p:cNvSpPr/>
-          <p:nvPr/>
-        </p:nvSpPr>
-        <p:spPr>
-          <a:xfrm>
-            <a:off x="7290720" y="2148480"/>
-            <a:ext cx="1031040" cy="886680"/>
-          </a:xfrm>
-          <a:prstGeom prst="rect">
-            <a:avLst/>
-          </a:prstGeom>
-          <a:noFill/>
-          <a:ln>
-            <a:solidFill>
-              <a:srgbClr val="FFC000"/>
-            </a:solidFill>
-            <a:round/>
-          </a:ln>
-        </p:spPr>
-        <p:style>
-          <a:lnRef idx="2">
-            <a:schemeClr val="accent2"/>
-          </a:lnRef>
-          <a:fillRef idx="1">
-            <a:schemeClr val="lt1"/>
-          </a:fillRef>
-          <a:effectRef idx="0">
-            <a:schemeClr val="accent2"/>
-          </a:effectRef>
-          <a:fontRef idx="minor"/>
-        </p:style>
-        <p:txBody>
-          <a:bodyPr/>
-          <a:lstStyle/>
-          <a:p>
-            <a:endParaRPr lang="en-US"/>
-          </a:p>
-        </p:txBody>
-      </p:sp>
-      <p:sp>
-        <p:nvSpPr>
-          <p:cNvPr id="218" name="CustomShape 8"/>
-          <p:cNvSpPr/>
-          <p:nvPr/>
-        </p:nvSpPr>
-        <p:spPr>
-          <a:xfrm>
-            <a:off x="457200" y="3026160"/>
-            <a:ext cx="2337120" cy="363960"/>
-          </a:xfrm>
-          <a:prstGeom prst="rect">
-            <a:avLst/>
-          </a:prstGeom>
-          <a:noFill/>
-          <a:ln>
-            <a:noFill/>
-          </a:ln>
-        </p:spPr>
-        <p:style>
-          <a:lnRef idx="0">
-            <a:scrgbClr r="0" g="0" b="0"/>
-          </a:lnRef>
-          <a:fillRef idx="0">
-            <a:scrgbClr r="0" g="0" b="0"/>
-          </a:fillRef>
-          <a:effectRef idx="0">
-            <a:scrgbClr r="0" g="0" b="0"/>
-          </a:effectRef>
-          <a:fontRef idx="minor"/>
-        </p:style>
-        <p:txBody>
-          <a:bodyPr lIns="90000" tIns="45000" rIns="90000" bIns="45000">
-            <a:spAutoFit/>
-          </a:bodyPr>
-          <a:lstStyle/>
-          <a:p>
-            <a:pPr algn="ctr">
-              <a:lnSpc>
-                <a:spcPct val="100000"/>
-              </a:lnSpc>
-            </a:pPr>
-            <a:r>
-              <a:rPr lang="en-GB" sz="1800" b="0" strike="noStrike" spc="-1">
-                <a:solidFill>
-                  <a:srgbClr val="000000"/>
-                </a:solidFill>
-                <a:latin typeface="Calibri"/>
-                <a:ea typeface="DejaVu Sans"/>
-              </a:rPr>
-              <a:t>Additional annotation</a:t>
-            </a:r>
-            <a:endParaRPr lang="en-GB" sz="1800" b="0" strike="noStrike" spc="-1">
-              <a:latin typeface="Arial"/>
-            </a:endParaRPr>
-          </a:p>
-        </p:txBody>
-      </p:sp>
-      <p:sp>
-        <p:nvSpPr>
-          <p:cNvPr id="219" name="CustomShape 9"/>
-          <p:cNvSpPr/>
-          <p:nvPr/>
-        </p:nvSpPr>
-        <p:spPr>
-          <a:xfrm>
-            <a:off x="1402560" y="6142320"/>
-            <a:ext cx="1982880" cy="363960"/>
-          </a:xfrm>
-          <a:prstGeom prst="rect">
-            <a:avLst/>
-          </a:prstGeom>
-          <a:noFill/>
-          <a:ln>
-            <a:noFill/>
-          </a:ln>
-        </p:spPr>
-        <p:style>
-          <a:lnRef idx="0">
-            <a:scrgbClr r="0" g="0" b="0"/>
-          </a:lnRef>
-          <a:fillRef idx="0">
-            <a:scrgbClr r="0" g="0" b="0"/>
-          </a:fillRef>
-          <a:effectRef idx="0">
-            <a:scrgbClr r="0" g="0" b="0"/>
-          </a:effectRef>
-          <a:fontRef idx="minor"/>
-        </p:style>
-        <p:txBody>
-          <a:bodyPr lIns="90000" tIns="45000" rIns="90000" bIns="45000">
-            <a:spAutoFit/>
-          </a:bodyPr>
-          <a:lstStyle/>
-          <a:p>
-            <a:pPr algn="ctr">
-              <a:lnSpc>
-                <a:spcPct val="100000"/>
-              </a:lnSpc>
-            </a:pPr>
-            <a:r>
-              <a:rPr lang="en-GB" sz="1800" b="0" strike="noStrike" spc="-1">
-                <a:solidFill>
-                  <a:srgbClr val="000000"/>
-                </a:solidFill>
-                <a:latin typeface="Calibri"/>
-                <a:ea typeface="DejaVu Sans"/>
-              </a:rPr>
-              <a:t>Column annotation</a:t>
-            </a:r>
-            <a:endParaRPr lang="en-GB" sz="1800" b="0" strike="noStrike" spc="-1">
-              <a:latin typeface="Arial"/>
-            </a:endParaRPr>
-          </a:p>
-        </p:txBody>
-      </p:sp>
-      <p:sp>
-        <p:nvSpPr>
-          <p:cNvPr id="220" name="CustomShape 10"/>
-          <p:cNvSpPr/>
-          <p:nvPr/>
-        </p:nvSpPr>
-        <p:spPr>
-          <a:xfrm>
-            <a:off x="3288600" y="4537800"/>
-            <a:ext cx="918360" cy="363960"/>
-          </a:xfrm>
-          <a:prstGeom prst="rect">
-            <a:avLst/>
-          </a:prstGeom>
-          <a:noFill/>
-          <a:ln>
-            <a:noFill/>
-          </a:ln>
-        </p:spPr>
-        <p:style>
-          <a:lnRef idx="0">
-            <a:scrgbClr r="0" g="0" b="0"/>
-          </a:lnRef>
-          <a:fillRef idx="0">
-            <a:scrgbClr r="0" g="0" b="0"/>
-          </a:fillRef>
-          <a:effectRef idx="0">
-            <a:scrgbClr r="0" g="0" b="0"/>
-          </a:effectRef>
-          <a:fontRef idx="minor"/>
-        </p:style>
-        <p:txBody>
-          <a:bodyPr lIns="90000" tIns="45000" rIns="90000" bIns="45000">
-            <a:spAutoFit/>
-          </a:bodyPr>
-          <a:lstStyle/>
-          <a:p>
-            <a:pPr algn="ctr">
-              <a:lnSpc>
-                <a:spcPct val="100000"/>
-              </a:lnSpc>
-            </a:pPr>
-            <a:r>
-              <a:rPr lang="en-GB" sz="1800" b="0" strike="noStrike" spc="-1">
-                <a:solidFill>
-                  <a:srgbClr val="000000"/>
-                </a:solidFill>
-                <a:latin typeface="Calibri"/>
-                <a:ea typeface="DejaVu Sans"/>
-              </a:rPr>
-              <a:t>Colours</a:t>
-            </a:r>
-            <a:endParaRPr lang="en-GB" sz="1800" b="0" strike="noStrike" spc="-1">
-              <a:latin typeface="Arial"/>
-            </a:endParaRPr>
-          </a:p>
-        </p:txBody>
-      </p:sp>
-      <p:sp>
-        <p:nvSpPr>
-          <p:cNvPr id="221" name="CustomShape 11"/>
-          <p:cNvSpPr/>
-          <p:nvPr/>
-        </p:nvSpPr>
-        <p:spPr>
-          <a:xfrm>
-            <a:off x="555840" y="2310480"/>
-            <a:ext cx="2337120" cy="363960"/>
-          </a:xfrm>
-          <a:prstGeom prst="rect">
-            <a:avLst/>
-          </a:prstGeom>
-          <a:noFill/>
-          <a:ln>
-            <a:noFill/>
-          </a:ln>
-        </p:spPr>
-        <p:style>
-          <a:lnRef idx="0">
-            <a:scrgbClr r="0" g="0" b="0"/>
-          </a:lnRef>
-          <a:fillRef idx="0">
-            <a:scrgbClr r="0" g="0" b="0"/>
-          </a:fillRef>
-          <a:effectRef idx="0">
-            <a:scrgbClr r="0" g="0" b="0"/>
-          </a:effectRef>
-          <a:fontRef idx="minor"/>
-        </p:style>
-        <p:txBody>
-          <a:bodyPr lIns="90000" tIns="45000" rIns="90000" bIns="45000">
-            <a:spAutoFit/>
-          </a:bodyPr>
-          <a:lstStyle/>
-          <a:p>
-            <a:pPr algn="ctr">
-              <a:lnSpc>
-                <a:spcPct val="100000"/>
-              </a:lnSpc>
-            </a:pPr>
-            <a:r>
-              <a:rPr lang="en-GB" sz="1800" b="0" strike="noStrike" spc="-1">
-                <a:solidFill>
-                  <a:srgbClr val="000000"/>
-                </a:solidFill>
-                <a:latin typeface="Calibri"/>
-                <a:ea typeface="DejaVu Sans"/>
-              </a:rPr>
-              <a:t>Hierarchical clustering</a:t>
-            </a:r>
-            <a:endParaRPr lang="en-GB" sz="1800" b="0" strike="noStrike" spc="-1">
-              <a:latin typeface="Arial"/>
-            </a:endParaRPr>
-          </a:p>
-        </p:txBody>
-      </p:sp>
-      <p:sp>
-        <p:nvSpPr>
-          <p:cNvPr id="222" name="CustomShape 12"/>
-          <p:cNvSpPr/>
-          <p:nvPr/>
-        </p:nvSpPr>
-        <p:spPr>
-          <a:xfrm>
-            <a:off x="7466040" y="1484280"/>
-            <a:ext cx="1153080" cy="363960"/>
-          </a:xfrm>
-          <a:prstGeom prst="rect">
-            <a:avLst/>
-          </a:prstGeom>
-          <a:noFill/>
-          <a:ln>
-            <a:noFill/>
-          </a:ln>
-        </p:spPr>
-        <p:style>
-          <a:lnRef idx="0">
-            <a:scrgbClr r="0" g="0" b="0"/>
-          </a:lnRef>
-          <a:fillRef idx="0">
-            <a:scrgbClr r="0" g="0" b="0"/>
-          </a:fillRef>
-          <a:effectRef idx="0">
-            <a:scrgbClr r="0" g="0" b="0"/>
-          </a:effectRef>
-          <a:fontRef idx="minor"/>
-        </p:style>
-        <p:txBody>
-          <a:bodyPr lIns="90000" tIns="45000" rIns="90000" bIns="45000">
-            <a:spAutoFit/>
-          </a:bodyPr>
-          <a:lstStyle/>
-          <a:p>
-            <a:pPr algn="ctr">
-              <a:lnSpc>
-                <a:spcPct val="100000"/>
-              </a:lnSpc>
-            </a:pPr>
-            <a:r>
-              <a:rPr lang="en-GB" sz="1800" b="0" strike="noStrike" spc="-1">
-                <a:solidFill>
-                  <a:srgbClr val="000000"/>
-                </a:solidFill>
-                <a:latin typeface="Calibri"/>
-                <a:ea typeface="DejaVu Sans"/>
-              </a:rPr>
-              <a:t>Legend</a:t>
-            </a:r>
-            <a:endParaRPr lang="en-GB" sz="1800" b="0" strike="noStrike" spc="-1">
-              <a:latin typeface="Arial"/>
-            </a:endParaRPr>
-          </a:p>
-        </p:txBody>
-      </p:sp>
-      <p:sp>
-        <p:nvSpPr>
-          <p:cNvPr id="223" name="CustomShape 13"/>
-          <p:cNvSpPr/>
-          <p:nvPr/>
-        </p:nvSpPr>
-        <p:spPr>
-          <a:xfrm>
-            <a:off x="1402560" y="5412600"/>
-            <a:ext cx="1884960" cy="363960"/>
-          </a:xfrm>
-          <a:prstGeom prst="rect">
-            <a:avLst/>
-          </a:prstGeom>
-          <a:noFill/>
-          <a:ln>
-            <a:noFill/>
-          </a:ln>
-        </p:spPr>
-        <p:style>
-          <a:lnRef idx="0">
-            <a:scrgbClr r="0" g="0" b="0"/>
-          </a:lnRef>
-          <a:fillRef idx="0">
-            <a:scrgbClr r="0" g="0" b="0"/>
-          </a:fillRef>
-          <a:effectRef idx="0">
-            <a:scrgbClr r="0" g="0" b="0"/>
-          </a:effectRef>
-          <a:fontRef idx="minor"/>
-        </p:style>
-        <p:txBody>
-          <a:bodyPr lIns="90000" tIns="45000" rIns="90000" bIns="45000">
-            <a:spAutoFit/>
-          </a:bodyPr>
-          <a:lstStyle/>
-          <a:p>
-            <a:pPr algn="ctr">
-              <a:lnSpc>
-                <a:spcPct val="100000"/>
-              </a:lnSpc>
-            </a:pPr>
-            <a:r>
-              <a:rPr lang="en-GB" sz="1800" b="0" strike="noStrike" spc="-1">
-                <a:solidFill>
-                  <a:srgbClr val="000000"/>
-                </a:solidFill>
-                <a:latin typeface="Calibri"/>
-                <a:ea typeface="DejaVu Sans"/>
-              </a:rPr>
-              <a:t>Row annotation</a:t>
-            </a:r>
-            <a:endParaRPr lang="en-GB" sz="1800" b="0" strike="noStrike" spc="-1">
-              <a:latin typeface="Arial"/>
-            </a:endParaRPr>
-          </a:p>
-        </p:txBody>
-      </p:sp>
-      <p:sp>
-        <p:nvSpPr>
-          <p:cNvPr id="224" name="CustomShape 14"/>
-          <p:cNvSpPr/>
-          <p:nvPr/>
-        </p:nvSpPr>
-        <p:spPr>
-          <a:xfrm flipH="1" flipV="1">
-            <a:off x="2793960" y="3209400"/>
-            <a:ext cx="1518120" cy="196920"/>
-          </a:xfrm>
-          <a:custGeom>
-            <a:avLst/>
-            <a:gdLst/>
-            <a:ahLst/>
-            <a:cxnLst/>
-            <a:rect l="l" t="t" r="r" b="b"/>
-            <a:pathLst>
-              <a:path w="21600" h="21600">
-                <a:moveTo>
-                  <a:pt x="0" y="0"/>
-                </a:moveTo>
-                <a:lnTo>
-                  <a:pt x="21600" y="21600"/>
-                </a:lnTo>
-              </a:path>
-            </a:pathLst>
-          </a:custGeom>
-          <a:noFill/>
-          <a:ln>
-            <a:round/>
-            <a:tailEnd type="triangle" w="med" len="med"/>
-          </a:ln>
-          <a:effectLst>
-            <a:outerShdw blurRad="40000" dist="20160" dir="5400000" rotWithShape="0">
-              <a:srgbClr val="000000">
-                <a:alpha val="38000"/>
-              </a:srgbClr>
-            </a:outerShdw>
-          </a:effectLst>
-        </p:spPr>
-        <p:style>
-          <a:lnRef idx="2">
-            <a:schemeClr val="accent2"/>
-          </a:lnRef>
-          <a:fillRef idx="0">
-            <a:schemeClr val="accent2"/>
-          </a:fillRef>
-          <a:effectRef idx="1">
-            <a:schemeClr val="accent2"/>
-          </a:effectRef>
-          <a:fontRef idx="minor"/>
-        </p:style>
-        <p:txBody>
-          <a:bodyPr/>
-          <a:lstStyle/>
-          <a:p>
-            <a:endParaRPr lang="en-US"/>
-          </a:p>
-        </p:txBody>
-      </p:sp>
-      <p:sp>
-        <p:nvSpPr>
-          <p:cNvPr id="225" name="CustomShape 15"/>
-          <p:cNvSpPr/>
-          <p:nvPr/>
-        </p:nvSpPr>
-        <p:spPr>
-          <a:xfrm flipH="1" flipV="1">
-            <a:off x="4206600" y="4721040"/>
-            <a:ext cx="1233000" cy="137880"/>
-          </a:xfrm>
-          <a:custGeom>
-            <a:avLst/>
-            <a:gdLst/>
-            <a:ahLst/>
-            <a:cxnLst/>
-            <a:rect l="l" t="t" r="r" b="b"/>
-            <a:pathLst>
-              <a:path w="21600" h="21600">
-                <a:moveTo>
-                  <a:pt x="0" y="0"/>
-                </a:moveTo>
-                <a:lnTo>
-                  <a:pt x="21600" y="21600"/>
-                </a:lnTo>
-              </a:path>
-            </a:pathLst>
-          </a:custGeom>
-          <a:noFill/>
-          <a:ln>
-            <a:round/>
-            <a:tailEnd type="triangle" w="med" len="med"/>
-          </a:ln>
-          <a:effectLst>
-            <a:outerShdw blurRad="40000" dist="20160" dir="5400000" rotWithShape="0">
-              <a:srgbClr val="000000">
-                <a:alpha val="38000"/>
-              </a:srgbClr>
-            </a:outerShdw>
-          </a:effectLst>
-        </p:spPr>
-        <p:style>
-          <a:lnRef idx="2">
-            <a:schemeClr val="accent1"/>
-          </a:lnRef>
-          <a:fillRef idx="0">
-            <a:schemeClr val="accent1"/>
-          </a:fillRef>
-          <a:effectRef idx="1">
-            <a:schemeClr val="accent1"/>
-          </a:effectRef>
-          <a:fontRef idx="minor"/>
-        </p:style>
-        <p:txBody>
-          <a:bodyPr/>
-          <a:lstStyle/>
-          <a:p>
-            <a:endParaRPr lang="en-US"/>
-          </a:p>
-        </p:txBody>
-      </p:sp>
-      <p:sp>
-        <p:nvSpPr>
-          <p:cNvPr id="226" name="CustomShape 16"/>
-          <p:cNvSpPr/>
-          <p:nvPr/>
-        </p:nvSpPr>
-        <p:spPr>
-          <a:xfrm flipH="1" flipV="1">
-            <a:off x="2892600" y="2493720"/>
-            <a:ext cx="1419480" cy="229320"/>
-          </a:xfrm>
-          <a:custGeom>
-            <a:avLst/>
-            <a:gdLst/>
-            <a:ahLst/>
-            <a:cxnLst/>
-            <a:rect l="l" t="t" r="r" b="b"/>
-            <a:pathLst>
-              <a:path w="21600" h="21600">
-                <a:moveTo>
-                  <a:pt x="0" y="0"/>
-                </a:moveTo>
-                <a:lnTo>
-                  <a:pt x="21600" y="21600"/>
-                </a:lnTo>
-              </a:path>
-            </a:pathLst>
-          </a:custGeom>
-          <a:noFill/>
-          <a:ln>
-            <a:round/>
-            <a:tailEnd type="triangle" w="med" len="med"/>
-          </a:ln>
-          <a:effectLst>
-            <a:outerShdw blurRad="40000" dist="20160" dir="5400000" rotWithShape="0">
-              <a:srgbClr val="000000">
-                <a:alpha val="38000"/>
-              </a:srgbClr>
-            </a:outerShdw>
-          </a:effectLst>
-        </p:spPr>
-        <p:style>
-          <a:lnRef idx="2">
-            <a:schemeClr val="accent4"/>
-          </a:lnRef>
-          <a:fillRef idx="0">
-            <a:schemeClr val="accent4"/>
-          </a:fillRef>
-          <a:effectRef idx="1">
-            <a:schemeClr val="accent4"/>
-          </a:effectRef>
-          <a:fontRef idx="minor"/>
-        </p:style>
-        <p:txBody>
-          <a:bodyPr/>
-          <a:lstStyle/>
-          <a:p>
-            <a:endParaRPr lang="en-US"/>
-          </a:p>
-        </p:txBody>
-      </p:sp>
-      <p:sp>
-        <p:nvSpPr>
-          <p:cNvPr id="227" name="CustomShape 17"/>
-          <p:cNvSpPr/>
-          <p:nvPr/>
-        </p:nvSpPr>
-        <p:spPr>
-          <a:xfrm flipV="1">
-            <a:off x="7806960" y="1852920"/>
-            <a:ext cx="235440" cy="293760"/>
-          </a:xfrm>
-          <a:custGeom>
-            <a:avLst/>
-            <a:gdLst/>
-            <a:ahLst/>
-            <a:cxnLst/>
-            <a:rect l="l" t="t" r="r" b="b"/>
-            <a:pathLst>
-              <a:path w="21600" h="21600">
-                <a:moveTo>
-                  <a:pt x="0" y="0"/>
-                </a:moveTo>
-                <a:lnTo>
-                  <a:pt x="21600" y="21600"/>
-                </a:lnTo>
-              </a:path>
-            </a:pathLst>
-          </a:custGeom>
-          <a:noFill/>
-          <a:ln>
-            <a:round/>
-            <a:tailEnd type="triangle" w="med" len="med"/>
-          </a:ln>
-          <a:effectLst>
-            <a:outerShdw blurRad="40000" dist="20160" dir="5400000" rotWithShape="0">
-              <a:srgbClr val="000000">
-                <a:alpha val="38000"/>
-              </a:srgbClr>
-            </a:outerShdw>
-          </a:effectLst>
-        </p:spPr>
-        <p:style>
-          <a:lnRef idx="2">
-            <a:schemeClr val="accent6"/>
-          </a:lnRef>
-          <a:fillRef idx="0">
-            <a:schemeClr val="accent6"/>
-          </a:fillRef>
-          <a:effectRef idx="1">
-            <a:schemeClr val="accent6"/>
-          </a:effectRef>
-          <a:fontRef idx="minor"/>
-        </p:style>
-        <p:txBody>
-          <a:bodyPr/>
-          <a:lstStyle/>
-          <a:p>
-            <a:endParaRPr lang="en-US"/>
-          </a:p>
-        </p:txBody>
-      </p:sp>
-      <p:sp>
-        <p:nvSpPr>
-          <p:cNvPr id="228" name="CustomShape 18"/>
-          <p:cNvSpPr/>
-          <p:nvPr/>
-        </p:nvSpPr>
-        <p:spPr>
-          <a:xfrm flipH="1">
-            <a:off x="3287160" y="4907160"/>
-            <a:ext cx="4442760" cy="689040"/>
-          </a:xfrm>
-          <a:custGeom>
-            <a:avLst/>
-            <a:gdLst/>
-            <a:ahLst/>
-            <a:cxnLst/>
-            <a:rect l="l" t="t" r="r" b="b"/>
-            <a:pathLst>
-              <a:path w="21600" h="21600">
-                <a:moveTo>
-                  <a:pt x="0" y="0"/>
-                </a:moveTo>
-                <a:lnTo>
-                  <a:pt x="21600" y="21600"/>
-                </a:lnTo>
-              </a:path>
-            </a:pathLst>
-          </a:custGeom>
-          <a:noFill/>
-          <a:ln>
-            <a:round/>
-            <a:tailEnd type="triangle" w="med" len="med"/>
-          </a:ln>
-          <a:effectLst>
-            <a:outerShdw blurRad="40000" dist="20160" dir="5400000" rotWithShape="0">
-              <a:srgbClr val="000000">
-                <a:alpha val="38000"/>
-              </a:srgbClr>
-            </a:outerShdw>
-          </a:effectLst>
-        </p:spPr>
-        <p:style>
-          <a:lnRef idx="2">
-            <a:schemeClr val="accent2"/>
-          </a:lnRef>
-          <a:fillRef idx="0">
-            <a:schemeClr val="accent2"/>
-          </a:fillRef>
-          <a:effectRef idx="1">
-            <a:schemeClr val="accent2"/>
-          </a:effectRef>
-          <a:fontRef idx="minor"/>
-        </p:style>
-        <p:txBody>
-          <a:bodyPr/>
-          <a:lstStyle/>
-          <a:p>
-            <a:endParaRPr lang="en-US"/>
-          </a:p>
-        </p:txBody>
-      </p:sp>
-      <p:sp>
-        <p:nvSpPr>
-          <p:cNvPr id="229" name="CustomShape 19"/>
-          <p:cNvSpPr/>
-          <p:nvPr/>
-        </p:nvSpPr>
-        <p:spPr>
-          <a:xfrm flipH="1" flipV="1">
-            <a:off x="3386160" y="6326280"/>
-            <a:ext cx="926640" cy="77040"/>
-          </a:xfrm>
-          <a:custGeom>
-            <a:avLst/>
-            <a:gdLst/>
-            <a:ahLst/>
-            <a:cxnLst/>
-            <a:rect l="l" t="t" r="r" b="b"/>
-            <a:pathLst>
-              <a:path w="21600" h="21600">
-                <a:moveTo>
-                  <a:pt x="0" y="0"/>
-                </a:moveTo>
-                <a:lnTo>
-                  <a:pt x="21600" y="21600"/>
-                </a:lnTo>
-              </a:path>
-            </a:pathLst>
-          </a:custGeom>
-          <a:noFill/>
-          <a:ln>
-            <a:round/>
-            <a:tailEnd type="triangle" w="med" len="med"/>
-          </a:ln>
-          <a:effectLst>
-            <a:outerShdw blurRad="40000" dist="20160" dir="5400000" rotWithShape="0">
-              <a:srgbClr val="000000">
-                <a:alpha val="38000"/>
-              </a:srgbClr>
-            </a:outerShdw>
-          </a:effectLst>
-        </p:spPr>
-        <p:style>
-          <a:lnRef idx="2">
-            <a:schemeClr val="accent5"/>
-          </a:lnRef>
-          <a:fillRef idx="0">
-            <a:schemeClr val="accent5"/>
-          </a:fillRef>
-          <a:effectRef idx="1">
-            <a:schemeClr val="accent5"/>
-          </a:effectRef>
-          <a:fontRef idx="minor"/>
-        </p:style>
-        <p:txBody>
-          <a:bodyPr/>
-          <a:lstStyle/>
-          <a:p>
-            <a:endParaRPr lang="en-US"/>
           </a:p>
         </p:txBody>
       </p:sp>
